--- a/content/figures/2025-0602-SlidesDrawings.pptx
+++ b/content/figures/2025-0602-SlidesDrawings.pptx
@@ -5,15 +5,16 @@
     <p:sldMasterId id="2147483672" r:id="rId1"/>
   </p:sldMasterIdLst>
   <p:notesMasterIdLst>
-    <p:notesMasterId r:id="rId5"/>
+    <p:notesMasterId r:id="rId6"/>
   </p:notesMasterIdLst>
   <p:handoutMasterIdLst>
-    <p:handoutMasterId r:id="rId6"/>
+    <p:handoutMasterId r:id="rId7"/>
   </p:handoutMasterIdLst>
   <p:sldIdLst>
     <p:sldId id="280" r:id="rId2"/>
     <p:sldId id="391" r:id="rId3"/>
     <p:sldId id="388" r:id="rId4"/>
+    <p:sldId id="392" r:id="rId5"/>
   </p:sldIdLst>
   <p:sldSz cx="12192000" cy="6858000"/>
   <p:notesSz cx="6858000" cy="9144000"/>
@@ -205,7 +206,7 @@
           <a:p>
             <a:fld id="{28165F20-5173-4DB3-825D-5EAF54B043D4}" type="datetimeFigureOut">
               <a:rPr lang="en-US" smtClean="0"/>
-              <a:t>6/2/2025</a:t>
+              <a:t>6/3/2025</a:t>
             </a:fld>
             <a:endParaRPr lang="en-US"/>
           </a:p>
@@ -370,7 +371,7 @@
           <a:p>
             <a:fld id="{80A531E4-A405-42B3-89EC-55A34600D5C6}" type="datetimeFigureOut">
               <a:rPr lang="en-US" smtClean="0"/>
-              <a:t>6/2/2025</a:t>
+              <a:t>6/3/2025</a:t>
             </a:fld>
             <a:endParaRPr lang="en-US"/>
           </a:p>
@@ -852,7 +853,7 @@
           <a:p>
             <a:fld id="{C764DE79-268F-4C1A-8933-263129D2AF90}" type="datetimeFigureOut">
               <a:rPr lang="en-US" smtClean="0"/>
-              <a:t>6/2/2025</a:t>
+              <a:t>6/3/2025</a:t>
             </a:fld>
             <a:endParaRPr lang="en-US" dirty="0"/>
           </a:p>
@@ -1026,7 +1027,7 @@
           <a:p>
             <a:fld id="{C764DE79-268F-4C1A-8933-263129D2AF90}" type="datetimeFigureOut">
               <a:rPr lang="en-US" smtClean="0"/>
-              <a:t>6/2/2025</a:t>
+              <a:t>6/3/2025</a:t>
             </a:fld>
             <a:endParaRPr lang="en-US" dirty="0"/>
           </a:p>
@@ -1210,7 +1211,7 @@
           <a:p>
             <a:fld id="{C764DE79-268F-4C1A-8933-263129D2AF90}" type="datetimeFigureOut">
               <a:rPr lang="en-US" smtClean="0"/>
-              <a:t>6/2/2025</a:t>
+              <a:t>6/3/2025</a:t>
             </a:fld>
             <a:endParaRPr lang="en-US" dirty="0"/>
           </a:p>
@@ -1806,7 +1807,7 @@
           <a:p>
             <a:fld id="{C764DE79-268F-4C1A-8933-263129D2AF90}" type="datetimeFigureOut">
               <a:rPr lang="en-US" smtClean="0"/>
-              <a:t>6/2/2025</a:t>
+              <a:t>6/3/2025</a:t>
             </a:fld>
             <a:endParaRPr lang="en-US" dirty="0"/>
           </a:p>
@@ -2056,7 +2057,7 @@
           <a:p>
             <a:fld id="{C764DE79-268F-4C1A-8933-263129D2AF90}" type="datetimeFigureOut">
               <a:rPr lang="en-US" smtClean="0"/>
-              <a:t>6/2/2025</a:t>
+              <a:t>6/3/2025</a:t>
             </a:fld>
             <a:endParaRPr lang="en-US" dirty="0"/>
           </a:p>
@@ -2292,7 +2293,7 @@
           <a:p>
             <a:fld id="{C764DE79-268F-4C1A-8933-263129D2AF90}" type="datetimeFigureOut">
               <a:rPr lang="en-US" smtClean="0"/>
-              <a:t>6/2/2025</a:t>
+              <a:t>6/3/2025</a:t>
             </a:fld>
             <a:endParaRPr lang="en-US" dirty="0"/>
           </a:p>
@@ -2663,7 +2664,7 @@
           <a:p>
             <a:fld id="{C764DE79-268F-4C1A-8933-263129D2AF90}" type="datetimeFigureOut">
               <a:rPr lang="en-US" smtClean="0"/>
-              <a:t>6/2/2025</a:t>
+              <a:t>6/3/2025</a:t>
             </a:fld>
             <a:endParaRPr lang="en-US" dirty="0"/>
           </a:p>
@@ -2783,7 +2784,7 @@
           <a:p>
             <a:fld id="{C764DE79-268F-4C1A-8933-263129D2AF90}" type="datetimeFigureOut">
               <a:rPr lang="en-US" smtClean="0"/>
-              <a:t>6/2/2025</a:t>
+              <a:t>6/3/2025</a:t>
             </a:fld>
             <a:endParaRPr lang="en-US" dirty="0"/>
           </a:p>
@@ -2882,7 +2883,7 @@
           <a:p>
             <a:fld id="{C764DE79-268F-4C1A-8933-263129D2AF90}" type="datetimeFigureOut">
               <a:rPr lang="en-US" smtClean="0"/>
-              <a:t>6/2/2025</a:t>
+              <a:t>6/3/2025</a:t>
             </a:fld>
             <a:endParaRPr lang="en-US" dirty="0"/>
           </a:p>
@@ -3163,7 +3164,7 @@
           <a:p>
             <a:fld id="{C764DE79-268F-4C1A-8933-263129D2AF90}" type="datetimeFigureOut">
               <a:rPr lang="en-US" smtClean="0"/>
-              <a:t>6/2/2025</a:t>
+              <a:t>6/3/2025</a:t>
             </a:fld>
             <a:endParaRPr lang="en-US" dirty="0"/>
           </a:p>
@@ -3424,7 +3425,7 @@
           <a:p>
             <a:fld id="{C764DE79-268F-4C1A-8933-263129D2AF90}" type="datetimeFigureOut">
               <a:rPr lang="en-US" smtClean="0"/>
-              <a:t>6/2/2025</a:t>
+              <a:t>6/3/2025</a:t>
             </a:fld>
             <a:endParaRPr lang="en-US" dirty="0"/>
           </a:p>
@@ -3641,7 +3642,7 @@
           <a:p>
             <a:fld id="{C764DE79-268F-4C1A-8933-263129D2AF90}" type="datetimeFigureOut">
               <a:rPr lang="en-US" smtClean="0"/>
-              <a:t>6/2/2025</a:t>
+              <a:t>6/3/2025</a:t>
             </a:fld>
             <a:endParaRPr lang="en-US" dirty="0"/>
           </a:p>
@@ -4404,7 +4405,7 @@
           <a:p>
             <a:fld id="{1026A166-2B5D-421A-9927-C39478FBA929}" type="datetime1">
               <a:rPr lang="en-US" smtClean="0"/>
-              <a:t>6/2/2025</a:t>
+              <a:t>6/3/2025</a:t>
             </a:fld>
             <a:endParaRPr lang="en-US" dirty="0"/>
           </a:p>
@@ -5913,6 +5914,4032 @@
     <p:extLst>
       <p:ext uri="{BB962C8B-B14F-4D97-AF65-F5344CB8AC3E}">
         <p14:creationId xmlns:p14="http://schemas.microsoft.com/office/powerpoint/2010/main" val="1871098268"/>
+      </p:ext>
+    </p:extLst>
+  </p:cSld>
+  <p:clrMapOvr>
+    <a:masterClrMapping/>
+  </p:clrMapOvr>
+</p:sld>
+</file>
+
+<file path=ppt/slides/slide4.xml><?xml version="1.0" encoding="utf-8"?>
+<p:sld xmlns:a="http://schemas.openxmlformats.org/drawingml/2006/main" xmlns:r="http://schemas.openxmlformats.org/officeDocument/2006/relationships" xmlns:p="http://schemas.openxmlformats.org/presentationml/2006/main">
+  <p:cSld>
+    <p:spTree>
+      <p:nvGrpSpPr>
+        <p:cNvPr id="1" name=""/>
+        <p:cNvGrpSpPr/>
+        <p:nvPr/>
+      </p:nvGrpSpPr>
+      <p:grpSpPr>
+        <a:xfrm>
+          <a:off x="0" y="0"/>
+          <a:ext cx="0" cy="0"/>
+          <a:chOff x="0" y="0"/>
+          <a:chExt cx="0" cy="0"/>
+        </a:xfrm>
+      </p:grpSpPr>
+      <p:sp>
+        <p:nvSpPr>
+          <p:cNvPr id="2" name="Date Placeholder 1">
+            <a:extLst>
+              <a:ext uri="{FF2B5EF4-FFF2-40B4-BE49-F238E27FC236}">
+                <a16:creationId xmlns:a16="http://schemas.microsoft.com/office/drawing/2014/main" id="{4CAA529E-BEE4-CFEC-A787-B583E4AE9B93}"/>
+              </a:ext>
+            </a:extLst>
+          </p:cNvPr>
+          <p:cNvSpPr>
+            <a:spLocks noGrp="1"/>
+          </p:cNvSpPr>
+          <p:nvPr>
+            <p:ph type="dt" sz="half" idx="10"/>
+          </p:nvPr>
+        </p:nvSpPr>
+        <p:spPr/>
+        <p:txBody>
+          <a:bodyPr/>
+          <a:lstStyle/>
+          <a:p>
+            <a:fld id="{789430D1-7077-4A67-9E91-5FA56B6EB5D6}" type="datetime1">
+              <a:rPr lang="en-US" smtClean="0"/>
+              <a:t>6/3/2025</a:t>
+            </a:fld>
+            <a:endParaRPr lang="en-US" dirty="0"/>
+          </a:p>
+        </p:txBody>
+      </p:sp>
+      <p:sp>
+        <p:nvSpPr>
+          <p:cNvPr id="3" name="Footer Placeholder 2">
+            <a:extLst>
+              <a:ext uri="{FF2B5EF4-FFF2-40B4-BE49-F238E27FC236}">
+                <a16:creationId xmlns:a16="http://schemas.microsoft.com/office/drawing/2014/main" id="{31468F98-D0CD-6B54-3819-1439238ED1C0}"/>
+              </a:ext>
+            </a:extLst>
+          </p:cNvPr>
+          <p:cNvSpPr>
+            <a:spLocks noGrp="1"/>
+          </p:cNvSpPr>
+          <p:nvPr>
+            <p:ph type="ftr" sz="quarter" idx="11"/>
+          </p:nvPr>
+        </p:nvSpPr>
+        <p:spPr/>
+        <p:txBody>
+          <a:bodyPr/>
+          <a:lstStyle/>
+          <a:p>
+            <a:r>
+              <a:rPr lang="en-US"/>
+              <a:t>© Silicon Institute of Technology</a:t>
+            </a:r>
+            <a:endParaRPr lang="en-US" dirty="0"/>
+          </a:p>
+        </p:txBody>
+      </p:sp>
+      <p:sp>
+        <p:nvSpPr>
+          <p:cNvPr id="4" name="Slide Number Placeholder 3">
+            <a:extLst>
+              <a:ext uri="{FF2B5EF4-FFF2-40B4-BE49-F238E27FC236}">
+                <a16:creationId xmlns:a16="http://schemas.microsoft.com/office/drawing/2014/main" id="{878A70AE-E7EE-4C9A-55E2-C90107F68ED1}"/>
+              </a:ext>
+            </a:extLst>
+          </p:cNvPr>
+          <p:cNvSpPr>
+            <a:spLocks noGrp="1"/>
+          </p:cNvSpPr>
+          <p:nvPr>
+            <p:ph type="sldNum" sz="quarter" idx="12"/>
+          </p:nvPr>
+        </p:nvSpPr>
+        <p:spPr/>
+        <p:txBody>
+          <a:bodyPr/>
+          <a:lstStyle/>
+          <a:p>
+            <a:fld id="{C864B691-33EC-4159-AC63-9E0491782999}" type="slidenum">
+              <a:rPr lang="en-US" smtClean="0"/>
+              <a:t>4</a:t>
+            </a:fld>
+            <a:endParaRPr lang="en-US"/>
+          </a:p>
+        </p:txBody>
+      </p:sp>
+      <p:grpSp>
+        <p:nvGrpSpPr>
+          <p:cNvPr id="44" name="Group 43">
+            <a:extLst>
+              <a:ext uri="{FF2B5EF4-FFF2-40B4-BE49-F238E27FC236}">
+                <a16:creationId xmlns:a16="http://schemas.microsoft.com/office/drawing/2014/main" id="{C36F6940-FA4F-1AA5-6D7F-AC33CCB08319}"/>
+              </a:ext>
+            </a:extLst>
+          </p:cNvPr>
+          <p:cNvGrpSpPr/>
+          <p:nvPr/>
+        </p:nvGrpSpPr>
+        <p:grpSpPr>
+          <a:xfrm>
+            <a:off x="2840570" y="136525"/>
+            <a:ext cx="5770030" cy="6219825"/>
+            <a:chOff x="3581400" y="136525"/>
+            <a:chExt cx="5770030" cy="6219825"/>
+          </a:xfrm>
+        </p:grpSpPr>
+        <p:grpSp>
+          <p:nvGrpSpPr>
+            <p:cNvPr id="31" name="Group 30">
+              <a:extLst>
+                <a:ext uri="{FF2B5EF4-FFF2-40B4-BE49-F238E27FC236}">
+                  <a16:creationId xmlns:a16="http://schemas.microsoft.com/office/drawing/2014/main" id="{824EB51A-D046-4966-7A56-C8CE41711FBE}"/>
+                </a:ext>
+              </a:extLst>
+            </p:cNvPr>
+            <p:cNvGrpSpPr/>
+            <p:nvPr/>
+          </p:nvGrpSpPr>
+          <p:grpSpPr>
+            <a:xfrm>
+              <a:off x="3581400" y="136525"/>
+              <a:ext cx="5484120" cy="4289217"/>
+              <a:chOff x="439410" y="588984"/>
+              <a:chExt cx="5484120" cy="4289217"/>
+            </a:xfrm>
+          </p:grpSpPr>
+          <p:pic>
+            <p:nvPicPr>
+              <p:cNvPr id="6" name="Picture 5">
+                <a:extLst>
+                  <a:ext uri="{FF2B5EF4-FFF2-40B4-BE49-F238E27FC236}">
+                    <a16:creationId xmlns:a16="http://schemas.microsoft.com/office/drawing/2014/main" id="{37263D55-16DD-7CC0-CA3B-86568C2C6ED0}"/>
+                  </a:ext>
+                </a:extLst>
+              </p:cNvPr>
+              <p:cNvPicPr>
+                <a:picLocks noChangeAspect="1"/>
+              </p:cNvPicPr>
+              <p:nvPr/>
+            </p:nvPicPr>
+            <p:blipFill>
+              <a:blip r:embed="rId2"/>
+              <a:stretch>
+                <a:fillRect/>
+              </a:stretch>
+            </p:blipFill>
+            <p:spPr>
+              <a:xfrm>
+                <a:off x="439410" y="727484"/>
+                <a:ext cx="5297709" cy="3027262"/>
+              </a:xfrm>
+              <a:prstGeom prst="rect">
+                <a:avLst/>
+              </a:prstGeom>
+            </p:spPr>
+          </p:pic>
+          <mc:AlternateContent xmlns:mc="http://schemas.openxmlformats.org/markup-compatibility/2006">
+            <mc:Choice xmlns:a14="http://schemas.microsoft.com/office/drawing/2010/main" Requires="a14">
+              <p:sp>
+                <p:nvSpPr>
+                  <p:cNvPr id="7" name="TextBox 6">
+                    <a:extLst>
+                      <a:ext uri="{FF2B5EF4-FFF2-40B4-BE49-F238E27FC236}">
+                        <a16:creationId xmlns:a16="http://schemas.microsoft.com/office/drawing/2014/main" id="{43012078-6F5E-D829-BABC-33DC76B0D4AF}"/>
+                      </a:ext>
+                    </a:extLst>
+                  </p:cNvPr>
+                  <p:cNvSpPr txBox="1"/>
+                  <p:nvPr/>
+                </p:nvSpPr>
+                <p:spPr>
+                  <a:xfrm>
+                    <a:off x="863029" y="3074600"/>
+                    <a:ext cx="491930" cy="276999"/>
+                  </a:xfrm>
+                  <a:prstGeom prst="rect">
+                    <a:avLst/>
+                  </a:prstGeom>
+                  <a:noFill/>
+                </p:spPr>
+                <p:txBody>
+                  <a:bodyPr wrap="none" lIns="0" tIns="0" rIns="0" bIns="0" rtlCol="0">
+                    <a:spAutoFit/>
+                  </a:bodyPr>
+                  <a:lstStyle/>
+                  <a:p>
+                    <a14:m>
+                      <m:oMathPara xmlns:m="http://schemas.openxmlformats.org/officeDocument/2006/math">
+                        <m:oMathParaPr>
+                          <m:jc m:val="centerGroup"/>
+                        </m:oMathParaPr>
+                        <m:oMath xmlns:m="http://schemas.openxmlformats.org/officeDocument/2006/math">
+                          <m:sSub>
+                            <m:sSubPr>
+                              <m:ctrlPr>
+                                <a:rPr lang="en-US" b="0" i="1" smtClean="0">
+                                  <a:solidFill>
+                                    <a:srgbClr val="0070C0"/>
+                                  </a:solidFill>
+                                  <a:latin typeface="Cambria Math" panose="02040503050406030204" pitchFamily="18" charset="0"/>
+                                </a:rPr>
+                              </m:ctrlPr>
+                            </m:sSubPr>
+                            <m:e>
+                              <m:r>
+                                <a:rPr lang="en-US" b="0" i="1" smtClean="0">
+                                  <a:solidFill>
+                                    <a:srgbClr val="0070C0"/>
+                                  </a:solidFill>
+                                  <a:latin typeface="Cambria Math" panose="02040503050406030204" pitchFamily="18" charset="0"/>
+                                </a:rPr>
+                                <m:t>𝑣</m:t>
+                              </m:r>
+                            </m:e>
+                            <m:sub>
+                              <m:r>
+                                <a:rPr lang="en-US" b="0" i="1" smtClean="0">
+                                  <a:solidFill>
+                                    <a:srgbClr val="0070C0"/>
+                                  </a:solidFill>
+                                  <a:latin typeface="Cambria Math" panose="02040503050406030204" pitchFamily="18" charset="0"/>
+                                </a:rPr>
+                                <m:t>𝑚𝑖𝑐</m:t>
+                              </m:r>
+                            </m:sub>
+                          </m:sSub>
+                        </m:oMath>
+                      </m:oMathPara>
+                    </a14:m>
+                    <a:endParaRPr lang="en-US" dirty="0">
+                      <a:solidFill>
+                        <a:srgbClr val="0070C0"/>
+                      </a:solidFill>
+                    </a:endParaRPr>
+                  </a:p>
+                </p:txBody>
+              </p:sp>
+            </mc:Choice>
+            <mc:Fallback>
+              <p:sp>
+                <p:nvSpPr>
+                  <p:cNvPr id="7" name="TextBox 6">
+                    <a:extLst>
+                      <a:ext uri="{FF2B5EF4-FFF2-40B4-BE49-F238E27FC236}">
+                        <a16:creationId xmlns:a16="http://schemas.microsoft.com/office/drawing/2014/main" id="{43012078-6F5E-D829-BABC-33DC76B0D4AF}"/>
+                      </a:ext>
+                    </a:extLst>
+                  </p:cNvPr>
+                  <p:cNvSpPr txBox="1">
+                    <a:spLocks noRot="1" noChangeAspect="1" noMove="1" noResize="1" noEditPoints="1" noAdjustHandles="1" noChangeArrowheads="1" noChangeShapeType="1" noTextEdit="1"/>
+                  </p:cNvSpPr>
+                  <p:nvPr/>
+                </p:nvSpPr>
+                <p:spPr>
+                  <a:xfrm>
+                    <a:off x="863029" y="3074600"/>
+                    <a:ext cx="491930" cy="276999"/>
+                  </a:xfrm>
+                  <a:prstGeom prst="rect">
+                    <a:avLst/>
+                  </a:prstGeom>
+                  <a:blipFill>
+                    <a:blip r:embed="rId3"/>
+                    <a:stretch>
+                      <a:fillRect l="-6173" r="-4938" b="-17391"/>
+                    </a:stretch>
+                  </a:blipFill>
+                </p:spPr>
+                <p:txBody>
+                  <a:bodyPr/>
+                  <a:lstStyle/>
+                  <a:p>
+                    <a:r>
+                      <a:rPr lang="en-US">
+                        <a:noFill/>
+                      </a:rPr>
+                      <a:t> </a:t>
+                    </a:r>
+                  </a:p>
+                </p:txBody>
+              </p:sp>
+            </mc:Fallback>
+          </mc:AlternateContent>
+          <mc:AlternateContent xmlns:mc="http://schemas.openxmlformats.org/markup-compatibility/2006">
+            <mc:Choice xmlns:a14="http://schemas.microsoft.com/office/drawing/2010/main" Requires="a14">
+              <p:sp>
+                <p:nvSpPr>
+                  <p:cNvPr id="8" name="TextBox 7">
+                    <a:extLst>
+                      <a:ext uri="{FF2B5EF4-FFF2-40B4-BE49-F238E27FC236}">
+                        <a16:creationId xmlns:a16="http://schemas.microsoft.com/office/drawing/2014/main" id="{72497CD3-64E1-47A6-E402-25A5CFC8A1B5}"/>
+                      </a:ext>
+                    </a:extLst>
+                  </p:cNvPr>
+                  <p:cNvSpPr txBox="1"/>
+                  <p:nvPr/>
+                </p:nvSpPr>
+                <p:spPr>
+                  <a:xfrm>
+                    <a:off x="1233685" y="1809004"/>
+                    <a:ext cx="512641" cy="276999"/>
+                  </a:xfrm>
+                  <a:prstGeom prst="rect">
+                    <a:avLst/>
+                  </a:prstGeom>
+                  <a:noFill/>
+                </p:spPr>
+                <p:txBody>
+                  <a:bodyPr wrap="none" lIns="0" tIns="0" rIns="0" bIns="0" rtlCol="0">
+                    <a:spAutoFit/>
+                  </a:bodyPr>
+                  <a:lstStyle/>
+                  <a:p>
+                    <a14:m>
+                      <m:oMathPara xmlns:m="http://schemas.openxmlformats.org/officeDocument/2006/math">
+                        <m:oMathParaPr>
+                          <m:jc m:val="centerGroup"/>
+                        </m:oMathParaPr>
+                        <m:oMath xmlns:m="http://schemas.openxmlformats.org/officeDocument/2006/math">
+                          <m:sSub>
+                            <m:sSubPr>
+                              <m:ctrlPr>
+                                <a:rPr lang="en-US" b="0" i="1" smtClean="0">
+                                  <a:solidFill>
+                                    <a:srgbClr val="0070C0"/>
+                                  </a:solidFill>
+                                  <a:latin typeface="Cambria Math" panose="02040503050406030204" pitchFamily="18" charset="0"/>
+                                </a:rPr>
+                              </m:ctrlPr>
+                            </m:sSubPr>
+                            <m:e>
+                              <m:r>
+                                <a:rPr lang="en-US" b="0" i="1" smtClean="0">
+                                  <a:solidFill>
+                                    <a:srgbClr val="0070C0"/>
+                                  </a:solidFill>
+                                  <a:latin typeface="Cambria Math" panose="02040503050406030204" pitchFamily="18" charset="0"/>
+                                </a:rPr>
+                                <m:t>𝑅</m:t>
+                              </m:r>
+                            </m:e>
+                            <m:sub>
+                              <m:r>
+                                <a:rPr lang="en-US" b="0" i="1" smtClean="0">
+                                  <a:solidFill>
+                                    <a:srgbClr val="0070C0"/>
+                                  </a:solidFill>
+                                  <a:latin typeface="Cambria Math" panose="02040503050406030204" pitchFamily="18" charset="0"/>
+                                </a:rPr>
+                                <m:t>𝑚𝑖𝑐</m:t>
+                              </m:r>
+                            </m:sub>
+                          </m:sSub>
+                        </m:oMath>
+                      </m:oMathPara>
+                    </a14:m>
+                    <a:endParaRPr lang="en-US" dirty="0">
+                      <a:solidFill>
+                        <a:srgbClr val="0070C0"/>
+                      </a:solidFill>
+                    </a:endParaRPr>
+                  </a:p>
+                </p:txBody>
+              </p:sp>
+            </mc:Choice>
+            <mc:Fallback>
+              <p:sp>
+                <p:nvSpPr>
+                  <p:cNvPr id="8" name="TextBox 7">
+                    <a:extLst>
+                      <a:ext uri="{FF2B5EF4-FFF2-40B4-BE49-F238E27FC236}">
+                        <a16:creationId xmlns:a16="http://schemas.microsoft.com/office/drawing/2014/main" id="{72497CD3-64E1-47A6-E402-25A5CFC8A1B5}"/>
+                      </a:ext>
+                    </a:extLst>
+                  </p:cNvPr>
+                  <p:cNvSpPr txBox="1">
+                    <a:spLocks noRot="1" noChangeAspect="1" noMove="1" noResize="1" noEditPoints="1" noAdjustHandles="1" noChangeArrowheads="1" noChangeShapeType="1" noTextEdit="1"/>
+                  </p:cNvSpPr>
+                  <p:nvPr/>
+                </p:nvSpPr>
+                <p:spPr>
+                  <a:xfrm>
+                    <a:off x="1233685" y="1809004"/>
+                    <a:ext cx="512641" cy="276999"/>
+                  </a:xfrm>
+                  <a:prstGeom prst="rect">
+                    <a:avLst/>
+                  </a:prstGeom>
+                  <a:blipFill>
+                    <a:blip r:embed="rId4"/>
+                    <a:stretch>
+                      <a:fillRect l="-9524" r="-5952" b="-17778"/>
+                    </a:stretch>
+                  </a:blipFill>
+                </p:spPr>
+                <p:txBody>
+                  <a:bodyPr/>
+                  <a:lstStyle/>
+                  <a:p>
+                    <a:r>
+                      <a:rPr lang="en-US">
+                        <a:noFill/>
+                      </a:rPr>
+                      <a:t> </a:t>
+                    </a:r>
+                  </a:p>
+                </p:txBody>
+              </p:sp>
+            </mc:Fallback>
+          </mc:AlternateContent>
+          <mc:AlternateContent xmlns:mc="http://schemas.openxmlformats.org/markup-compatibility/2006">
+            <mc:Choice xmlns:a14="http://schemas.microsoft.com/office/drawing/2010/main" Requires="a14">
+              <p:sp>
+                <p:nvSpPr>
+                  <p:cNvPr id="14" name="TextBox 13">
+                    <a:extLst>
+                      <a:ext uri="{FF2B5EF4-FFF2-40B4-BE49-F238E27FC236}">
+                        <a16:creationId xmlns:a16="http://schemas.microsoft.com/office/drawing/2014/main" id="{9494586C-90F3-0ACB-15DE-164E6DBA9B03}"/>
+                      </a:ext>
+                    </a:extLst>
+                  </p:cNvPr>
+                  <p:cNvSpPr txBox="1"/>
+                  <p:nvPr/>
+                </p:nvSpPr>
+                <p:spPr>
+                  <a:xfrm>
+                    <a:off x="2831943" y="1947504"/>
+                    <a:ext cx="512641" cy="276999"/>
+                  </a:xfrm>
+                  <a:prstGeom prst="rect">
+                    <a:avLst/>
+                  </a:prstGeom>
+                  <a:noFill/>
+                </p:spPr>
+                <p:txBody>
+                  <a:bodyPr wrap="square" lIns="0" tIns="0" rIns="0" bIns="0" rtlCol="0">
+                    <a:spAutoFit/>
+                  </a:bodyPr>
+                  <a:lstStyle/>
+                  <a:p>
+                    <a14:m>
+                      <m:oMathPara xmlns:m="http://schemas.openxmlformats.org/officeDocument/2006/math">
+                        <m:oMathParaPr>
+                          <m:jc m:val="centerGroup"/>
+                        </m:oMathParaPr>
+                        <m:oMath xmlns:m="http://schemas.openxmlformats.org/officeDocument/2006/math">
+                          <m:sSub>
+                            <m:sSubPr>
+                              <m:ctrlPr>
+                                <a:rPr lang="en-US" b="0" i="1" smtClean="0">
+                                  <a:solidFill>
+                                    <a:srgbClr val="0070C0"/>
+                                  </a:solidFill>
+                                  <a:latin typeface="Cambria Math" panose="02040503050406030204" pitchFamily="18" charset="0"/>
+                                </a:rPr>
+                              </m:ctrlPr>
+                            </m:sSubPr>
+                            <m:e>
+                              <m:r>
+                                <a:rPr lang="en-US" b="0" i="1" smtClean="0">
+                                  <a:solidFill>
+                                    <a:srgbClr val="0070C0"/>
+                                  </a:solidFill>
+                                  <a:latin typeface="Cambria Math" panose="02040503050406030204" pitchFamily="18" charset="0"/>
+                                </a:rPr>
+                                <m:t>𝑅</m:t>
+                              </m:r>
+                            </m:e>
+                            <m:sub>
+                              <m:r>
+                                <a:rPr lang="en-US" b="0" i="1" smtClean="0">
+                                  <a:solidFill>
+                                    <a:srgbClr val="0070C0"/>
+                                  </a:solidFill>
+                                  <a:latin typeface="Cambria Math" panose="02040503050406030204" pitchFamily="18" charset="0"/>
+                                </a:rPr>
+                                <m:t>𝑖𝑛</m:t>
+                              </m:r>
+                            </m:sub>
+                          </m:sSub>
+                        </m:oMath>
+                      </m:oMathPara>
+                    </a14:m>
+                    <a:endParaRPr lang="en-US" dirty="0">
+                      <a:solidFill>
+                        <a:srgbClr val="0070C0"/>
+                      </a:solidFill>
+                    </a:endParaRPr>
+                  </a:p>
+                </p:txBody>
+              </p:sp>
+            </mc:Choice>
+            <mc:Fallback>
+              <p:sp>
+                <p:nvSpPr>
+                  <p:cNvPr id="14" name="TextBox 13">
+                    <a:extLst>
+                      <a:ext uri="{FF2B5EF4-FFF2-40B4-BE49-F238E27FC236}">
+                        <a16:creationId xmlns:a16="http://schemas.microsoft.com/office/drawing/2014/main" id="{9494586C-90F3-0ACB-15DE-164E6DBA9B03}"/>
+                      </a:ext>
+                    </a:extLst>
+                  </p:cNvPr>
+                  <p:cNvSpPr txBox="1">
+                    <a:spLocks noRot="1" noChangeAspect="1" noMove="1" noResize="1" noEditPoints="1" noAdjustHandles="1" noChangeArrowheads="1" noChangeShapeType="1" noTextEdit="1"/>
+                  </p:cNvSpPr>
+                  <p:nvPr/>
+                </p:nvSpPr>
+                <p:spPr>
+                  <a:xfrm>
+                    <a:off x="2831943" y="1947504"/>
+                    <a:ext cx="512641" cy="276999"/>
+                  </a:xfrm>
+                  <a:prstGeom prst="rect">
+                    <a:avLst/>
+                  </a:prstGeom>
+                  <a:blipFill>
+                    <a:blip r:embed="rId5"/>
+                    <a:stretch>
+                      <a:fillRect b="-17391"/>
+                    </a:stretch>
+                  </a:blipFill>
+                </p:spPr>
+                <p:txBody>
+                  <a:bodyPr/>
+                  <a:lstStyle/>
+                  <a:p>
+                    <a:r>
+                      <a:rPr lang="en-US">
+                        <a:noFill/>
+                      </a:rPr>
+                      <a:t> </a:t>
+                    </a:r>
+                  </a:p>
+                </p:txBody>
+              </p:sp>
+            </mc:Fallback>
+          </mc:AlternateContent>
+          <mc:AlternateContent xmlns:mc="http://schemas.openxmlformats.org/markup-compatibility/2006">
+            <mc:Choice xmlns:a14="http://schemas.microsoft.com/office/drawing/2010/main" Requires="a14">
+              <p:sp>
+                <p:nvSpPr>
+                  <p:cNvPr id="15" name="TextBox 14">
+                    <a:extLst>
+                      <a:ext uri="{FF2B5EF4-FFF2-40B4-BE49-F238E27FC236}">
+                        <a16:creationId xmlns:a16="http://schemas.microsoft.com/office/drawing/2014/main" id="{C7970026-81CB-73C5-B672-1212A2A92358}"/>
+                      </a:ext>
+                    </a:extLst>
+                  </p:cNvPr>
+                  <p:cNvSpPr txBox="1"/>
+                  <p:nvPr/>
+                </p:nvSpPr>
+                <p:spPr>
+                  <a:xfrm>
+                    <a:off x="2057400" y="1809004"/>
+                    <a:ext cx="251864" cy="276999"/>
+                  </a:xfrm>
+                  <a:prstGeom prst="rect">
+                    <a:avLst/>
+                  </a:prstGeom>
+                  <a:noFill/>
+                </p:spPr>
+                <p:txBody>
+                  <a:bodyPr wrap="none" lIns="0" tIns="0" rIns="0" bIns="0" rtlCol="0">
+                    <a:spAutoFit/>
+                  </a:bodyPr>
+                  <a:lstStyle/>
+                  <a:p>
+                    <a14:m>
+                      <m:oMathPara xmlns:m="http://schemas.openxmlformats.org/officeDocument/2006/math">
+                        <m:oMathParaPr>
+                          <m:jc m:val="centerGroup"/>
+                        </m:oMathParaPr>
+                        <m:oMath xmlns:m="http://schemas.openxmlformats.org/officeDocument/2006/math">
+                          <m:sSub>
+                            <m:sSubPr>
+                              <m:ctrlPr>
+                                <a:rPr lang="en-US" b="0" i="1" smtClean="0">
+                                  <a:solidFill>
+                                    <a:srgbClr val="0070C0"/>
+                                  </a:solidFill>
+                                  <a:latin typeface="Cambria Math" panose="02040503050406030204" pitchFamily="18" charset="0"/>
+                                </a:rPr>
+                              </m:ctrlPr>
+                            </m:sSubPr>
+                            <m:e>
+                              <m:r>
+                                <a:rPr lang="en-US" b="0" i="1" smtClean="0">
+                                  <a:solidFill>
+                                    <a:srgbClr val="0070C0"/>
+                                  </a:solidFill>
+                                  <a:latin typeface="Cambria Math" panose="02040503050406030204" pitchFamily="18" charset="0"/>
+                                </a:rPr>
+                                <m:t>𝐶</m:t>
+                              </m:r>
+                            </m:e>
+                            <m:sub>
+                              <m:r>
+                                <a:rPr lang="en-US" b="0" i="1" smtClean="0">
+                                  <a:solidFill>
+                                    <a:srgbClr val="0070C0"/>
+                                  </a:solidFill>
+                                  <a:latin typeface="Cambria Math" panose="02040503050406030204" pitchFamily="18" charset="0"/>
+                                </a:rPr>
+                                <m:t>𝑖</m:t>
+                              </m:r>
+                            </m:sub>
+                          </m:sSub>
+                        </m:oMath>
+                      </m:oMathPara>
+                    </a14:m>
+                    <a:endParaRPr lang="en-US" dirty="0">
+                      <a:solidFill>
+                        <a:srgbClr val="0070C0"/>
+                      </a:solidFill>
+                    </a:endParaRPr>
+                  </a:p>
+                </p:txBody>
+              </p:sp>
+            </mc:Choice>
+            <mc:Fallback>
+              <p:sp>
+                <p:nvSpPr>
+                  <p:cNvPr id="15" name="TextBox 14">
+                    <a:extLst>
+                      <a:ext uri="{FF2B5EF4-FFF2-40B4-BE49-F238E27FC236}">
+                        <a16:creationId xmlns:a16="http://schemas.microsoft.com/office/drawing/2014/main" id="{C7970026-81CB-73C5-B672-1212A2A92358}"/>
+                      </a:ext>
+                    </a:extLst>
+                  </p:cNvPr>
+                  <p:cNvSpPr txBox="1">
+                    <a:spLocks noRot="1" noChangeAspect="1" noMove="1" noResize="1" noEditPoints="1" noAdjustHandles="1" noChangeArrowheads="1" noChangeShapeType="1" noTextEdit="1"/>
+                  </p:cNvSpPr>
+                  <p:nvPr/>
+                </p:nvSpPr>
+                <p:spPr>
+                  <a:xfrm>
+                    <a:off x="2057400" y="1809004"/>
+                    <a:ext cx="251864" cy="276999"/>
+                  </a:xfrm>
+                  <a:prstGeom prst="rect">
+                    <a:avLst/>
+                  </a:prstGeom>
+                  <a:blipFill>
+                    <a:blip r:embed="rId6"/>
+                    <a:stretch>
+                      <a:fillRect l="-21429" r="-9524" b="-17778"/>
+                    </a:stretch>
+                  </a:blipFill>
+                </p:spPr>
+                <p:txBody>
+                  <a:bodyPr/>
+                  <a:lstStyle/>
+                  <a:p>
+                    <a:r>
+                      <a:rPr lang="en-US">
+                        <a:noFill/>
+                      </a:rPr>
+                      <a:t> </a:t>
+                    </a:r>
+                  </a:p>
+                </p:txBody>
+              </p:sp>
+            </mc:Fallback>
+          </mc:AlternateContent>
+          <mc:AlternateContent xmlns:mc="http://schemas.openxmlformats.org/markup-compatibility/2006">
+            <mc:Choice xmlns:a14="http://schemas.microsoft.com/office/drawing/2010/main" Requires="a14">
+              <p:sp>
+                <p:nvSpPr>
+                  <p:cNvPr id="16" name="TextBox 15">
+                    <a:extLst>
+                      <a:ext uri="{FF2B5EF4-FFF2-40B4-BE49-F238E27FC236}">
+                        <a16:creationId xmlns:a16="http://schemas.microsoft.com/office/drawing/2014/main" id="{4BBCBF26-0F88-AC0E-BB0D-DC9D4C410BD4}"/>
+                      </a:ext>
+                    </a:extLst>
+                  </p:cNvPr>
+                  <p:cNvSpPr txBox="1"/>
+                  <p:nvPr/>
+                </p:nvSpPr>
+                <p:spPr>
+                  <a:xfrm>
+                    <a:off x="4262437" y="588984"/>
+                    <a:ext cx="278345" cy="299249"/>
+                  </a:xfrm>
+                  <a:prstGeom prst="rect">
+                    <a:avLst/>
+                  </a:prstGeom>
+                  <a:noFill/>
+                </p:spPr>
+                <p:txBody>
+                  <a:bodyPr wrap="none" lIns="0" tIns="0" rIns="0" bIns="0" rtlCol="0">
+                    <a:spAutoFit/>
+                  </a:bodyPr>
+                  <a:lstStyle/>
+                  <a:p>
+                    <a14:m>
+                      <m:oMathPara xmlns:m="http://schemas.openxmlformats.org/officeDocument/2006/math">
+                        <m:oMathParaPr>
+                          <m:jc m:val="centerGroup"/>
+                        </m:oMathParaPr>
+                        <m:oMath xmlns:m="http://schemas.openxmlformats.org/officeDocument/2006/math">
+                          <m:sSub>
+                            <m:sSubPr>
+                              <m:ctrlPr>
+                                <a:rPr lang="en-US" b="0" i="1" smtClean="0">
+                                  <a:solidFill>
+                                    <a:srgbClr val="0070C0"/>
+                                  </a:solidFill>
+                                  <a:latin typeface="Cambria Math" panose="02040503050406030204" pitchFamily="18" charset="0"/>
+                                </a:rPr>
+                              </m:ctrlPr>
+                            </m:sSubPr>
+                            <m:e>
+                              <m:r>
+                                <a:rPr lang="en-US" b="0" i="1" smtClean="0">
+                                  <a:solidFill>
+                                    <a:srgbClr val="0070C0"/>
+                                  </a:solidFill>
+                                  <a:latin typeface="Cambria Math" panose="02040503050406030204" pitchFamily="18" charset="0"/>
+                                </a:rPr>
+                                <m:t>𝐶</m:t>
+                              </m:r>
+                            </m:e>
+                            <m:sub>
+                              <m:r>
+                                <a:rPr lang="en-US" b="0" i="1" smtClean="0">
+                                  <a:solidFill>
+                                    <a:srgbClr val="0070C0"/>
+                                  </a:solidFill>
+                                  <a:latin typeface="Cambria Math" panose="02040503050406030204" pitchFamily="18" charset="0"/>
+                                </a:rPr>
+                                <m:t>𝑓</m:t>
+                              </m:r>
+                            </m:sub>
+                          </m:sSub>
+                        </m:oMath>
+                      </m:oMathPara>
+                    </a14:m>
+                    <a:endParaRPr lang="en-US" dirty="0">
+                      <a:solidFill>
+                        <a:srgbClr val="0070C0"/>
+                      </a:solidFill>
+                    </a:endParaRPr>
+                  </a:p>
+                </p:txBody>
+              </p:sp>
+            </mc:Choice>
+            <mc:Fallback>
+              <p:sp>
+                <p:nvSpPr>
+                  <p:cNvPr id="16" name="TextBox 15">
+                    <a:extLst>
+                      <a:ext uri="{FF2B5EF4-FFF2-40B4-BE49-F238E27FC236}">
+                        <a16:creationId xmlns:a16="http://schemas.microsoft.com/office/drawing/2014/main" id="{4BBCBF26-0F88-AC0E-BB0D-DC9D4C410BD4}"/>
+                      </a:ext>
+                    </a:extLst>
+                  </p:cNvPr>
+                  <p:cNvSpPr txBox="1">
+                    <a:spLocks noRot="1" noChangeAspect="1" noMove="1" noResize="1" noEditPoints="1" noAdjustHandles="1" noChangeArrowheads="1" noChangeShapeType="1" noTextEdit="1"/>
+                  </p:cNvSpPr>
+                  <p:nvPr/>
+                </p:nvSpPr>
+                <p:spPr>
+                  <a:xfrm>
+                    <a:off x="4262437" y="588984"/>
+                    <a:ext cx="278345" cy="299249"/>
+                  </a:xfrm>
+                  <a:prstGeom prst="rect">
+                    <a:avLst/>
+                  </a:prstGeom>
+                  <a:blipFill>
+                    <a:blip r:embed="rId7"/>
+                    <a:stretch>
+                      <a:fillRect l="-19565" r="-15217" b="-28571"/>
+                    </a:stretch>
+                  </a:blipFill>
+                </p:spPr>
+                <p:txBody>
+                  <a:bodyPr/>
+                  <a:lstStyle/>
+                  <a:p>
+                    <a:r>
+                      <a:rPr lang="en-US">
+                        <a:noFill/>
+                      </a:rPr>
+                      <a:t> </a:t>
+                    </a:r>
+                  </a:p>
+                </p:txBody>
+              </p:sp>
+            </mc:Fallback>
+          </mc:AlternateContent>
+          <mc:AlternateContent xmlns:mc="http://schemas.openxmlformats.org/markup-compatibility/2006">
+            <mc:Choice xmlns:a14="http://schemas.microsoft.com/office/drawing/2010/main" Requires="a14">
+              <p:sp>
+                <p:nvSpPr>
+                  <p:cNvPr id="17" name="TextBox 16">
+                    <a:extLst>
+                      <a:ext uri="{FF2B5EF4-FFF2-40B4-BE49-F238E27FC236}">
+                        <a16:creationId xmlns:a16="http://schemas.microsoft.com/office/drawing/2014/main" id="{CDE6E3AB-8E5A-78FD-7EE0-2B7FBB02151A}"/>
+                      </a:ext>
+                    </a:extLst>
+                  </p:cNvPr>
+                  <p:cNvSpPr txBox="1"/>
+                  <p:nvPr/>
+                </p:nvSpPr>
+                <p:spPr>
+                  <a:xfrm>
+                    <a:off x="3629879" y="1185504"/>
+                    <a:ext cx="512641" cy="299249"/>
+                  </a:xfrm>
+                  <a:prstGeom prst="rect">
+                    <a:avLst/>
+                  </a:prstGeom>
+                  <a:noFill/>
+                </p:spPr>
+                <p:txBody>
+                  <a:bodyPr wrap="square" lIns="0" tIns="0" rIns="0" bIns="0" rtlCol="0">
+                    <a:spAutoFit/>
+                  </a:bodyPr>
+                  <a:lstStyle/>
+                  <a:p>
+                    <a14:m>
+                      <m:oMathPara xmlns:m="http://schemas.openxmlformats.org/officeDocument/2006/math">
+                        <m:oMathParaPr>
+                          <m:jc m:val="centerGroup"/>
+                        </m:oMathParaPr>
+                        <m:oMath xmlns:m="http://schemas.openxmlformats.org/officeDocument/2006/math">
+                          <m:sSub>
+                            <m:sSubPr>
+                              <m:ctrlPr>
+                                <a:rPr lang="en-US" b="0" i="1" smtClean="0">
+                                  <a:solidFill>
+                                    <a:srgbClr val="0070C0"/>
+                                  </a:solidFill>
+                                  <a:latin typeface="Cambria Math" panose="02040503050406030204" pitchFamily="18" charset="0"/>
+                                </a:rPr>
+                              </m:ctrlPr>
+                            </m:sSubPr>
+                            <m:e>
+                              <m:r>
+                                <a:rPr lang="en-US" b="0" i="1" smtClean="0">
+                                  <a:solidFill>
+                                    <a:srgbClr val="0070C0"/>
+                                  </a:solidFill>
+                                  <a:latin typeface="Cambria Math" panose="02040503050406030204" pitchFamily="18" charset="0"/>
+                                </a:rPr>
+                                <m:t>𝑅</m:t>
+                              </m:r>
+                            </m:e>
+                            <m:sub>
+                              <m:r>
+                                <a:rPr lang="en-US" b="0" i="1" smtClean="0">
+                                  <a:solidFill>
+                                    <a:srgbClr val="0070C0"/>
+                                  </a:solidFill>
+                                  <a:latin typeface="Cambria Math" panose="02040503050406030204" pitchFamily="18" charset="0"/>
+                                </a:rPr>
+                                <m:t>𝑓</m:t>
+                              </m:r>
+                            </m:sub>
+                          </m:sSub>
+                        </m:oMath>
+                      </m:oMathPara>
+                    </a14:m>
+                    <a:endParaRPr lang="en-US" dirty="0">
+                      <a:solidFill>
+                        <a:srgbClr val="0070C0"/>
+                      </a:solidFill>
+                    </a:endParaRPr>
+                  </a:p>
+                </p:txBody>
+              </p:sp>
+            </mc:Choice>
+            <mc:Fallback>
+              <p:sp>
+                <p:nvSpPr>
+                  <p:cNvPr id="17" name="TextBox 16">
+                    <a:extLst>
+                      <a:ext uri="{FF2B5EF4-FFF2-40B4-BE49-F238E27FC236}">
+                        <a16:creationId xmlns:a16="http://schemas.microsoft.com/office/drawing/2014/main" id="{CDE6E3AB-8E5A-78FD-7EE0-2B7FBB02151A}"/>
+                      </a:ext>
+                    </a:extLst>
+                  </p:cNvPr>
+                  <p:cNvSpPr txBox="1">
+                    <a:spLocks noRot="1" noChangeAspect="1" noMove="1" noResize="1" noEditPoints="1" noAdjustHandles="1" noChangeArrowheads="1" noChangeShapeType="1" noTextEdit="1"/>
+                  </p:cNvSpPr>
+                  <p:nvPr/>
+                </p:nvSpPr>
+                <p:spPr>
+                  <a:xfrm>
+                    <a:off x="3629879" y="1185504"/>
+                    <a:ext cx="512641" cy="299249"/>
+                  </a:xfrm>
+                  <a:prstGeom prst="rect">
+                    <a:avLst/>
+                  </a:prstGeom>
+                  <a:blipFill>
+                    <a:blip r:embed="rId8"/>
+                    <a:stretch>
+                      <a:fillRect b="-28571"/>
+                    </a:stretch>
+                  </a:blipFill>
+                </p:spPr>
+                <p:txBody>
+                  <a:bodyPr/>
+                  <a:lstStyle/>
+                  <a:p>
+                    <a:r>
+                      <a:rPr lang="en-US">
+                        <a:noFill/>
+                      </a:rPr>
+                      <a:t> </a:t>
+                    </a:r>
+                  </a:p>
+                </p:txBody>
+              </p:sp>
+            </mc:Fallback>
+          </mc:AlternateContent>
+          <mc:AlternateContent xmlns:mc="http://schemas.openxmlformats.org/markup-compatibility/2006">
+            <mc:Choice xmlns:a14="http://schemas.microsoft.com/office/drawing/2010/main" Requires="a14">
+              <p:sp>
+                <p:nvSpPr>
+                  <p:cNvPr id="18" name="TextBox 17">
+                    <a:extLst>
+                      <a:ext uri="{FF2B5EF4-FFF2-40B4-BE49-F238E27FC236}">
+                        <a16:creationId xmlns:a16="http://schemas.microsoft.com/office/drawing/2014/main" id="{FF8D4C66-B6EE-39B2-F7B1-B7EC036E7E1B}"/>
+                      </a:ext>
+                    </a:extLst>
+                  </p:cNvPr>
+                  <p:cNvSpPr txBox="1"/>
+                  <p:nvPr/>
+                </p:nvSpPr>
+                <p:spPr>
+                  <a:xfrm>
+                    <a:off x="3054109" y="2865025"/>
+                    <a:ext cx="397545" cy="276999"/>
+                  </a:xfrm>
+                  <a:prstGeom prst="rect">
+                    <a:avLst/>
+                  </a:prstGeom>
+                  <a:noFill/>
+                </p:spPr>
+                <p:txBody>
+                  <a:bodyPr wrap="none" lIns="0" tIns="0" rIns="0" bIns="0" rtlCol="0">
+                    <a:spAutoFit/>
+                  </a:bodyPr>
+                  <a:lstStyle/>
+                  <a:p>
+                    <a14:m>
+                      <m:oMathPara xmlns:m="http://schemas.openxmlformats.org/officeDocument/2006/math">
+                        <m:oMathParaPr>
+                          <m:jc m:val="centerGroup"/>
+                        </m:oMathParaPr>
+                        <m:oMath xmlns:m="http://schemas.openxmlformats.org/officeDocument/2006/math">
+                          <m:sSub>
+                            <m:sSubPr>
+                              <m:ctrlPr>
+                                <a:rPr lang="en-US" b="0" i="1" smtClean="0">
+                                  <a:solidFill>
+                                    <a:srgbClr val="0070C0"/>
+                                  </a:solidFill>
+                                  <a:latin typeface="Cambria Math" panose="02040503050406030204" pitchFamily="18" charset="0"/>
+                                </a:rPr>
+                              </m:ctrlPr>
+                            </m:sSubPr>
+                            <m:e>
+                              <m:r>
+                                <a:rPr lang="en-US" b="0" i="1" smtClean="0">
+                                  <a:solidFill>
+                                    <a:srgbClr val="0070C0"/>
+                                  </a:solidFill>
+                                  <a:latin typeface="Cambria Math" panose="02040503050406030204" pitchFamily="18" charset="0"/>
+                                </a:rPr>
+                                <m:t>𝑉</m:t>
+                              </m:r>
+                            </m:e>
+                            <m:sub>
+                              <m:r>
+                                <a:rPr lang="en-US" b="0" i="1" smtClean="0">
+                                  <a:solidFill>
+                                    <a:srgbClr val="0070C0"/>
+                                  </a:solidFill>
+                                  <a:latin typeface="Cambria Math" panose="02040503050406030204" pitchFamily="18" charset="0"/>
+                                </a:rPr>
+                                <m:t>𝑐𝑚</m:t>
+                              </m:r>
+                            </m:sub>
+                          </m:sSub>
+                        </m:oMath>
+                      </m:oMathPara>
+                    </a14:m>
+                    <a:endParaRPr lang="en-US" dirty="0">
+                      <a:solidFill>
+                        <a:srgbClr val="0070C0"/>
+                      </a:solidFill>
+                    </a:endParaRPr>
+                  </a:p>
+                </p:txBody>
+              </p:sp>
+            </mc:Choice>
+            <mc:Fallback>
+              <p:sp>
+                <p:nvSpPr>
+                  <p:cNvPr id="18" name="TextBox 17">
+                    <a:extLst>
+                      <a:ext uri="{FF2B5EF4-FFF2-40B4-BE49-F238E27FC236}">
+                        <a16:creationId xmlns:a16="http://schemas.microsoft.com/office/drawing/2014/main" id="{FF8D4C66-B6EE-39B2-F7B1-B7EC036E7E1B}"/>
+                      </a:ext>
+                    </a:extLst>
+                  </p:cNvPr>
+                  <p:cNvSpPr txBox="1">
+                    <a:spLocks noRot="1" noChangeAspect="1" noMove="1" noResize="1" noEditPoints="1" noAdjustHandles="1" noChangeArrowheads="1" noChangeShapeType="1" noTextEdit="1"/>
+                  </p:cNvSpPr>
+                  <p:nvPr/>
+                </p:nvSpPr>
+                <p:spPr>
+                  <a:xfrm>
+                    <a:off x="3054109" y="2865025"/>
+                    <a:ext cx="397545" cy="276999"/>
+                  </a:xfrm>
+                  <a:prstGeom prst="rect">
+                    <a:avLst/>
+                  </a:prstGeom>
+                  <a:blipFill>
+                    <a:blip r:embed="rId9"/>
+                    <a:stretch>
+                      <a:fillRect l="-13846" r="-3077" b="-11111"/>
+                    </a:stretch>
+                  </a:blipFill>
+                </p:spPr>
+                <p:txBody>
+                  <a:bodyPr/>
+                  <a:lstStyle/>
+                  <a:p>
+                    <a:r>
+                      <a:rPr lang="en-US">
+                        <a:noFill/>
+                      </a:rPr>
+                      <a:t> </a:t>
+                    </a:r>
+                  </a:p>
+                </p:txBody>
+              </p:sp>
+            </mc:Fallback>
+          </mc:AlternateContent>
+          <mc:AlternateContent xmlns:mc="http://schemas.openxmlformats.org/markup-compatibility/2006">
+            <mc:Choice xmlns:a14="http://schemas.microsoft.com/office/drawing/2010/main" Requires="a14">
+              <p:sp>
+                <p:nvSpPr>
+                  <p:cNvPr id="19" name="TextBox 18">
+                    <a:extLst>
+                      <a:ext uri="{FF2B5EF4-FFF2-40B4-BE49-F238E27FC236}">
+                        <a16:creationId xmlns:a16="http://schemas.microsoft.com/office/drawing/2014/main" id="{EA950FFD-F5C1-E35B-8CBC-C340374FB1B5}"/>
+                      </a:ext>
+                    </a:extLst>
+                  </p:cNvPr>
+                  <p:cNvSpPr txBox="1"/>
+                  <p:nvPr/>
+                </p:nvSpPr>
+                <p:spPr>
+                  <a:xfrm>
+                    <a:off x="1174054" y="2457191"/>
+                    <a:ext cx="572272" cy="246221"/>
+                  </a:xfrm>
+                  <a:prstGeom prst="rect">
+                    <a:avLst/>
+                  </a:prstGeom>
+                  <a:noFill/>
+                </p:spPr>
+                <p:txBody>
+                  <a:bodyPr wrap="none" lIns="0" tIns="0" rIns="0" bIns="0" rtlCol="0">
+                    <a:spAutoFit/>
+                  </a:bodyPr>
+                  <a:lstStyle/>
+                  <a:p>
+                    <a14:m>
+                      <m:oMathPara xmlns:m="http://schemas.openxmlformats.org/officeDocument/2006/math">
+                        <m:oMathParaPr>
+                          <m:jc m:val="centerGroup"/>
+                        </m:oMathParaPr>
+                        <m:oMath xmlns:m="http://schemas.openxmlformats.org/officeDocument/2006/math">
+                          <m:r>
+                            <a:rPr lang="en-US" sz="1600" b="0" i="1" smtClean="0">
+                              <a:solidFill>
+                                <a:schemeClr val="accent6">
+                                  <a:lumMod val="75000"/>
+                                </a:schemeClr>
+                              </a:solidFill>
+                              <a:latin typeface="Cambria Math" panose="02040503050406030204" pitchFamily="18" charset="0"/>
+                            </a:rPr>
+                            <m:t>380 </m:t>
+                          </m:r>
+                          <m:r>
+                            <m:rPr>
+                              <m:sty m:val="p"/>
+                            </m:rPr>
+                            <a:rPr lang="en-US" sz="1600" b="0" i="0" smtClean="0">
+                              <a:solidFill>
+                                <a:schemeClr val="accent6">
+                                  <a:lumMod val="75000"/>
+                                </a:schemeClr>
+                              </a:solidFill>
+                              <a:latin typeface="Cambria Math" panose="02040503050406030204" pitchFamily="18" charset="0"/>
+                            </a:rPr>
+                            <m:t>Ω</m:t>
+                          </m:r>
+                        </m:oMath>
+                      </m:oMathPara>
+                    </a14:m>
+                    <a:endParaRPr lang="en-US" sz="1600" dirty="0">
+                      <a:solidFill>
+                        <a:schemeClr val="accent6">
+                          <a:lumMod val="75000"/>
+                        </a:schemeClr>
+                      </a:solidFill>
+                    </a:endParaRPr>
+                  </a:p>
+                </p:txBody>
+              </p:sp>
+            </mc:Choice>
+            <mc:Fallback>
+              <p:sp>
+                <p:nvSpPr>
+                  <p:cNvPr id="19" name="TextBox 18">
+                    <a:extLst>
+                      <a:ext uri="{FF2B5EF4-FFF2-40B4-BE49-F238E27FC236}">
+                        <a16:creationId xmlns:a16="http://schemas.microsoft.com/office/drawing/2014/main" id="{EA950FFD-F5C1-E35B-8CBC-C340374FB1B5}"/>
+                      </a:ext>
+                    </a:extLst>
+                  </p:cNvPr>
+                  <p:cNvSpPr txBox="1">
+                    <a:spLocks noRot="1" noChangeAspect="1" noMove="1" noResize="1" noEditPoints="1" noAdjustHandles="1" noChangeArrowheads="1" noChangeShapeType="1" noTextEdit="1"/>
+                  </p:cNvSpPr>
+                  <p:nvPr/>
+                </p:nvSpPr>
+                <p:spPr>
+                  <a:xfrm>
+                    <a:off x="1174054" y="2457191"/>
+                    <a:ext cx="572272" cy="246221"/>
+                  </a:xfrm>
+                  <a:prstGeom prst="rect">
+                    <a:avLst/>
+                  </a:prstGeom>
+                  <a:blipFill>
+                    <a:blip r:embed="rId10"/>
+                    <a:stretch>
+                      <a:fillRect l="-7447" r="-7447" b="-5000"/>
+                    </a:stretch>
+                  </a:blipFill>
+                </p:spPr>
+                <p:txBody>
+                  <a:bodyPr/>
+                  <a:lstStyle/>
+                  <a:p>
+                    <a:r>
+                      <a:rPr lang="en-US">
+                        <a:noFill/>
+                      </a:rPr>
+                      <a:t> </a:t>
+                    </a:r>
+                  </a:p>
+                </p:txBody>
+              </p:sp>
+            </mc:Fallback>
+          </mc:AlternateContent>
+          <mc:AlternateContent xmlns:mc="http://schemas.openxmlformats.org/markup-compatibility/2006">
+            <mc:Choice xmlns:a14="http://schemas.microsoft.com/office/drawing/2010/main" Requires="a14">
+              <p:sp>
+                <p:nvSpPr>
+                  <p:cNvPr id="20" name="TextBox 19">
+                    <a:extLst>
+                      <a:ext uri="{FF2B5EF4-FFF2-40B4-BE49-F238E27FC236}">
+                        <a16:creationId xmlns:a16="http://schemas.microsoft.com/office/drawing/2014/main" id="{5C04C92C-E104-53FC-763D-2212FF417AF5}"/>
+                      </a:ext>
+                    </a:extLst>
+                  </p:cNvPr>
+                  <p:cNvSpPr txBox="1"/>
+                  <p:nvPr/>
+                </p:nvSpPr>
+                <p:spPr>
+                  <a:xfrm>
+                    <a:off x="2023128" y="2565913"/>
+                    <a:ext cx="605935" cy="246221"/>
+                  </a:xfrm>
+                  <a:prstGeom prst="rect">
+                    <a:avLst/>
+                  </a:prstGeom>
+                  <a:noFill/>
+                </p:spPr>
+                <p:txBody>
+                  <a:bodyPr wrap="none" lIns="0" tIns="0" rIns="0" bIns="0" rtlCol="0">
+                    <a:spAutoFit/>
+                  </a:bodyPr>
+                  <a:lstStyle/>
+                  <a:p>
+                    <a14:m>
+                      <m:oMathPara xmlns:m="http://schemas.openxmlformats.org/officeDocument/2006/math">
+                        <m:oMathParaPr>
+                          <m:jc m:val="centerGroup"/>
+                        </m:oMathParaPr>
+                        <m:oMath xmlns:m="http://schemas.openxmlformats.org/officeDocument/2006/math">
+                          <m:r>
+                            <a:rPr lang="en-US" sz="1600" b="0" i="1" smtClean="0">
+                              <a:solidFill>
+                                <a:schemeClr val="accent6">
+                                  <a:lumMod val="75000"/>
+                                </a:schemeClr>
+                              </a:solidFill>
+                              <a:latin typeface="Cambria Math" panose="02040503050406030204" pitchFamily="18" charset="0"/>
+                            </a:rPr>
+                            <m:t>4.7 </m:t>
+                          </m:r>
+                          <m:r>
+                            <a:rPr lang="en-US" sz="1600" b="0" i="1" smtClean="0">
+                              <a:solidFill>
+                                <a:schemeClr val="accent6">
+                                  <a:lumMod val="75000"/>
+                                </a:schemeClr>
+                              </a:solidFill>
+                              <a:latin typeface="Cambria Math" panose="02040503050406030204" pitchFamily="18" charset="0"/>
+                            </a:rPr>
+                            <m:t>𝜇</m:t>
+                          </m:r>
+                          <m:r>
+                            <a:rPr lang="en-US" sz="1600" b="0" i="1" smtClean="0">
+                              <a:solidFill>
+                                <a:schemeClr val="accent6">
+                                  <a:lumMod val="75000"/>
+                                </a:schemeClr>
+                              </a:solidFill>
+                              <a:latin typeface="Cambria Math" panose="02040503050406030204" pitchFamily="18" charset="0"/>
+                            </a:rPr>
+                            <m:t>𝐹</m:t>
+                          </m:r>
+                        </m:oMath>
+                      </m:oMathPara>
+                    </a14:m>
+                    <a:endParaRPr lang="en-US" sz="1600" dirty="0">
+                      <a:solidFill>
+                        <a:schemeClr val="accent6">
+                          <a:lumMod val="75000"/>
+                        </a:schemeClr>
+                      </a:solidFill>
+                    </a:endParaRPr>
+                  </a:p>
+                </p:txBody>
+              </p:sp>
+            </mc:Choice>
+            <mc:Fallback>
+              <p:sp>
+                <p:nvSpPr>
+                  <p:cNvPr id="20" name="TextBox 19">
+                    <a:extLst>
+                      <a:ext uri="{FF2B5EF4-FFF2-40B4-BE49-F238E27FC236}">
+                        <a16:creationId xmlns:a16="http://schemas.microsoft.com/office/drawing/2014/main" id="{5C04C92C-E104-53FC-763D-2212FF417AF5}"/>
+                      </a:ext>
+                    </a:extLst>
+                  </p:cNvPr>
+                  <p:cNvSpPr txBox="1">
+                    <a:spLocks noRot="1" noChangeAspect="1" noMove="1" noResize="1" noEditPoints="1" noAdjustHandles="1" noChangeArrowheads="1" noChangeShapeType="1" noTextEdit="1"/>
+                  </p:cNvSpPr>
+                  <p:nvPr/>
+                </p:nvSpPr>
+                <p:spPr>
+                  <a:xfrm>
+                    <a:off x="2023128" y="2565913"/>
+                    <a:ext cx="605935" cy="246221"/>
+                  </a:xfrm>
+                  <a:prstGeom prst="rect">
+                    <a:avLst/>
+                  </a:prstGeom>
+                  <a:blipFill>
+                    <a:blip r:embed="rId11"/>
+                    <a:stretch>
+                      <a:fillRect l="-8081" r="-8081" b="-27500"/>
+                    </a:stretch>
+                  </a:blipFill>
+                </p:spPr>
+                <p:txBody>
+                  <a:bodyPr/>
+                  <a:lstStyle/>
+                  <a:p>
+                    <a:r>
+                      <a:rPr lang="en-US">
+                        <a:noFill/>
+                      </a:rPr>
+                      <a:t> </a:t>
+                    </a:r>
+                  </a:p>
+                </p:txBody>
+              </p:sp>
+            </mc:Fallback>
+          </mc:AlternateContent>
+          <mc:AlternateContent xmlns:mc="http://schemas.openxmlformats.org/markup-compatibility/2006">
+            <mc:Choice xmlns:a14="http://schemas.microsoft.com/office/drawing/2010/main" Requires="a14">
+              <p:sp>
+                <p:nvSpPr>
+                  <p:cNvPr id="21" name="TextBox 20">
+                    <a:extLst>
+                      <a:ext uri="{FF2B5EF4-FFF2-40B4-BE49-F238E27FC236}">
+                        <a16:creationId xmlns:a16="http://schemas.microsoft.com/office/drawing/2014/main" id="{D2BB3A70-3283-F4D3-B181-8D8B09513DB1}"/>
+                      </a:ext>
+                    </a:extLst>
+                  </p:cNvPr>
+                  <p:cNvSpPr txBox="1"/>
+                  <p:nvPr/>
+                </p:nvSpPr>
+                <p:spPr>
+                  <a:xfrm>
+                    <a:off x="2845719" y="2469818"/>
+                    <a:ext cx="569066" cy="246221"/>
+                  </a:xfrm>
+                  <a:prstGeom prst="rect">
+                    <a:avLst/>
+                  </a:prstGeom>
+                  <a:noFill/>
+                </p:spPr>
+                <p:txBody>
+                  <a:bodyPr wrap="none" lIns="0" tIns="0" rIns="0" bIns="0" rtlCol="0">
+                    <a:spAutoFit/>
+                  </a:bodyPr>
+                  <a:lstStyle/>
+                  <a:p>
+                    <a14:m>
+                      <m:oMathPara xmlns:m="http://schemas.openxmlformats.org/officeDocument/2006/math">
+                        <m:oMathParaPr>
+                          <m:jc m:val="centerGroup"/>
+                        </m:oMathParaPr>
+                        <m:oMath xmlns:m="http://schemas.openxmlformats.org/officeDocument/2006/math">
+                          <m:r>
+                            <a:rPr lang="en-US" sz="1600" b="0" i="1" smtClean="0">
+                              <a:solidFill>
+                                <a:schemeClr val="accent6">
+                                  <a:lumMod val="75000"/>
+                                </a:schemeClr>
+                              </a:solidFill>
+                              <a:latin typeface="Cambria Math" panose="02040503050406030204" pitchFamily="18" charset="0"/>
+                            </a:rPr>
+                            <m:t>4.7</m:t>
+                          </m:r>
+                          <m:r>
+                            <a:rPr lang="en-US" sz="1600" b="0" i="1" smtClean="0">
+                              <a:solidFill>
+                                <a:schemeClr val="accent6">
+                                  <a:lumMod val="75000"/>
+                                </a:schemeClr>
+                              </a:solidFill>
+                              <a:latin typeface="Cambria Math" panose="02040503050406030204" pitchFamily="18" charset="0"/>
+                            </a:rPr>
+                            <m:t>𝑘</m:t>
+                          </m:r>
+                          <m:r>
+                            <m:rPr>
+                              <m:sty m:val="p"/>
+                            </m:rPr>
+                            <a:rPr lang="en-US" sz="1600" b="0" i="0" smtClean="0">
+                              <a:solidFill>
+                                <a:schemeClr val="accent6">
+                                  <a:lumMod val="75000"/>
+                                </a:schemeClr>
+                              </a:solidFill>
+                              <a:latin typeface="Cambria Math" panose="02040503050406030204" pitchFamily="18" charset="0"/>
+                            </a:rPr>
+                            <m:t>Ω</m:t>
+                          </m:r>
+                        </m:oMath>
+                      </m:oMathPara>
+                    </a14:m>
+                    <a:endParaRPr lang="en-US" sz="1600" dirty="0">
+                      <a:solidFill>
+                        <a:schemeClr val="accent6">
+                          <a:lumMod val="75000"/>
+                        </a:schemeClr>
+                      </a:solidFill>
+                    </a:endParaRPr>
+                  </a:p>
+                </p:txBody>
+              </p:sp>
+            </mc:Choice>
+            <mc:Fallback>
+              <p:sp>
+                <p:nvSpPr>
+                  <p:cNvPr id="21" name="TextBox 20">
+                    <a:extLst>
+                      <a:ext uri="{FF2B5EF4-FFF2-40B4-BE49-F238E27FC236}">
+                        <a16:creationId xmlns:a16="http://schemas.microsoft.com/office/drawing/2014/main" id="{D2BB3A70-3283-F4D3-B181-8D8B09513DB1}"/>
+                      </a:ext>
+                    </a:extLst>
+                  </p:cNvPr>
+                  <p:cNvSpPr txBox="1">
+                    <a:spLocks noRot="1" noChangeAspect="1" noMove="1" noResize="1" noEditPoints="1" noAdjustHandles="1" noChangeArrowheads="1" noChangeShapeType="1" noTextEdit="1"/>
+                  </p:cNvSpPr>
+                  <p:nvPr/>
+                </p:nvSpPr>
+                <p:spPr>
+                  <a:xfrm>
+                    <a:off x="2845719" y="2469818"/>
+                    <a:ext cx="569066" cy="246221"/>
+                  </a:xfrm>
+                  <a:prstGeom prst="rect">
+                    <a:avLst/>
+                  </a:prstGeom>
+                  <a:blipFill>
+                    <a:blip r:embed="rId12"/>
+                    <a:stretch>
+                      <a:fillRect l="-8602" r="-6452" b="-7500"/>
+                    </a:stretch>
+                  </a:blipFill>
+                </p:spPr>
+                <p:txBody>
+                  <a:bodyPr/>
+                  <a:lstStyle/>
+                  <a:p>
+                    <a:r>
+                      <a:rPr lang="en-US">
+                        <a:noFill/>
+                      </a:rPr>
+                      <a:t> </a:t>
+                    </a:r>
+                  </a:p>
+                </p:txBody>
+              </p:sp>
+            </mc:Fallback>
+          </mc:AlternateContent>
+          <mc:AlternateContent xmlns:mc="http://schemas.openxmlformats.org/markup-compatibility/2006">
+            <mc:Choice xmlns:a14="http://schemas.microsoft.com/office/drawing/2010/main" Requires="a14">
+              <p:sp>
+                <p:nvSpPr>
+                  <p:cNvPr id="22" name="TextBox 21">
+                    <a:extLst>
+                      <a:ext uri="{FF2B5EF4-FFF2-40B4-BE49-F238E27FC236}">
+                        <a16:creationId xmlns:a16="http://schemas.microsoft.com/office/drawing/2014/main" id="{679B07B7-93DB-0AE6-740A-9827C0725F3A}"/>
+                      </a:ext>
+                    </a:extLst>
+                  </p:cNvPr>
+                  <p:cNvSpPr txBox="1"/>
+                  <p:nvPr/>
+                </p:nvSpPr>
+                <p:spPr>
+                  <a:xfrm>
+                    <a:off x="4237814" y="1062393"/>
+                    <a:ext cx="565861" cy="246221"/>
+                  </a:xfrm>
+                  <a:prstGeom prst="rect">
+                    <a:avLst/>
+                  </a:prstGeom>
+                  <a:noFill/>
+                </p:spPr>
+                <p:txBody>
+                  <a:bodyPr wrap="none" lIns="0" tIns="0" rIns="0" bIns="0" rtlCol="0">
+                    <a:spAutoFit/>
+                  </a:bodyPr>
+                  <a:lstStyle/>
+                  <a:p>
+                    <a14:m>
+                      <m:oMathPara xmlns:m="http://schemas.openxmlformats.org/officeDocument/2006/math">
+                        <m:oMathParaPr>
+                          <m:jc m:val="centerGroup"/>
+                        </m:oMathParaPr>
+                        <m:oMath xmlns:m="http://schemas.openxmlformats.org/officeDocument/2006/math">
+                          <m:r>
+                            <a:rPr lang="en-US" sz="1600" i="1" smtClean="0">
+                              <a:solidFill>
+                                <a:schemeClr val="accent6">
+                                  <a:lumMod val="75000"/>
+                                </a:schemeClr>
+                              </a:solidFill>
+                              <a:latin typeface="Cambria Math" panose="02040503050406030204" pitchFamily="18" charset="0"/>
+                            </a:rPr>
+                            <m:t>2</m:t>
+                          </m:r>
+                          <m:r>
+                            <a:rPr lang="en-US" sz="1600" b="0" i="1" smtClean="0">
+                              <a:solidFill>
+                                <a:schemeClr val="accent6">
+                                  <a:lumMod val="75000"/>
+                                </a:schemeClr>
+                              </a:solidFill>
+                              <a:latin typeface="Cambria Math" panose="02040503050406030204" pitchFamily="18" charset="0"/>
+                            </a:rPr>
+                            <m:t>7 </m:t>
+                          </m:r>
+                          <m:r>
+                            <a:rPr lang="en-US" sz="1600" b="0" i="1" smtClean="0">
+                              <a:solidFill>
+                                <a:schemeClr val="accent6">
+                                  <a:lumMod val="75000"/>
+                                </a:schemeClr>
+                              </a:solidFill>
+                              <a:latin typeface="Cambria Math" panose="02040503050406030204" pitchFamily="18" charset="0"/>
+                            </a:rPr>
+                            <m:t>𝑝𝐹</m:t>
+                          </m:r>
+                        </m:oMath>
+                      </m:oMathPara>
+                    </a14:m>
+                    <a:endParaRPr lang="en-US" sz="1600" dirty="0">
+                      <a:solidFill>
+                        <a:schemeClr val="accent6">
+                          <a:lumMod val="75000"/>
+                        </a:schemeClr>
+                      </a:solidFill>
+                    </a:endParaRPr>
+                  </a:p>
+                </p:txBody>
+              </p:sp>
+            </mc:Choice>
+            <mc:Fallback>
+              <p:sp>
+                <p:nvSpPr>
+                  <p:cNvPr id="22" name="TextBox 21">
+                    <a:extLst>
+                      <a:ext uri="{FF2B5EF4-FFF2-40B4-BE49-F238E27FC236}">
+                        <a16:creationId xmlns:a16="http://schemas.microsoft.com/office/drawing/2014/main" id="{679B07B7-93DB-0AE6-740A-9827C0725F3A}"/>
+                      </a:ext>
+                    </a:extLst>
+                  </p:cNvPr>
+                  <p:cNvSpPr txBox="1">
+                    <a:spLocks noRot="1" noChangeAspect="1" noMove="1" noResize="1" noEditPoints="1" noAdjustHandles="1" noChangeArrowheads="1" noChangeShapeType="1" noTextEdit="1"/>
+                  </p:cNvSpPr>
+                  <p:nvPr/>
+                </p:nvSpPr>
+                <p:spPr>
+                  <a:xfrm>
+                    <a:off x="4237814" y="1062393"/>
+                    <a:ext cx="565861" cy="246221"/>
+                  </a:xfrm>
+                  <a:prstGeom prst="rect">
+                    <a:avLst/>
+                  </a:prstGeom>
+                  <a:blipFill>
+                    <a:blip r:embed="rId13"/>
+                    <a:stretch>
+                      <a:fillRect l="-7527" r="-8602" b="-32500"/>
+                    </a:stretch>
+                  </a:blipFill>
+                </p:spPr>
+                <p:txBody>
+                  <a:bodyPr/>
+                  <a:lstStyle/>
+                  <a:p>
+                    <a:r>
+                      <a:rPr lang="en-US">
+                        <a:noFill/>
+                      </a:rPr>
+                      <a:t> </a:t>
+                    </a:r>
+                  </a:p>
+                </p:txBody>
+              </p:sp>
+            </mc:Fallback>
+          </mc:AlternateContent>
+          <mc:AlternateContent xmlns:mc="http://schemas.openxmlformats.org/markup-compatibility/2006">
+            <mc:Choice xmlns:a14="http://schemas.microsoft.com/office/drawing/2010/main" Requires="a14">
+              <p:sp>
+                <p:nvSpPr>
+                  <p:cNvPr id="23" name="TextBox 22">
+                    <a:extLst>
+                      <a:ext uri="{FF2B5EF4-FFF2-40B4-BE49-F238E27FC236}">
+                        <a16:creationId xmlns:a16="http://schemas.microsoft.com/office/drawing/2014/main" id="{095CACC1-C2C4-34DF-235F-B9DC57E71C2A}"/>
+                      </a:ext>
+                    </a:extLst>
+                  </p:cNvPr>
+                  <p:cNvSpPr txBox="1"/>
+                  <p:nvPr/>
+                </p:nvSpPr>
+                <p:spPr>
+                  <a:xfrm>
+                    <a:off x="3857987" y="1685893"/>
+                    <a:ext cx="686085" cy="246221"/>
+                  </a:xfrm>
+                  <a:prstGeom prst="rect">
+                    <a:avLst/>
+                  </a:prstGeom>
+                  <a:noFill/>
+                </p:spPr>
+                <p:txBody>
+                  <a:bodyPr wrap="none" lIns="0" tIns="0" rIns="0" bIns="0" rtlCol="0">
+                    <a:spAutoFit/>
+                  </a:bodyPr>
+                  <a:lstStyle/>
+                  <a:p>
+                    <a14:m>
+                      <m:oMathPara xmlns:m="http://schemas.openxmlformats.org/officeDocument/2006/math">
+                        <m:oMathParaPr>
+                          <m:jc m:val="centerGroup"/>
+                        </m:oMathParaPr>
+                        <m:oMath xmlns:m="http://schemas.openxmlformats.org/officeDocument/2006/math">
+                          <m:r>
+                            <a:rPr lang="en-US" sz="1600" i="1" smtClean="0">
+                              <a:solidFill>
+                                <a:schemeClr val="accent6">
+                                  <a:lumMod val="75000"/>
+                                </a:schemeClr>
+                              </a:solidFill>
+                              <a:latin typeface="Cambria Math" panose="02040503050406030204" pitchFamily="18" charset="0"/>
+                            </a:rPr>
+                            <m:t>3</m:t>
+                          </m:r>
+                          <m:r>
+                            <a:rPr lang="en-US" sz="1600" b="0" i="1" smtClean="0">
+                              <a:solidFill>
+                                <a:schemeClr val="accent6">
+                                  <a:lumMod val="75000"/>
+                                </a:schemeClr>
+                              </a:solidFill>
+                              <a:latin typeface="Cambria Math" panose="02040503050406030204" pitchFamily="18" charset="0"/>
+                            </a:rPr>
+                            <m:t>00 </m:t>
+                          </m:r>
+                          <m:r>
+                            <a:rPr lang="en-US" sz="1600" b="0" i="1" smtClean="0">
+                              <a:solidFill>
+                                <a:schemeClr val="accent6">
+                                  <a:lumMod val="75000"/>
+                                </a:schemeClr>
+                              </a:solidFill>
+                              <a:latin typeface="Cambria Math" panose="02040503050406030204" pitchFamily="18" charset="0"/>
+                            </a:rPr>
+                            <m:t>𝑘</m:t>
+                          </m:r>
+                          <m:r>
+                            <m:rPr>
+                              <m:sty m:val="p"/>
+                            </m:rPr>
+                            <a:rPr lang="en-US" sz="1600" b="0" i="0" smtClean="0">
+                              <a:solidFill>
+                                <a:schemeClr val="accent6">
+                                  <a:lumMod val="75000"/>
+                                </a:schemeClr>
+                              </a:solidFill>
+                              <a:latin typeface="Cambria Math" panose="02040503050406030204" pitchFamily="18" charset="0"/>
+                            </a:rPr>
+                            <m:t>Ω</m:t>
+                          </m:r>
+                        </m:oMath>
+                      </m:oMathPara>
+                    </a14:m>
+                    <a:endParaRPr lang="en-US" sz="1600" dirty="0">
+                      <a:solidFill>
+                        <a:schemeClr val="accent6">
+                          <a:lumMod val="75000"/>
+                        </a:schemeClr>
+                      </a:solidFill>
+                    </a:endParaRPr>
+                  </a:p>
+                </p:txBody>
+              </p:sp>
+            </mc:Choice>
+            <mc:Fallback>
+              <p:sp>
+                <p:nvSpPr>
+                  <p:cNvPr id="23" name="TextBox 22">
+                    <a:extLst>
+                      <a:ext uri="{FF2B5EF4-FFF2-40B4-BE49-F238E27FC236}">
+                        <a16:creationId xmlns:a16="http://schemas.microsoft.com/office/drawing/2014/main" id="{095CACC1-C2C4-34DF-235F-B9DC57E71C2A}"/>
+                      </a:ext>
+                    </a:extLst>
+                  </p:cNvPr>
+                  <p:cNvSpPr txBox="1">
+                    <a:spLocks noRot="1" noChangeAspect="1" noMove="1" noResize="1" noEditPoints="1" noAdjustHandles="1" noChangeArrowheads="1" noChangeShapeType="1" noTextEdit="1"/>
+                  </p:cNvSpPr>
+                  <p:nvPr/>
+                </p:nvSpPr>
+                <p:spPr>
+                  <a:xfrm>
+                    <a:off x="3857987" y="1685893"/>
+                    <a:ext cx="686085" cy="246221"/>
+                  </a:xfrm>
+                  <a:prstGeom prst="rect">
+                    <a:avLst/>
+                  </a:prstGeom>
+                  <a:blipFill>
+                    <a:blip r:embed="rId14"/>
+                    <a:stretch>
+                      <a:fillRect l="-7143" r="-5357" b="-4878"/>
+                    </a:stretch>
+                  </a:blipFill>
+                </p:spPr>
+                <p:txBody>
+                  <a:bodyPr/>
+                  <a:lstStyle/>
+                  <a:p>
+                    <a:r>
+                      <a:rPr lang="en-US">
+                        <a:noFill/>
+                      </a:rPr>
+                      <a:t> </a:t>
+                    </a:r>
+                  </a:p>
+                </p:txBody>
+              </p:sp>
+            </mc:Fallback>
+          </mc:AlternateContent>
+          <mc:AlternateContent xmlns:mc="http://schemas.openxmlformats.org/markup-compatibility/2006">
+            <mc:Choice xmlns:a14="http://schemas.microsoft.com/office/drawing/2010/main" Requires="a14">
+              <p:sp>
+                <p:nvSpPr>
+                  <p:cNvPr id="24" name="TextBox 23">
+                    <a:extLst>
+                      <a:ext uri="{FF2B5EF4-FFF2-40B4-BE49-F238E27FC236}">
+                        <a16:creationId xmlns:a16="http://schemas.microsoft.com/office/drawing/2014/main" id="{E490EB60-FAB8-AD99-BD54-906A0A0BADD4}"/>
+                      </a:ext>
+                    </a:extLst>
+                  </p:cNvPr>
+                  <p:cNvSpPr txBox="1"/>
+                  <p:nvPr/>
+                </p:nvSpPr>
+                <p:spPr>
+                  <a:xfrm>
+                    <a:off x="5451670" y="2171232"/>
+                    <a:ext cx="471860" cy="276999"/>
+                  </a:xfrm>
+                  <a:prstGeom prst="rect">
+                    <a:avLst/>
+                  </a:prstGeom>
+                  <a:noFill/>
+                </p:spPr>
+                <p:txBody>
+                  <a:bodyPr wrap="none" lIns="0" tIns="0" rIns="0" bIns="0" rtlCol="0">
+                    <a:spAutoFit/>
+                  </a:bodyPr>
+                  <a:lstStyle/>
+                  <a:p>
+                    <a14:m>
+                      <m:oMathPara xmlns:m="http://schemas.openxmlformats.org/officeDocument/2006/math">
+                        <m:oMathParaPr>
+                          <m:jc m:val="centerGroup"/>
+                        </m:oMathParaPr>
+                        <m:oMath xmlns:m="http://schemas.openxmlformats.org/officeDocument/2006/math">
+                          <m:sSub>
+                            <m:sSubPr>
+                              <m:ctrlPr>
+                                <a:rPr lang="en-US" b="0" i="1" smtClean="0">
+                                  <a:solidFill>
+                                    <a:srgbClr val="0070C0"/>
+                                  </a:solidFill>
+                                  <a:latin typeface="Cambria Math" panose="02040503050406030204" pitchFamily="18" charset="0"/>
+                                </a:rPr>
+                              </m:ctrlPr>
+                            </m:sSubPr>
+                            <m:e>
+                              <m:r>
+                                <a:rPr lang="en-US" b="0" i="1" smtClean="0">
+                                  <a:solidFill>
+                                    <a:srgbClr val="0070C0"/>
+                                  </a:solidFill>
+                                  <a:latin typeface="Cambria Math" panose="02040503050406030204" pitchFamily="18" charset="0"/>
+                                </a:rPr>
+                                <m:t>𝑣</m:t>
+                              </m:r>
+                            </m:e>
+                            <m:sub>
+                              <m:r>
+                                <a:rPr lang="en-US" b="0" i="1" smtClean="0">
+                                  <a:solidFill>
+                                    <a:srgbClr val="0070C0"/>
+                                  </a:solidFill>
+                                  <a:latin typeface="Cambria Math" panose="02040503050406030204" pitchFamily="18" charset="0"/>
+                                </a:rPr>
+                                <m:t>𝑜𝑢𝑡</m:t>
+                              </m:r>
+                            </m:sub>
+                          </m:sSub>
+                        </m:oMath>
+                      </m:oMathPara>
+                    </a14:m>
+                    <a:endParaRPr lang="en-US" dirty="0">
+                      <a:solidFill>
+                        <a:srgbClr val="0070C0"/>
+                      </a:solidFill>
+                    </a:endParaRPr>
+                  </a:p>
+                </p:txBody>
+              </p:sp>
+            </mc:Choice>
+            <mc:Fallback>
+              <p:sp>
+                <p:nvSpPr>
+                  <p:cNvPr id="24" name="TextBox 23">
+                    <a:extLst>
+                      <a:ext uri="{FF2B5EF4-FFF2-40B4-BE49-F238E27FC236}">
+                        <a16:creationId xmlns:a16="http://schemas.microsoft.com/office/drawing/2014/main" id="{E490EB60-FAB8-AD99-BD54-906A0A0BADD4}"/>
+                      </a:ext>
+                    </a:extLst>
+                  </p:cNvPr>
+                  <p:cNvSpPr txBox="1">
+                    <a:spLocks noRot="1" noChangeAspect="1" noMove="1" noResize="1" noEditPoints="1" noAdjustHandles="1" noChangeArrowheads="1" noChangeShapeType="1" noTextEdit="1"/>
+                  </p:cNvSpPr>
+                  <p:nvPr/>
+                </p:nvSpPr>
+                <p:spPr>
+                  <a:xfrm>
+                    <a:off x="5451670" y="2171232"/>
+                    <a:ext cx="471860" cy="276999"/>
+                  </a:xfrm>
+                  <a:prstGeom prst="rect">
+                    <a:avLst/>
+                  </a:prstGeom>
+                  <a:blipFill>
+                    <a:blip r:embed="rId15"/>
+                    <a:stretch>
+                      <a:fillRect l="-6410" r="-2564" b="-15556"/>
+                    </a:stretch>
+                  </a:blipFill>
+                </p:spPr>
+                <p:txBody>
+                  <a:bodyPr/>
+                  <a:lstStyle/>
+                  <a:p>
+                    <a:r>
+                      <a:rPr lang="en-US">
+                        <a:noFill/>
+                      </a:rPr>
+                      <a:t> </a:t>
+                    </a:r>
+                  </a:p>
+                </p:txBody>
+              </p:sp>
+            </mc:Fallback>
+          </mc:AlternateContent>
+          <p:cxnSp>
+            <p:nvCxnSpPr>
+              <p:cNvPr id="27" name="Straight Connector 26">
+                <a:extLst>
+                  <a:ext uri="{FF2B5EF4-FFF2-40B4-BE49-F238E27FC236}">
+                    <a16:creationId xmlns:a16="http://schemas.microsoft.com/office/drawing/2014/main" id="{34D8B287-6BE5-AF90-43B5-C2E129D6C519}"/>
+                  </a:ext>
+                </a:extLst>
+              </p:cNvPr>
+              <p:cNvCxnSpPr>
+                <a:stCxn id="8" idx="0"/>
+              </p:cNvCxnSpPr>
+              <p:nvPr/>
+            </p:nvCxnSpPr>
+            <p:spPr>
+              <a:xfrm flipV="1">
+                <a:off x="1490006" y="1335128"/>
+                <a:ext cx="440394" cy="473876"/>
+              </a:xfrm>
+              <a:prstGeom prst="line">
+                <a:avLst/>
+              </a:prstGeom>
+            </p:spPr>
+            <p:style>
+              <a:lnRef idx="1">
+                <a:schemeClr val="accent1"/>
+              </a:lnRef>
+              <a:fillRef idx="0">
+                <a:schemeClr val="accent1"/>
+              </a:fillRef>
+              <a:effectRef idx="0">
+                <a:schemeClr val="accent1"/>
+              </a:effectRef>
+              <a:fontRef idx="minor">
+                <a:schemeClr val="tx1"/>
+              </a:fontRef>
+            </p:style>
+          </p:cxnSp>
+          <p:cxnSp>
+            <p:nvCxnSpPr>
+              <p:cNvPr id="29" name="Straight Connector 28">
+                <a:extLst>
+                  <a:ext uri="{FF2B5EF4-FFF2-40B4-BE49-F238E27FC236}">
+                    <a16:creationId xmlns:a16="http://schemas.microsoft.com/office/drawing/2014/main" id="{FC16FC69-1923-8347-0A3B-28B4A14DDFF1}"/>
+                  </a:ext>
+                </a:extLst>
+              </p:cNvPr>
+              <p:cNvCxnSpPr/>
+              <p:nvPr/>
+            </p:nvCxnSpPr>
+            <p:spPr>
+              <a:xfrm flipH="1" flipV="1">
+                <a:off x="2309264" y="1335128"/>
+                <a:ext cx="744845" cy="596986"/>
+              </a:xfrm>
+              <a:prstGeom prst="line">
+                <a:avLst/>
+              </a:prstGeom>
+            </p:spPr>
+            <p:style>
+              <a:lnRef idx="1">
+                <a:schemeClr val="accent1"/>
+              </a:lnRef>
+              <a:fillRef idx="0">
+                <a:schemeClr val="accent1"/>
+              </a:fillRef>
+              <a:effectRef idx="0">
+                <a:schemeClr val="accent1"/>
+              </a:effectRef>
+              <a:fontRef idx="minor">
+                <a:schemeClr val="tx1"/>
+              </a:fontRef>
+            </p:style>
+          </p:cxnSp>
+          <mc:AlternateContent xmlns:mc="http://schemas.openxmlformats.org/markup-compatibility/2006">
+            <mc:Choice xmlns:a14="http://schemas.microsoft.com/office/drawing/2010/main" Requires="a14">
+              <p:sp>
+                <p:nvSpPr>
+                  <p:cNvPr id="30" name="TextBox 29">
+                    <a:extLst>
+                      <a:ext uri="{FF2B5EF4-FFF2-40B4-BE49-F238E27FC236}">
+                        <a16:creationId xmlns:a16="http://schemas.microsoft.com/office/drawing/2014/main" id="{16A34A96-D9B0-329C-3E69-4DF110B63678}"/>
+                      </a:ext>
+                    </a:extLst>
+                  </p:cNvPr>
+                  <p:cNvSpPr txBox="1"/>
+                  <p:nvPr/>
+                </p:nvSpPr>
+                <p:spPr>
+                  <a:xfrm>
+                    <a:off x="1084140" y="1058211"/>
+                    <a:ext cx="2070685" cy="276999"/>
+                  </a:xfrm>
+                  <a:prstGeom prst="rect">
+                    <a:avLst/>
+                  </a:prstGeom>
+                  <a:noFill/>
+                </p:spPr>
+                <p:txBody>
+                  <a:bodyPr wrap="square" lIns="0" tIns="0" rIns="0" bIns="0" rtlCol="0">
+                    <a:spAutoFit/>
+                  </a:bodyPr>
+                  <a:lstStyle/>
+                  <a:p>
+                    <a14:m>
+                      <m:oMathPara xmlns:m="http://schemas.openxmlformats.org/officeDocument/2006/math">
+                        <m:oMathParaPr>
+                          <m:jc m:val="centerGroup"/>
+                        </m:oMathParaPr>
+                        <m:oMath xmlns:m="http://schemas.openxmlformats.org/officeDocument/2006/math">
+                          <m:sSub>
+                            <m:sSubPr>
+                              <m:ctrlPr>
+                                <a:rPr lang="en-US" b="0" i="1" smtClean="0">
+                                  <a:solidFill>
+                                    <a:srgbClr val="0070C0"/>
+                                  </a:solidFill>
+                                  <a:latin typeface="Cambria Math" panose="02040503050406030204" pitchFamily="18" charset="0"/>
+                                </a:rPr>
+                              </m:ctrlPr>
+                            </m:sSubPr>
+                            <m:e>
+                              <m:r>
+                                <a:rPr lang="en-US" b="0" i="1" smtClean="0">
+                                  <a:solidFill>
+                                    <a:srgbClr val="0070C0"/>
+                                  </a:solidFill>
+                                  <a:latin typeface="Cambria Math" panose="02040503050406030204" pitchFamily="18" charset="0"/>
+                                </a:rPr>
+                                <m:t>𝑅</m:t>
+                              </m:r>
+                            </m:e>
+                            <m:sub>
+                              <m:r>
+                                <a:rPr lang="en-US" b="0" i="1" smtClean="0">
+                                  <a:solidFill>
+                                    <a:srgbClr val="0070C0"/>
+                                  </a:solidFill>
+                                  <a:latin typeface="Cambria Math" panose="02040503050406030204" pitchFamily="18" charset="0"/>
+                                </a:rPr>
+                                <m:t>𝑖</m:t>
+                              </m:r>
+                            </m:sub>
+                          </m:sSub>
+                          <m:r>
+                            <a:rPr lang="en-US" b="0" i="1" smtClean="0">
+                              <a:solidFill>
+                                <a:srgbClr val="0070C0"/>
+                              </a:solidFill>
+                              <a:latin typeface="Cambria Math" panose="02040503050406030204" pitchFamily="18" charset="0"/>
+                            </a:rPr>
+                            <m:t>=</m:t>
+                          </m:r>
+                          <m:sSub>
+                            <m:sSubPr>
+                              <m:ctrlPr>
+                                <a:rPr lang="en-US" b="0" i="1" smtClean="0">
+                                  <a:solidFill>
+                                    <a:srgbClr val="0070C0"/>
+                                  </a:solidFill>
+                                  <a:latin typeface="Cambria Math" panose="02040503050406030204" pitchFamily="18" charset="0"/>
+                                </a:rPr>
+                              </m:ctrlPr>
+                            </m:sSubPr>
+                            <m:e>
+                              <m:r>
+                                <a:rPr lang="en-US" b="0" i="1" smtClean="0">
+                                  <a:solidFill>
+                                    <a:srgbClr val="0070C0"/>
+                                  </a:solidFill>
+                                  <a:latin typeface="Cambria Math" panose="02040503050406030204" pitchFamily="18" charset="0"/>
+                                </a:rPr>
+                                <m:t>𝑅</m:t>
+                              </m:r>
+                            </m:e>
+                            <m:sub>
+                              <m:r>
+                                <a:rPr lang="en-US" b="0" i="1" smtClean="0">
+                                  <a:solidFill>
+                                    <a:srgbClr val="0070C0"/>
+                                  </a:solidFill>
+                                  <a:latin typeface="Cambria Math" panose="02040503050406030204" pitchFamily="18" charset="0"/>
+                                </a:rPr>
+                                <m:t>𝑖𝑛</m:t>
+                              </m:r>
+                            </m:sub>
+                          </m:sSub>
+                          <m:r>
+                            <a:rPr lang="en-US" b="0" i="1" smtClean="0">
+                              <a:solidFill>
+                                <a:srgbClr val="0070C0"/>
+                              </a:solidFill>
+                              <a:latin typeface="Cambria Math" panose="02040503050406030204" pitchFamily="18" charset="0"/>
+                            </a:rPr>
+                            <m:t>+</m:t>
+                          </m:r>
+                          <m:sSub>
+                            <m:sSubPr>
+                              <m:ctrlPr>
+                                <a:rPr lang="en-US" b="0" i="1" smtClean="0">
+                                  <a:solidFill>
+                                    <a:srgbClr val="0070C0"/>
+                                  </a:solidFill>
+                                  <a:latin typeface="Cambria Math" panose="02040503050406030204" pitchFamily="18" charset="0"/>
+                                </a:rPr>
+                              </m:ctrlPr>
+                            </m:sSubPr>
+                            <m:e>
+                              <m:r>
+                                <a:rPr lang="en-US" b="0" i="1" smtClean="0">
+                                  <a:solidFill>
+                                    <a:srgbClr val="0070C0"/>
+                                  </a:solidFill>
+                                  <a:latin typeface="Cambria Math" panose="02040503050406030204" pitchFamily="18" charset="0"/>
+                                </a:rPr>
+                                <m:t>𝑅</m:t>
+                              </m:r>
+                            </m:e>
+                            <m:sub>
+                              <m:r>
+                                <a:rPr lang="en-US" b="0" i="1" smtClean="0">
+                                  <a:solidFill>
+                                    <a:srgbClr val="0070C0"/>
+                                  </a:solidFill>
+                                  <a:latin typeface="Cambria Math" panose="02040503050406030204" pitchFamily="18" charset="0"/>
+                                </a:rPr>
+                                <m:t>𝑚𝑖𝑐</m:t>
+                              </m:r>
+                            </m:sub>
+                          </m:sSub>
+                        </m:oMath>
+                      </m:oMathPara>
+                    </a14:m>
+                    <a:endParaRPr lang="en-US" dirty="0">
+                      <a:solidFill>
+                        <a:srgbClr val="0070C0"/>
+                      </a:solidFill>
+                    </a:endParaRPr>
+                  </a:p>
+                </p:txBody>
+              </p:sp>
+            </mc:Choice>
+            <mc:Fallback>
+              <p:sp>
+                <p:nvSpPr>
+                  <p:cNvPr id="30" name="TextBox 29">
+                    <a:extLst>
+                      <a:ext uri="{FF2B5EF4-FFF2-40B4-BE49-F238E27FC236}">
+                        <a16:creationId xmlns:a16="http://schemas.microsoft.com/office/drawing/2014/main" id="{16A34A96-D9B0-329C-3E69-4DF110B63678}"/>
+                      </a:ext>
+                    </a:extLst>
+                  </p:cNvPr>
+                  <p:cNvSpPr txBox="1">
+                    <a:spLocks noRot="1" noChangeAspect="1" noMove="1" noResize="1" noEditPoints="1" noAdjustHandles="1" noChangeArrowheads="1" noChangeShapeType="1" noTextEdit="1"/>
+                  </p:cNvSpPr>
+                  <p:nvPr/>
+                </p:nvSpPr>
+                <p:spPr>
+                  <a:xfrm>
+                    <a:off x="1084140" y="1058211"/>
+                    <a:ext cx="2070685" cy="276999"/>
+                  </a:xfrm>
+                  <a:prstGeom prst="rect">
+                    <a:avLst/>
+                  </a:prstGeom>
+                  <a:blipFill>
+                    <a:blip r:embed="rId16"/>
+                    <a:stretch>
+                      <a:fillRect b="-17391"/>
+                    </a:stretch>
+                  </a:blipFill>
+                </p:spPr>
+                <p:txBody>
+                  <a:bodyPr/>
+                  <a:lstStyle/>
+                  <a:p>
+                    <a:r>
+                      <a:rPr lang="en-US">
+                        <a:noFill/>
+                      </a:rPr>
+                      <a:t> </a:t>
+                    </a:r>
+                  </a:p>
+                </p:txBody>
+              </p:sp>
+            </mc:Fallback>
+          </mc:AlternateContent>
+          <mc:AlternateContent xmlns:mc="http://schemas.openxmlformats.org/markup-compatibility/2006">
+            <mc:Choice xmlns:a14="http://schemas.microsoft.com/office/drawing/2010/main" Requires="a14">
+              <p:sp>
+                <p:nvSpPr>
+                  <p:cNvPr id="34" name="TextBox 33">
+                    <a:extLst>
+                      <a:ext uri="{FF2B5EF4-FFF2-40B4-BE49-F238E27FC236}">
+                        <a16:creationId xmlns:a16="http://schemas.microsoft.com/office/drawing/2014/main" id="{7E3C7152-7C96-29BE-3148-F3BD7A6DD5AD}"/>
+                      </a:ext>
+                    </a:extLst>
+                  </p:cNvPr>
+                  <p:cNvSpPr txBox="1"/>
+                  <p:nvPr/>
+                </p:nvSpPr>
+                <p:spPr>
+                  <a:xfrm>
+                    <a:off x="3706079" y="4601202"/>
+                    <a:ext cx="513987" cy="276999"/>
+                  </a:xfrm>
+                  <a:prstGeom prst="rect">
+                    <a:avLst/>
+                  </a:prstGeom>
+                  <a:noFill/>
+                </p:spPr>
+                <p:txBody>
+                  <a:bodyPr wrap="none" lIns="0" tIns="0" rIns="0" bIns="0" rtlCol="0">
+                    <a:spAutoFit/>
+                  </a:bodyPr>
+                  <a:lstStyle/>
+                  <a:p>
+                    <a14:m>
+                      <m:oMathPara xmlns:m="http://schemas.openxmlformats.org/officeDocument/2006/math">
+                        <m:oMathParaPr>
+                          <m:jc m:val="centerGroup"/>
+                        </m:oMathParaPr>
+                        <m:oMath xmlns:m="http://schemas.openxmlformats.org/officeDocument/2006/math">
+                          <m:r>
+                            <a:rPr lang="en-US" b="0" i="1" smtClean="0">
+                              <a:solidFill>
+                                <a:srgbClr val="0070C0"/>
+                              </a:solidFill>
+                              <a:latin typeface="Cambria Math" panose="02040503050406030204" pitchFamily="18" charset="0"/>
+                            </a:rPr>
+                            <m:t>𝐻𝑃𝐹</m:t>
+                          </m:r>
+                        </m:oMath>
+                      </m:oMathPara>
+                    </a14:m>
+                    <a:endParaRPr lang="en-US" dirty="0">
+                      <a:solidFill>
+                        <a:srgbClr val="0070C0"/>
+                      </a:solidFill>
+                    </a:endParaRPr>
+                  </a:p>
+                </p:txBody>
+              </p:sp>
+            </mc:Choice>
+            <mc:Fallback>
+              <p:sp>
+                <p:nvSpPr>
+                  <p:cNvPr id="34" name="TextBox 33">
+                    <a:extLst>
+                      <a:ext uri="{FF2B5EF4-FFF2-40B4-BE49-F238E27FC236}">
+                        <a16:creationId xmlns:a16="http://schemas.microsoft.com/office/drawing/2014/main" id="{7E3C7152-7C96-29BE-3148-F3BD7A6DD5AD}"/>
+                      </a:ext>
+                    </a:extLst>
+                  </p:cNvPr>
+                  <p:cNvSpPr txBox="1">
+                    <a:spLocks noRot="1" noChangeAspect="1" noMove="1" noResize="1" noEditPoints="1" noAdjustHandles="1" noChangeArrowheads="1" noChangeShapeType="1" noTextEdit="1"/>
+                  </p:cNvSpPr>
+                  <p:nvPr/>
+                </p:nvSpPr>
+                <p:spPr>
+                  <a:xfrm>
+                    <a:off x="3706079" y="4601202"/>
+                    <a:ext cx="513987" cy="276999"/>
+                  </a:xfrm>
+                  <a:prstGeom prst="rect">
+                    <a:avLst/>
+                  </a:prstGeom>
+                  <a:blipFill>
+                    <a:blip r:embed="rId17"/>
+                    <a:stretch>
+                      <a:fillRect l="-10714" r="-9524" b="-6667"/>
+                    </a:stretch>
+                  </a:blipFill>
+                </p:spPr>
+                <p:txBody>
+                  <a:bodyPr/>
+                  <a:lstStyle/>
+                  <a:p>
+                    <a:r>
+                      <a:rPr lang="en-US">
+                        <a:noFill/>
+                      </a:rPr>
+                      <a:t> </a:t>
+                    </a:r>
+                  </a:p>
+                </p:txBody>
+              </p:sp>
+            </mc:Fallback>
+          </mc:AlternateContent>
+          <mc:AlternateContent xmlns:mc="http://schemas.openxmlformats.org/markup-compatibility/2006">
+            <mc:Choice xmlns:a14="http://schemas.microsoft.com/office/drawing/2010/main" Requires="a14">
+              <p:sp>
+                <p:nvSpPr>
+                  <p:cNvPr id="36" name="TextBox 35">
+                    <a:extLst>
+                      <a:ext uri="{FF2B5EF4-FFF2-40B4-BE49-F238E27FC236}">
+                        <a16:creationId xmlns:a16="http://schemas.microsoft.com/office/drawing/2014/main" id="{84BFA797-C92A-343D-EF15-EFCF68FCBB85}"/>
+                      </a:ext>
+                    </a:extLst>
+                  </p:cNvPr>
+                  <p:cNvSpPr txBox="1"/>
+                  <p:nvPr/>
+                </p:nvSpPr>
+                <p:spPr>
+                  <a:xfrm>
+                    <a:off x="5053866" y="4601202"/>
+                    <a:ext cx="469103" cy="276999"/>
+                  </a:xfrm>
+                  <a:prstGeom prst="rect">
+                    <a:avLst/>
+                  </a:prstGeom>
+                  <a:noFill/>
+                </p:spPr>
+                <p:txBody>
+                  <a:bodyPr wrap="none" lIns="0" tIns="0" rIns="0" bIns="0" rtlCol="0">
+                    <a:spAutoFit/>
+                  </a:bodyPr>
+                  <a:lstStyle/>
+                  <a:p>
+                    <a14:m>
+                      <m:oMathPara xmlns:m="http://schemas.openxmlformats.org/officeDocument/2006/math">
+                        <m:oMathParaPr>
+                          <m:jc m:val="centerGroup"/>
+                        </m:oMathParaPr>
+                        <m:oMath xmlns:m="http://schemas.openxmlformats.org/officeDocument/2006/math">
+                          <m:r>
+                            <a:rPr lang="en-US" b="0" i="1" smtClean="0">
+                              <a:solidFill>
+                                <a:srgbClr val="0070C0"/>
+                              </a:solidFill>
+                              <a:latin typeface="Cambria Math" panose="02040503050406030204" pitchFamily="18" charset="0"/>
+                            </a:rPr>
+                            <m:t>𝐿𝑃𝐹</m:t>
+                          </m:r>
+                        </m:oMath>
+                      </m:oMathPara>
+                    </a14:m>
+                    <a:endParaRPr lang="en-US" dirty="0">
+                      <a:solidFill>
+                        <a:srgbClr val="0070C0"/>
+                      </a:solidFill>
+                    </a:endParaRPr>
+                  </a:p>
+                </p:txBody>
+              </p:sp>
+            </mc:Choice>
+            <mc:Fallback>
+              <p:sp>
+                <p:nvSpPr>
+                  <p:cNvPr id="36" name="TextBox 35">
+                    <a:extLst>
+                      <a:ext uri="{FF2B5EF4-FFF2-40B4-BE49-F238E27FC236}">
+                        <a16:creationId xmlns:a16="http://schemas.microsoft.com/office/drawing/2014/main" id="{84BFA797-C92A-343D-EF15-EFCF68FCBB85}"/>
+                      </a:ext>
+                    </a:extLst>
+                  </p:cNvPr>
+                  <p:cNvSpPr txBox="1">
+                    <a:spLocks noRot="1" noChangeAspect="1" noMove="1" noResize="1" noEditPoints="1" noAdjustHandles="1" noChangeArrowheads="1" noChangeShapeType="1" noTextEdit="1"/>
+                  </p:cNvSpPr>
+                  <p:nvPr/>
+                </p:nvSpPr>
+                <p:spPr>
+                  <a:xfrm>
+                    <a:off x="5053866" y="4601202"/>
+                    <a:ext cx="469103" cy="276999"/>
+                  </a:xfrm>
+                  <a:prstGeom prst="rect">
+                    <a:avLst/>
+                  </a:prstGeom>
+                  <a:blipFill>
+                    <a:blip r:embed="rId18"/>
+                    <a:stretch>
+                      <a:fillRect l="-11688" r="-10390" b="-6667"/>
+                    </a:stretch>
+                  </a:blipFill>
+                </p:spPr>
+                <p:txBody>
+                  <a:bodyPr/>
+                  <a:lstStyle/>
+                  <a:p>
+                    <a:r>
+                      <a:rPr lang="en-US">
+                        <a:noFill/>
+                      </a:rPr>
+                      <a:t> </a:t>
+                    </a:r>
+                  </a:p>
+                </p:txBody>
+              </p:sp>
+            </mc:Fallback>
+          </mc:AlternateContent>
+        </p:grpSp>
+        <mc:AlternateContent xmlns:mc="http://schemas.openxmlformats.org/markup-compatibility/2006">
+          <mc:Choice xmlns:a14="http://schemas.microsoft.com/office/drawing/2010/main" Requires="a14">
+            <p:sp>
+              <p:nvSpPr>
+                <p:cNvPr id="32" name="TextBox 31">
+                  <a:extLst>
+                    <a:ext uri="{FF2B5EF4-FFF2-40B4-BE49-F238E27FC236}">
+                      <a16:creationId xmlns:a16="http://schemas.microsoft.com/office/drawing/2014/main" id="{5002A39F-0ADE-0D4C-718C-2105A7712E64}"/>
+                    </a:ext>
+                  </a:extLst>
+                </p:cNvPr>
+                <p:cNvSpPr txBox="1"/>
+                <p:nvPr/>
+              </p:nvSpPr>
+              <p:spPr>
+                <a:xfrm>
+                  <a:off x="4316044" y="3279203"/>
+                  <a:ext cx="4822282" cy="628249"/>
+                </a:xfrm>
+                <a:prstGeom prst="rect">
+                  <a:avLst/>
+                </a:prstGeom>
+                <a:noFill/>
+              </p:spPr>
+              <p:txBody>
+                <a:bodyPr wrap="none" lIns="0" tIns="0" rIns="0" bIns="0" rtlCol="0">
+                  <a:spAutoFit/>
+                </a:bodyPr>
+                <a:lstStyle/>
+                <a:p>
+                  <a14:m>
+                    <m:oMathPara xmlns:m="http://schemas.openxmlformats.org/officeDocument/2006/math">
+                      <m:oMathParaPr>
+                        <m:jc m:val="centerGroup"/>
+                      </m:oMathParaPr>
+                      <m:oMath xmlns:m="http://schemas.openxmlformats.org/officeDocument/2006/math">
+                        <m:r>
+                          <a:rPr lang="en-US" b="0" i="1" smtClean="0">
+                            <a:latin typeface="Cambria Math" panose="02040503050406030204" pitchFamily="18" charset="0"/>
+                          </a:rPr>
+                          <m:t>𝐻</m:t>
+                        </m:r>
+                        <m:d>
+                          <m:dPr>
+                            <m:ctrlPr>
+                              <a:rPr lang="en-US" b="0" i="1" smtClean="0">
+                                <a:latin typeface="Cambria Math" panose="02040503050406030204" pitchFamily="18" charset="0"/>
+                              </a:rPr>
+                            </m:ctrlPr>
+                          </m:dPr>
+                          <m:e>
+                            <m:r>
+                              <a:rPr lang="en-US" b="0" i="1" smtClean="0">
+                                <a:latin typeface="Cambria Math" panose="02040503050406030204" pitchFamily="18" charset="0"/>
+                              </a:rPr>
+                              <m:t>𝑠</m:t>
+                            </m:r>
+                          </m:e>
+                        </m:d>
+                        <m:r>
+                          <a:rPr lang="en-US" b="0" i="1" smtClean="0">
+                            <a:latin typeface="Cambria Math" panose="02040503050406030204" pitchFamily="18" charset="0"/>
+                          </a:rPr>
+                          <m:t>=</m:t>
+                        </m:r>
+                        <m:f>
+                          <m:fPr>
+                            <m:ctrlPr>
+                              <a:rPr lang="en-US" b="0" i="1" smtClean="0">
+                                <a:latin typeface="Cambria Math" panose="02040503050406030204" pitchFamily="18" charset="0"/>
+                              </a:rPr>
+                            </m:ctrlPr>
+                          </m:fPr>
+                          <m:num>
+                            <m:sSub>
+                              <m:sSubPr>
+                                <m:ctrlPr>
+                                  <a:rPr lang="en-US" b="0" i="1" smtClean="0">
+                                    <a:latin typeface="Cambria Math" panose="02040503050406030204" pitchFamily="18" charset="0"/>
+                                  </a:rPr>
+                                </m:ctrlPr>
+                              </m:sSubPr>
+                              <m:e>
+                                <m:r>
+                                  <a:rPr lang="en-US" b="0" i="1" smtClean="0">
+                                    <a:latin typeface="Cambria Math" panose="02040503050406030204" pitchFamily="18" charset="0"/>
+                                  </a:rPr>
+                                  <m:t>𝑣</m:t>
+                                </m:r>
+                              </m:e>
+                              <m:sub>
+                                <m:r>
+                                  <a:rPr lang="en-US" b="0" i="1" smtClean="0">
+                                    <a:latin typeface="Cambria Math" panose="02040503050406030204" pitchFamily="18" charset="0"/>
+                                  </a:rPr>
+                                  <m:t>𝑜𝑢𝑡</m:t>
+                                </m:r>
+                              </m:sub>
+                            </m:sSub>
+                          </m:num>
+                          <m:den>
+                            <m:sSub>
+                              <m:sSubPr>
+                                <m:ctrlPr>
+                                  <a:rPr lang="en-US" b="0" i="1" smtClean="0">
+                                    <a:latin typeface="Cambria Math" panose="02040503050406030204" pitchFamily="18" charset="0"/>
+                                  </a:rPr>
+                                </m:ctrlPr>
+                              </m:sSubPr>
+                              <m:e>
+                                <m:r>
+                                  <a:rPr lang="en-US" b="0" i="1" smtClean="0">
+                                    <a:latin typeface="Cambria Math" panose="02040503050406030204" pitchFamily="18" charset="0"/>
+                                  </a:rPr>
+                                  <m:t>𝑣</m:t>
+                                </m:r>
+                              </m:e>
+                              <m:sub>
+                                <m:r>
+                                  <a:rPr lang="en-US" b="0" i="1" smtClean="0">
+                                    <a:latin typeface="Cambria Math" panose="02040503050406030204" pitchFamily="18" charset="0"/>
+                                  </a:rPr>
+                                  <m:t>𝑖𝑛</m:t>
+                                </m:r>
+                              </m:sub>
+                            </m:sSub>
+                          </m:den>
+                        </m:f>
+                        <m:d>
+                          <m:dPr>
+                            <m:ctrlPr>
+                              <a:rPr lang="en-US" b="0" i="1" smtClean="0">
+                                <a:latin typeface="Cambria Math" panose="02040503050406030204" pitchFamily="18" charset="0"/>
+                              </a:rPr>
+                            </m:ctrlPr>
+                          </m:dPr>
+                          <m:e>
+                            <m:r>
+                              <a:rPr lang="en-US" b="0" i="1" smtClean="0">
+                                <a:latin typeface="Cambria Math" panose="02040503050406030204" pitchFamily="18" charset="0"/>
+                              </a:rPr>
+                              <m:t>𝑠</m:t>
+                            </m:r>
+                          </m:e>
+                        </m:d>
+                        <m:r>
+                          <a:rPr lang="en-US" b="0" i="1" smtClean="0">
+                            <a:latin typeface="Cambria Math" panose="02040503050406030204" pitchFamily="18" charset="0"/>
+                          </a:rPr>
+                          <m:t>=−</m:t>
+                        </m:r>
+                        <m:d>
+                          <m:dPr>
+                            <m:ctrlPr>
+                              <a:rPr lang="en-US" b="0" i="1" smtClean="0">
+                                <a:latin typeface="Cambria Math" panose="02040503050406030204" pitchFamily="18" charset="0"/>
+                              </a:rPr>
+                            </m:ctrlPr>
+                          </m:dPr>
+                          <m:e>
+                            <m:f>
+                              <m:fPr>
+                                <m:ctrlPr>
+                                  <a:rPr lang="en-US" i="1">
+                                    <a:latin typeface="Cambria Math" panose="02040503050406030204" pitchFamily="18" charset="0"/>
+                                  </a:rPr>
+                                </m:ctrlPr>
+                              </m:fPr>
+                              <m:num>
+                                <m:r>
+                                  <a:rPr lang="en-US" i="1">
+                                    <a:latin typeface="Cambria Math" panose="02040503050406030204" pitchFamily="18" charset="0"/>
+                                  </a:rPr>
+                                  <m:t>𝑠</m:t>
+                                </m:r>
+                                <m:r>
+                                  <a:rPr lang="en-US" i="1">
+                                    <a:latin typeface="Cambria Math" panose="02040503050406030204" pitchFamily="18" charset="0"/>
+                                  </a:rPr>
+                                  <m:t>/</m:t>
+                                </m:r>
+                                <m:sSub>
+                                  <m:sSubPr>
+                                    <m:ctrlPr>
+                                      <a:rPr lang="en-US" i="1">
+                                        <a:latin typeface="Cambria Math" panose="02040503050406030204" pitchFamily="18" charset="0"/>
+                                      </a:rPr>
+                                    </m:ctrlPr>
+                                  </m:sSubPr>
+                                  <m:e>
+                                    <m:r>
+                                      <a:rPr lang="en-US" i="1">
+                                        <a:latin typeface="Cambria Math" panose="02040503050406030204" pitchFamily="18" charset="0"/>
+                                      </a:rPr>
+                                      <m:t>𝑅</m:t>
+                                    </m:r>
+                                  </m:e>
+                                  <m:sub>
+                                    <m:r>
+                                      <a:rPr lang="en-US" i="1">
+                                        <a:latin typeface="Cambria Math" panose="02040503050406030204" pitchFamily="18" charset="0"/>
+                                      </a:rPr>
+                                      <m:t>𝑖</m:t>
+                                    </m:r>
+                                  </m:sub>
+                                </m:sSub>
+                              </m:num>
+                              <m:den>
+                                <m:r>
+                                  <a:rPr lang="en-US" i="1">
+                                    <a:latin typeface="Cambria Math" panose="02040503050406030204" pitchFamily="18" charset="0"/>
+                                  </a:rPr>
+                                  <m:t>𝑠</m:t>
+                                </m:r>
+                                <m:r>
+                                  <a:rPr lang="en-US" i="1">
+                                    <a:latin typeface="Cambria Math" panose="02040503050406030204" pitchFamily="18" charset="0"/>
+                                  </a:rPr>
+                                  <m:t>+1/</m:t>
+                                </m:r>
+                                <m:sSub>
+                                  <m:sSubPr>
+                                    <m:ctrlPr>
+                                      <a:rPr lang="en-US" i="1">
+                                        <a:latin typeface="Cambria Math" panose="02040503050406030204" pitchFamily="18" charset="0"/>
+                                      </a:rPr>
+                                    </m:ctrlPr>
+                                  </m:sSubPr>
+                                  <m:e>
+                                    <m:r>
+                                      <a:rPr lang="en-US" i="1">
+                                        <a:latin typeface="Cambria Math" panose="02040503050406030204" pitchFamily="18" charset="0"/>
+                                      </a:rPr>
+                                      <m:t>𝑅</m:t>
+                                    </m:r>
+                                  </m:e>
+                                  <m:sub>
+                                    <m:r>
+                                      <a:rPr lang="en-US" i="1">
+                                        <a:latin typeface="Cambria Math" panose="02040503050406030204" pitchFamily="18" charset="0"/>
+                                      </a:rPr>
+                                      <m:t>𝑖</m:t>
+                                    </m:r>
+                                  </m:sub>
+                                </m:sSub>
+                                <m:sSub>
+                                  <m:sSubPr>
+                                    <m:ctrlPr>
+                                      <a:rPr lang="en-US" i="1">
+                                        <a:latin typeface="Cambria Math" panose="02040503050406030204" pitchFamily="18" charset="0"/>
+                                      </a:rPr>
+                                    </m:ctrlPr>
+                                  </m:sSubPr>
+                                  <m:e>
+                                    <m:r>
+                                      <a:rPr lang="en-US" i="1">
+                                        <a:latin typeface="Cambria Math" panose="02040503050406030204" pitchFamily="18" charset="0"/>
+                                      </a:rPr>
+                                      <m:t>𝐶</m:t>
+                                    </m:r>
+                                  </m:e>
+                                  <m:sub>
+                                    <m:r>
+                                      <a:rPr lang="en-US" i="1">
+                                        <a:latin typeface="Cambria Math" panose="02040503050406030204" pitchFamily="18" charset="0"/>
+                                      </a:rPr>
+                                      <m:t>𝑖</m:t>
+                                    </m:r>
+                                  </m:sub>
+                                </m:sSub>
+                              </m:den>
+                            </m:f>
+                          </m:e>
+                        </m:d>
+                        <m:d>
+                          <m:dPr>
+                            <m:ctrlPr>
+                              <a:rPr lang="en-US" i="1">
+                                <a:latin typeface="Cambria Math" panose="02040503050406030204" pitchFamily="18" charset="0"/>
+                              </a:rPr>
+                            </m:ctrlPr>
+                          </m:dPr>
+                          <m:e>
+                            <m:f>
+                              <m:fPr>
+                                <m:ctrlPr>
+                                  <a:rPr lang="en-US" i="1">
+                                    <a:latin typeface="Cambria Math" panose="02040503050406030204" pitchFamily="18" charset="0"/>
+                                  </a:rPr>
+                                </m:ctrlPr>
+                              </m:fPr>
+                              <m:num>
+                                <m:r>
+                                  <a:rPr lang="en-US" b="0" i="1" smtClean="0">
+                                    <a:latin typeface="Cambria Math" panose="02040503050406030204" pitchFamily="18" charset="0"/>
+                                  </a:rPr>
+                                  <m:t>1</m:t>
+                                </m:r>
+                                <m:r>
+                                  <a:rPr lang="en-US" i="1">
+                                    <a:latin typeface="Cambria Math" panose="02040503050406030204" pitchFamily="18" charset="0"/>
+                                  </a:rPr>
+                                  <m:t>/</m:t>
+                                </m:r>
+                                <m:sSub>
+                                  <m:sSubPr>
+                                    <m:ctrlPr>
+                                      <a:rPr lang="en-US" i="1">
+                                        <a:latin typeface="Cambria Math" panose="02040503050406030204" pitchFamily="18" charset="0"/>
+                                      </a:rPr>
+                                    </m:ctrlPr>
+                                  </m:sSubPr>
+                                  <m:e>
+                                    <m:r>
+                                      <a:rPr lang="en-US" b="0" i="1" smtClean="0">
+                                        <a:latin typeface="Cambria Math" panose="02040503050406030204" pitchFamily="18" charset="0"/>
+                                      </a:rPr>
+                                      <m:t>𝐶</m:t>
+                                    </m:r>
+                                  </m:e>
+                                  <m:sub>
+                                    <m:r>
+                                      <a:rPr lang="en-US" b="0" i="1" smtClean="0">
+                                        <a:latin typeface="Cambria Math" panose="02040503050406030204" pitchFamily="18" charset="0"/>
+                                      </a:rPr>
+                                      <m:t>𝑓</m:t>
+                                    </m:r>
+                                  </m:sub>
+                                </m:sSub>
+                              </m:num>
+                              <m:den>
+                                <m:r>
+                                  <a:rPr lang="en-US" i="1">
+                                    <a:latin typeface="Cambria Math" panose="02040503050406030204" pitchFamily="18" charset="0"/>
+                                  </a:rPr>
+                                  <m:t>𝑠</m:t>
+                                </m:r>
+                                <m:r>
+                                  <a:rPr lang="en-US" i="1">
+                                    <a:latin typeface="Cambria Math" panose="02040503050406030204" pitchFamily="18" charset="0"/>
+                                  </a:rPr>
+                                  <m:t>+1/</m:t>
+                                </m:r>
+                                <m:sSub>
+                                  <m:sSubPr>
+                                    <m:ctrlPr>
+                                      <a:rPr lang="en-US" i="1">
+                                        <a:latin typeface="Cambria Math" panose="02040503050406030204" pitchFamily="18" charset="0"/>
+                                      </a:rPr>
+                                    </m:ctrlPr>
+                                  </m:sSubPr>
+                                  <m:e>
+                                    <m:r>
+                                      <a:rPr lang="en-US" i="1">
+                                        <a:latin typeface="Cambria Math" panose="02040503050406030204" pitchFamily="18" charset="0"/>
+                                      </a:rPr>
+                                      <m:t>𝑅</m:t>
+                                    </m:r>
+                                  </m:e>
+                                  <m:sub>
+                                    <m:r>
+                                      <a:rPr lang="en-US" b="0" i="1" smtClean="0">
+                                        <a:latin typeface="Cambria Math" panose="02040503050406030204" pitchFamily="18" charset="0"/>
+                                      </a:rPr>
+                                      <m:t>𝑓</m:t>
+                                    </m:r>
+                                  </m:sub>
+                                </m:sSub>
+                                <m:sSub>
+                                  <m:sSubPr>
+                                    <m:ctrlPr>
+                                      <a:rPr lang="en-US" i="1">
+                                        <a:latin typeface="Cambria Math" panose="02040503050406030204" pitchFamily="18" charset="0"/>
+                                      </a:rPr>
+                                    </m:ctrlPr>
+                                  </m:sSubPr>
+                                  <m:e>
+                                    <m:r>
+                                      <a:rPr lang="en-US" i="1">
+                                        <a:latin typeface="Cambria Math" panose="02040503050406030204" pitchFamily="18" charset="0"/>
+                                      </a:rPr>
+                                      <m:t>𝐶</m:t>
+                                    </m:r>
+                                  </m:e>
+                                  <m:sub>
+                                    <m:r>
+                                      <a:rPr lang="en-US" b="0" i="1" smtClean="0">
+                                        <a:latin typeface="Cambria Math" panose="02040503050406030204" pitchFamily="18" charset="0"/>
+                                      </a:rPr>
+                                      <m:t>𝑓</m:t>
+                                    </m:r>
+                                  </m:sub>
+                                </m:sSub>
+                              </m:den>
+                            </m:f>
+                          </m:e>
+                        </m:d>
+                      </m:oMath>
+                    </m:oMathPara>
+                  </a14:m>
+                  <a:endParaRPr lang="en-US" dirty="0"/>
+                </a:p>
+              </p:txBody>
+            </p:sp>
+          </mc:Choice>
+          <mc:Fallback>
+            <p:sp>
+              <p:nvSpPr>
+                <p:cNvPr id="32" name="TextBox 31">
+                  <a:extLst>
+                    <a:ext uri="{FF2B5EF4-FFF2-40B4-BE49-F238E27FC236}">
+                      <a16:creationId xmlns:a16="http://schemas.microsoft.com/office/drawing/2014/main" id="{5002A39F-0ADE-0D4C-718C-2105A7712E64}"/>
+                    </a:ext>
+                  </a:extLst>
+                </p:cNvPr>
+                <p:cNvSpPr txBox="1">
+                  <a:spLocks noRot="1" noChangeAspect="1" noMove="1" noResize="1" noEditPoints="1" noAdjustHandles="1" noChangeArrowheads="1" noChangeShapeType="1" noTextEdit="1"/>
+                </p:cNvSpPr>
+                <p:nvPr/>
+              </p:nvSpPr>
+              <p:spPr>
+                <a:xfrm>
+                  <a:off x="4316044" y="3279203"/>
+                  <a:ext cx="4822282" cy="628249"/>
+                </a:xfrm>
+                <a:prstGeom prst="rect">
+                  <a:avLst/>
+                </a:prstGeom>
+                <a:blipFill>
+                  <a:blip r:embed="rId19"/>
+                  <a:stretch>
+                    <a:fillRect/>
+                  </a:stretch>
+                </a:blipFill>
+              </p:spPr>
+              <p:txBody>
+                <a:bodyPr/>
+                <a:lstStyle/>
+                <a:p>
+                  <a:r>
+                    <a:rPr lang="en-US">
+                      <a:noFill/>
+                    </a:rPr>
+                    <a:t> </a:t>
+                  </a:r>
+                </a:p>
+              </p:txBody>
+            </p:sp>
+          </mc:Fallback>
+        </mc:AlternateContent>
+        <p:sp>
+          <p:nvSpPr>
+            <p:cNvPr id="33" name="Right Brace 32">
+              <a:extLst>
+                <a:ext uri="{FF2B5EF4-FFF2-40B4-BE49-F238E27FC236}">
+                  <a16:creationId xmlns:a16="http://schemas.microsoft.com/office/drawing/2014/main" id="{FA4BB8AF-FE4D-1F6B-A7A9-3E9F29BC2A44}"/>
+                </a:ext>
+              </a:extLst>
+            </p:cNvPr>
+            <p:cNvSpPr/>
+            <p:nvPr/>
+          </p:nvSpPr>
+          <p:spPr>
+            <a:xfrm rot="5400000">
+              <a:off x="6987624" y="3446401"/>
+              <a:ext cx="190549" cy="1233458"/>
+            </a:xfrm>
+            <a:prstGeom prst="rightBrace">
+              <a:avLst>
+                <a:gd name="adj1" fmla="val 30613"/>
+                <a:gd name="adj2" fmla="val 50000"/>
+              </a:avLst>
+            </a:prstGeom>
+          </p:spPr>
+          <p:style>
+            <a:lnRef idx="2">
+              <a:schemeClr val="dk1"/>
+            </a:lnRef>
+            <a:fillRef idx="0">
+              <a:schemeClr val="dk1"/>
+            </a:fillRef>
+            <a:effectRef idx="1">
+              <a:schemeClr val="dk1"/>
+            </a:effectRef>
+            <a:fontRef idx="minor">
+              <a:schemeClr val="tx1"/>
+            </a:fontRef>
+          </p:style>
+          <p:txBody>
+            <a:bodyPr rtlCol="0" anchor="ctr"/>
+            <a:lstStyle/>
+            <a:p>
+              <a:pPr algn="ctr"/>
+              <a:endParaRPr lang="en-US"/>
+            </a:p>
+          </p:txBody>
+        </p:sp>
+        <p:sp>
+          <p:nvSpPr>
+            <p:cNvPr id="35" name="Right Brace 34">
+              <a:extLst>
+                <a:ext uri="{FF2B5EF4-FFF2-40B4-BE49-F238E27FC236}">
+                  <a16:creationId xmlns:a16="http://schemas.microsoft.com/office/drawing/2014/main" id="{C5A35235-8513-2CC3-1BC8-3191BF09F692}"/>
+                </a:ext>
+              </a:extLst>
+            </p:cNvPr>
+            <p:cNvSpPr/>
+            <p:nvPr/>
+          </p:nvSpPr>
+          <p:spPr>
+            <a:xfrm rot="5400000">
+              <a:off x="8321604" y="3446402"/>
+              <a:ext cx="190549" cy="1233458"/>
+            </a:xfrm>
+            <a:prstGeom prst="rightBrace">
+              <a:avLst>
+                <a:gd name="adj1" fmla="val 30613"/>
+                <a:gd name="adj2" fmla="val 50000"/>
+              </a:avLst>
+            </a:prstGeom>
+          </p:spPr>
+          <p:style>
+            <a:lnRef idx="2">
+              <a:schemeClr val="dk1"/>
+            </a:lnRef>
+            <a:fillRef idx="0">
+              <a:schemeClr val="dk1"/>
+            </a:fillRef>
+            <a:effectRef idx="1">
+              <a:schemeClr val="dk1"/>
+            </a:effectRef>
+            <a:fontRef idx="minor">
+              <a:schemeClr val="tx1"/>
+            </a:fontRef>
+          </p:style>
+          <p:txBody>
+            <a:bodyPr rtlCol="0" anchor="ctr"/>
+            <a:lstStyle/>
+            <a:p>
+              <a:pPr algn="ctr"/>
+              <a:endParaRPr lang="en-US"/>
+            </a:p>
+          </p:txBody>
+        </p:sp>
+        <mc:AlternateContent xmlns:mc="http://schemas.openxmlformats.org/markup-compatibility/2006">
+          <mc:Choice xmlns:a14="http://schemas.microsoft.com/office/drawing/2010/main" Requires="a14">
+            <p:sp>
+              <p:nvSpPr>
+                <p:cNvPr id="37" name="TextBox 36">
+                  <a:extLst>
+                    <a:ext uri="{FF2B5EF4-FFF2-40B4-BE49-F238E27FC236}">
+                      <a16:creationId xmlns:a16="http://schemas.microsoft.com/office/drawing/2014/main" id="{24423EE9-2F8B-CDBF-818D-C04F62B63C48}"/>
+                    </a:ext>
+                  </a:extLst>
+                </p:cNvPr>
+                <p:cNvSpPr txBox="1"/>
+                <p:nvPr/>
+              </p:nvSpPr>
+              <p:spPr>
+                <a:xfrm>
+                  <a:off x="4316044" y="4646058"/>
+                  <a:ext cx="1958293" cy="276999"/>
+                </a:xfrm>
+                <a:prstGeom prst="rect">
+                  <a:avLst/>
+                </a:prstGeom>
+                <a:noFill/>
+              </p:spPr>
+              <p:txBody>
+                <a:bodyPr wrap="none" lIns="0" tIns="0" rIns="0" bIns="0" rtlCol="0">
+                  <a:spAutoFit/>
+                </a:bodyPr>
+                <a:lstStyle/>
+                <a:p>
+                  <a14:m>
+                    <m:oMathPara xmlns:m="http://schemas.openxmlformats.org/officeDocument/2006/math">
+                      <m:oMathParaPr>
+                        <m:jc m:val="centerGroup"/>
+                      </m:oMathParaPr>
+                      <m:oMath xmlns:m="http://schemas.openxmlformats.org/officeDocument/2006/math">
+                        <m:r>
+                          <a:rPr lang="en-US" b="0" i="1" smtClean="0">
+                            <a:latin typeface="Cambria Math" panose="02040503050406030204" pitchFamily="18" charset="0"/>
+                          </a:rPr>
+                          <m:t>𝑠</m:t>
+                        </m:r>
+                        <m:r>
+                          <a:rPr lang="en-US" b="0" i="1" smtClean="0">
+                            <a:latin typeface="Cambria Math" panose="02040503050406030204" pitchFamily="18" charset="0"/>
+                          </a:rPr>
+                          <m:t>=0 :     </m:t>
+                        </m:r>
+                        <m:r>
+                          <a:rPr lang="en-US" b="0" i="1" smtClean="0">
+                            <a:latin typeface="Cambria Math" panose="02040503050406030204" pitchFamily="18" charset="0"/>
+                          </a:rPr>
+                          <m:t>𝐻</m:t>
+                        </m:r>
+                        <m:d>
+                          <m:dPr>
+                            <m:ctrlPr>
+                              <a:rPr lang="en-US" b="0" i="1" smtClean="0">
+                                <a:latin typeface="Cambria Math" panose="02040503050406030204" pitchFamily="18" charset="0"/>
+                              </a:rPr>
+                            </m:ctrlPr>
+                          </m:dPr>
+                          <m:e>
+                            <m:r>
+                              <a:rPr lang="en-US" b="0" i="1" smtClean="0">
+                                <a:latin typeface="Cambria Math" panose="02040503050406030204" pitchFamily="18" charset="0"/>
+                              </a:rPr>
+                              <m:t>𝑠</m:t>
+                            </m:r>
+                          </m:e>
+                        </m:d>
+                        <m:r>
+                          <a:rPr lang="en-US" b="0" i="1" smtClean="0">
+                            <a:latin typeface="Cambria Math" panose="02040503050406030204" pitchFamily="18" charset="0"/>
+                          </a:rPr>
+                          <m:t>=0</m:t>
+                        </m:r>
+                      </m:oMath>
+                    </m:oMathPara>
+                  </a14:m>
+                  <a:endParaRPr lang="en-US" dirty="0"/>
+                </a:p>
+              </p:txBody>
+            </p:sp>
+          </mc:Choice>
+          <mc:Fallback>
+            <p:sp>
+              <p:nvSpPr>
+                <p:cNvPr id="37" name="TextBox 36">
+                  <a:extLst>
+                    <a:ext uri="{FF2B5EF4-FFF2-40B4-BE49-F238E27FC236}">
+                      <a16:creationId xmlns:a16="http://schemas.microsoft.com/office/drawing/2014/main" id="{24423EE9-2F8B-CDBF-818D-C04F62B63C48}"/>
+                    </a:ext>
+                  </a:extLst>
+                </p:cNvPr>
+                <p:cNvSpPr txBox="1">
+                  <a:spLocks noRot="1" noChangeAspect="1" noMove="1" noResize="1" noEditPoints="1" noAdjustHandles="1" noChangeArrowheads="1" noChangeShapeType="1" noTextEdit="1"/>
+                </p:cNvSpPr>
+                <p:nvPr/>
+              </p:nvSpPr>
+              <p:spPr>
+                <a:xfrm>
+                  <a:off x="4316044" y="4646058"/>
+                  <a:ext cx="1958293" cy="276999"/>
+                </a:xfrm>
+                <a:prstGeom prst="rect">
+                  <a:avLst/>
+                </a:prstGeom>
+                <a:blipFill>
+                  <a:blip r:embed="rId20"/>
+                  <a:stretch>
+                    <a:fillRect l="-1242" r="-2174" b="-6522"/>
+                  </a:stretch>
+                </a:blipFill>
+              </p:spPr>
+              <p:txBody>
+                <a:bodyPr/>
+                <a:lstStyle/>
+                <a:p>
+                  <a:r>
+                    <a:rPr lang="en-US">
+                      <a:noFill/>
+                    </a:rPr>
+                    <a:t> </a:t>
+                  </a:r>
+                </a:p>
+              </p:txBody>
+            </p:sp>
+          </mc:Fallback>
+        </mc:AlternateContent>
+        <mc:AlternateContent xmlns:mc="http://schemas.openxmlformats.org/markup-compatibility/2006">
+          <mc:Choice xmlns:a14="http://schemas.microsoft.com/office/drawing/2010/main" Requires="a14">
+            <p:sp>
+              <p:nvSpPr>
+                <p:cNvPr id="38" name="TextBox 37">
+                  <a:extLst>
+                    <a:ext uri="{FF2B5EF4-FFF2-40B4-BE49-F238E27FC236}">
+                      <a16:creationId xmlns:a16="http://schemas.microsoft.com/office/drawing/2014/main" id="{3B99E4C3-594C-7181-1259-FDDCCE55AEC0}"/>
+                    </a:ext>
+                  </a:extLst>
+                </p:cNvPr>
+                <p:cNvSpPr txBox="1"/>
+                <p:nvPr/>
+              </p:nvSpPr>
+              <p:spPr>
+                <a:xfrm>
+                  <a:off x="4273073" y="5179143"/>
+                  <a:ext cx="1923026" cy="276999"/>
+                </a:xfrm>
+                <a:prstGeom prst="rect">
+                  <a:avLst/>
+                </a:prstGeom>
+                <a:noFill/>
+              </p:spPr>
+              <p:txBody>
+                <a:bodyPr wrap="none" lIns="0" tIns="0" rIns="0" bIns="0" rtlCol="0">
+                  <a:spAutoFit/>
+                </a:bodyPr>
+                <a:lstStyle/>
+                <a:p>
+                  <a14:m>
+                    <m:oMathPara xmlns:m="http://schemas.openxmlformats.org/officeDocument/2006/math">
+                      <m:oMathParaPr>
+                        <m:jc m:val="centerGroup"/>
+                      </m:oMathParaPr>
+                      <m:oMath xmlns:m="http://schemas.openxmlformats.org/officeDocument/2006/math">
+                        <m:r>
+                          <a:rPr lang="en-US" b="0" i="1" smtClean="0">
+                            <a:latin typeface="Cambria Math" panose="02040503050406030204" pitchFamily="18" charset="0"/>
+                          </a:rPr>
+                          <m:t>𝑠</m:t>
+                        </m:r>
+                        <m:r>
+                          <a:rPr lang="en-US" b="0" i="1" smtClean="0">
+                            <a:latin typeface="Cambria Math" panose="02040503050406030204" pitchFamily="18" charset="0"/>
+                          </a:rPr>
+                          <m:t>=∞ :   </m:t>
+                        </m:r>
+                        <m:r>
+                          <a:rPr lang="en-US" b="0" i="1" smtClean="0">
+                            <a:latin typeface="Cambria Math" panose="02040503050406030204" pitchFamily="18" charset="0"/>
+                          </a:rPr>
+                          <m:t>𝐻</m:t>
+                        </m:r>
+                        <m:d>
+                          <m:dPr>
+                            <m:ctrlPr>
+                              <a:rPr lang="en-US" b="0" i="1" smtClean="0">
+                                <a:latin typeface="Cambria Math" panose="02040503050406030204" pitchFamily="18" charset="0"/>
+                              </a:rPr>
+                            </m:ctrlPr>
+                          </m:dPr>
+                          <m:e>
+                            <m:r>
+                              <a:rPr lang="en-US" b="0" i="1" smtClean="0">
+                                <a:latin typeface="Cambria Math" panose="02040503050406030204" pitchFamily="18" charset="0"/>
+                              </a:rPr>
+                              <m:t>𝑠</m:t>
+                            </m:r>
+                          </m:e>
+                        </m:d>
+                        <m:r>
+                          <a:rPr lang="en-US" b="0" i="1" smtClean="0">
+                            <a:latin typeface="Cambria Math" panose="02040503050406030204" pitchFamily="18" charset="0"/>
+                          </a:rPr>
+                          <m:t>=0</m:t>
+                        </m:r>
+                      </m:oMath>
+                    </m:oMathPara>
+                  </a14:m>
+                  <a:endParaRPr lang="en-US" dirty="0"/>
+                </a:p>
+              </p:txBody>
+            </p:sp>
+          </mc:Choice>
+          <mc:Fallback>
+            <p:sp>
+              <p:nvSpPr>
+                <p:cNvPr id="38" name="TextBox 37">
+                  <a:extLst>
+                    <a:ext uri="{FF2B5EF4-FFF2-40B4-BE49-F238E27FC236}">
+                      <a16:creationId xmlns:a16="http://schemas.microsoft.com/office/drawing/2014/main" id="{3B99E4C3-594C-7181-1259-FDDCCE55AEC0}"/>
+                    </a:ext>
+                  </a:extLst>
+                </p:cNvPr>
+                <p:cNvSpPr txBox="1">
+                  <a:spLocks noRot="1" noChangeAspect="1" noMove="1" noResize="1" noEditPoints="1" noAdjustHandles="1" noChangeArrowheads="1" noChangeShapeType="1" noTextEdit="1"/>
+                </p:cNvSpPr>
+                <p:nvPr/>
+              </p:nvSpPr>
+              <p:spPr>
+                <a:xfrm>
+                  <a:off x="4273073" y="5179143"/>
+                  <a:ext cx="1923026" cy="276999"/>
+                </a:xfrm>
+                <a:prstGeom prst="rect">
+                  <a:avLst/>
+                </a:prstGeom>
+                <a:blipFill>
+                  <a:blip r:embed="rId21"/>
+                  <a:stretch>
+                    <a:fillRect l="-1266" r="-2532" b="-6667"/>
+                  </a:stretch>
+                </a:blipFill>
+              </p:spPr>
+              <p:txBody>
+                <a:bodyPr/>
+                <a:lstStyle/>
+                <a:p>
+                  <a:r>
+                    <a:rPr lang="en-US">
+                      <a:noFill/>
+                    </a:rPr>
+                    <a:t> </a:t>
+                  </a:r>
+                </a:p>
+              </p:txBody>
+            </p:sp>
+          </mc:Fallback>
+        </mc:AlternateContent>
+        <mc:AlternateContent xmlns:mc="http://schemas.openxmlformats.org/markup-compatibility/2006">
+          <mc:Choice xmlns:a14="http://schemas.microsoft.com/office/drawing/2010/main" Requires="a14">
+            <p:sp>
+              <p:nvSpPr>
+                <p:cNvPr id="39" name="TextBox 38">
+                  <a:extLst>
+                    <a:ext uri="{FF2B5EF4-FFF2-40B4-BE49-F238E27FC236}">
+                      <a16:creationId xmlns:a16="http://schemas.microsoft.com/office/drawing/2014/main" id="{CC4A5107-A755-5EAA-BC0B-2EA5E360161B}"/>
+                    </a:ext>
+                  </a:extLst>
+                </p:cNvPr>
+                <p:cNvSpPr txBox="1"/>
+                <p:nvPr/>
+              </p:nvSpPr>
+              <p:spPr>
+                <a:xfrm>
+                  <a:off x="4226130" y="5757853"/>
+                  <a:ext cx="4417299" cy="598497"/>
+                </a:xfrm>
+                <a:prstGeom prst="rect">
+                  <a:avLst/>
+                </a:prstGeom>
+                <a:noFill/>
+              </p:spPr>
+              <p:txBody>
+                <a:bodyPr wrap="none" lIns="0" tIns="0" rIns="0" bIns="0" rtlCol="0">
+                  <a:spAutoFit/>
+                </a:bodyPr>
+                <a:lstStyle/>
+                <a:p>
+                  <a14:m>
+                    <m:oMathPara xmlns:m="http://schemas.openxmlformats.org/officeDocument/2006/math">
+                      <m:oMathParaPr>
+                        <m:jc m:val="centerGroup"/>
+                      </m:oMathParaPr>
+                      <m:oMath xmlns:m="http://schemas.openxmlformats.org/officeDocument/2006/math">
+                        <m:r>
+                          <a:rPr lang="en-US" b="0" i="1" smtClean="0">
+                            <a:latin typeface="Cambria Math" panose="02040503050406030204" pitchFamily="18" charset="0"/>
+                          </a:rPr>
+                          <m:t>𝑠</m:t>
+                        </m:r>
+                        <m:r>
+                          <a:rPr lang="en-US" b="0" i="1" smtClean="0">
+                            <a:latin typeface="Cambria Math" panose="02040503050406030204" pitchFamily="18" charset="0"/>
+                          </a:rPr>
+                          <m:t>≫</m:t>
+                        </m:r>
+                        <m:f>
+                          <m:fPr>
+                            <m:ctrlPr>
+                              <a:rPr lang="en-US" b="0" i="1" smtClean="0">
+                                <a:latin typeface="Cambria Math" panose="02040503050406030204" pitchFamily="18" charset="0"/>
+                              </a:rPr>
+                            </m:ctrlPr>
+                          </m:fPr>
+                          <m:num>
+                            <m:r>
+                              <a:rPr lang="en-US" b="0" i="1" smtClean="0">
+                                <a:latin typeface="Cambria Math" panose="02040503050406030204" pitchFamily="18" charset="0"/>
+                              </a:rPr>
+                              <m:t>1</m:t>
+                            </m:r>
+                          </m:num>
+                          <m:den>
+                            <m:sSub>
+                              <m:sSubPr>
+                                <m:ctrlPr>
+                                  <a:rPr lang="en-US" b="0" i="1" smtClean="0">
+                                    <a:latin typeface="Cambria Math" panose="02040503050406030204" pitchFamily="18" charset="0"/>
+                                  </a:rPr>
+                                </m:ctrlPr>
+                              </m:sSubPr>
+                              <m:e>
+                                <m:r>
+                                  <a:rPr lang="en-US" b="0" i="1" smtClean="0">
+                                    <a:latin typeface="Cambria Math" panose="02040503050406030204" pitchFamily="18" charset="0"/>
+                                  </a:rPr>
+                                  <m:t>𝑅</m:t>
+                                </m:r>
+                              </m:e>
+                              <m:sub>
+                                <m:r>
+                                  <a:rPr lang="en-US" b="0" i="1" smtClean="0">
+                                    <a:latin typeface="Cambria Math" panose="02040503050406030204" pitchFamily="18" charset="0"/>
+                                  </a:rPr>
+                                  <m:t>𝑖</m:t>
+                                </m:r>
+                              </m:sub>
+                            </m:sSub>
+                            <m:sSub>
+                              <m:sSubPr>
+                                <m:ctrlPr>
+                                  <a:rPr lang="en-US" b="0" i="1" smtClean="0">
+                                    <a:latin typeface="Cambria Math" panose="02040503050406030204" pitchFamily="18" charset="0"/>
+                                  </a:rPr>
+                                </m:ctrlPr>
+                              </m:sSubPr>
+                              <m:e>
+                                <m:r>
+                                  <a:rPr lang="en-US" b="0" i="1" smtClean="0">
+                                    <a:latin typeface="Cambria Math" panose="02040503050406030204" pitchFamily="18" charset="0"/>
+                                  </a:rPr>
+                                  <m:t>𝐶</m:t>
+                                </m:r>
+                              </m:e>
+                              <m:sub>
+                                <m:r>
+                                  <a:rPr lang="en-US" b="0" i="1" smtClean="0">
+                                    <a:latin typeface="Cambria Math" panose="02040503050406030204" pitchFamily="18" charset="0"/>
+                                  </a:rPr>
+                                  <m:t>𝑖</m:t>
+                                </m:r>
+                              </m:sub>
+                            </m:sSub>
+                          </m:den>
+                        </m:f>
+                        <m:r>
+                          <a:rPr lang="en-US" b="0" i="1" smtClean="0">
+                            <a:latin typeface="Cambria Math" panose="02040503050406030204" pitchFamily="18" charset="0"/>
+                          </a:rPr>
+                          <m:t>  &amp;  </m:t>
+                        </m:r>
+                        <m:r>
+                          <a:rPr lang="en-US" b="0" i="1" smtClean="0">
+                            <a:latin typeface="Cambria Math" panose="02040503050406030204" pitchFamily="18" charset="0"/>
+                          </a:rPr>
+                          <m:t>𝑠</m:t>
+                        </m:r>
+                        <m:r>
+                          <a:rPr lang="en-US" b="0" i="1" smtClean="0">
+                            <a:latin typeface="Cambria Math" panose="02040503050406030204" pitchFamily="18" charset="0"/>
+                          </a:rPr>
+                          <m:t>≪</m:t>
+                        </m:r>
+                        <m:f>
+                          <m:fPr>
+                            <m:ctrlPr>
+                              <a:rPr lang="en-US" b="0" i="1" smtClean="0">
+                                <a:latin typeface="Cambria Math" panose="02040503050406030204" pitchFamily="18" charset="0"/>
+                              </a:rPr>
+                            </m:ctrlPr>
+                          </m:fPr>
+                          <m:num>
+                            <m:r>
+                              <a:rPr lang="en-US" b="0" i="1" smtClean="0">
+                                <a:latin typeface="Cambria Math" panose="02040503050406030204" pitchFamily="18" charset="0"/>
+                              </a:rPr>
+                              <m:t>1</m:t>
+                            </m:r>
+                          </m:num>
+                          <m:den>
+                            <m:sSub>
+                              <m:sSubPr>
+                                <m:ctrlPr>
+                                  <a:rPr lang="en-US" b="0" i="1" smtClean="0">
+                                    <a:latin typeface="Cambria Math" panose="02040503050406030204" pitchFamily="18" charset="0"/>
+                                  </a:rPr>
+                                </m:ctrlPr>
+                              </m:sSubPr>
+                              <m:e>
+                                <m:r>
+                                  <a:rPr lang="en-US" b="0" i="1" smtClean="0">
+                                    <a:latin typeface="Cambria Math" panose="02040503050406030204" pitchFamily="18" charset="0"/>
+                                  </a:rPr>
+                                  <m:t>𝑅</m:t>
+                                </m:r>
+                              </m:e>
+                              <m:sub>
+                                <m:r>
+                                  <a:rPr lang="en-US" b="0" i="1" smtClean="0">
+                                    <a:latin typeface="Cambria Math" panose="02040503050406030204" pitchFamily="18" charset="0"/>
+                                  </a:rPr>
+                                  <m:t>𝑓</m:t>
+                                </m:r>
+                              </m:sub>
+                            </m:sSub>
+                            <m:sSub>
+                              <m:sSubPr>
+                                <m:ctrlPr>
+                                  <a:rPr lang="en-US" b="0" i="1" smtClean="0">
+                                    <a:latin typeface="Cambria Math" panose="02040503050406030204" pitchFamily="18" charset="0"/>
+                                  </a:rPr>
+                                </m:ctrlPr>
+                              </m:sSubPr>
+                              <m:e>
+                                <m:r>
+                                  <a:rPr lang="en-US" b="0" i="1" smtClean="0">
+                                    <a:latin typeface="Cambria Math" panose="02040503050406030204" pitchFamily="18" charset="0"/>
+                                  </a:rPr>
+                                  <m:t>𝐶</m:t>
+                                </m:r>
+                              </m:e>
+                              <m:sub>
+                                <m:r>
+                                  <a:rPr lang="en-US" b="0" i="1" smtClean="0">
+                                    <a:latin typeface="Cambria Math" panose="02040503050406030204" pitchFamily="18" charset="0"/>
+                                  </a:rPr>
+                                  <m:t>𝑓</m:t>
+                                </m:r>
+                              </m:sub>
+                            </m:sSub>
+                          </m:den>
+                        </m:f>
+                        <m:r>
+                          <a:rPr lang="en-US" b="0" i="1" smtClean="0">
+                            <a:latin typeface="Cambria Math" panose="02040503050406030204" pitchFamily="18" charset="0"/>
+                          </a:rPr>
+                          <m:t>:  </m:t>
+                        </m:r>
+                        <m:r>
+                          <a:rPr lang="en-US" b="0" i="1" smtClean="0">
+                            <a:latin typeface="Cambria Math" panose="02040503050406030204" pitchFamily="18" charset="0"/>
+                          </a:rPr>
+                          <m:t>𝐻</m:t>
+                        </m:r>
+                        <m:d>
+                          <m:dPr>
+                            <m:ctrlPr>
+                              <a:rPr lang="en-US" b="0" i="1" smtClean="0">
+                                <a:latin typeface="Cambria Math" panose="02040503050406030204" pitchFamily="18" charset="0"/>
+                              </a:rPr>
+                            </m:ctrlPr>
+                          </m:dPr>
+                          <m:e>
+                            <m:r>
+                              <a:rPr lang="en-US" b="0" i="1" smtClean="0">
+                                <a:latin typeface="Cambria Math" panose="02040503050406030204" pitchFamily="18" charset="0"/>
+                              </a:rPr>
+                              <m:t>𝑠</m:t>
+                            </m:r>
+                          </m:e>
+                        </m:d>
+                        <m:r>
+                          <a:rPr lang="en-US" b="0" i="1" smtClean="0">
+                            <a:latin typeface="Cambria Math" panose="02040503050406030204" pitchFamily="18" charset="0"/>
+                          </a:rPr>
+                          <m:t>=</m:t>
+                        </m:r>
+                        <m:r>
+                          <a:rPr lang="en-US" b="0" i="0" smtClean="0">
+                            <a:latin typeface="Cambria Math" panose="02040503050406030204" pitchFamily="18" charset="0"/>
+                          </a:rPr>
+                          <m:t>−</m:t>
+                        </m:r>
+                        <m:f>
+                          <m:fPr>
+                            <m:ctrlPr>
+                              <a:rPr lang="en-US" b="0" i="0" smtClean="0">
+                                <a:latin typeface="Cambria Math" panose="02040503050406030204" pitchFamily="18" charset="0"/>
+                              </a:rPr>
+                            </m:ctrlPr>
+                          </m:fPr>
+                          <m:num>
+                            <m:sSub>
+                              <m:sSubPr>
+                                <m:ctrlPr>
+                                  <a:rPr lang="en-US" b="0" i="0" smtClean="0">
+                                    <a:latin typeface="Cambria Math" panose="02040503050406030204" pitchFamily="18" charset="0"/>
+                                  </a:rPr>
+                                </m:ctrlPr>
+                              </m:sSubPr>
+                              <m:e>
+                                <m:r>
+                                  <m:rPr>
+                                    <m:sty m:val="p"/>
+                                  </m:rPr>
+                                  <a:rPr lang="en-US" b="0" i="0" smtClean="0">
+                                    <a:latin typeface="Cambria Math" panose="02040503050406030204" pitchFamily="18" charset="0"/>
+                                  </a:rPr>
+                                  <m:t>R</m:t>
+                                </m:r>
+                              </m:e>
+                              <m:sub>
+                                <m:r>
+                                  <m:rPr>
+                                    <m:sty m:val="p"/>
+                                  </m:rPr>
+                                  <a:rPr lang="en-US" b="0" i="0" smtClean="0">
+                                    <a:latin typeface="Cambria Math" panose="02040503050406030204" pitchFamily="18" charset="0"/>
+                                  </a:rPr>
+                                  <m:t>f</m:t>
+                                </m:r>
+                              </m:sub>
+                            </m:sSub>
+                          </m:num>
+                          <m:den>
+                            <m:sSub>
+                              <m:sSubPr>
+                                <m:ctrlPr>
+                                  <a:rPr lang="en-US" b="0" i="0" smtClean="0">
+                                    <a:latin typeface="Cambria Math" panose="02040503050406030204" pitchFamily="18" charset="0"/>
+                                  </a:rPr>
+                                </m:ctrlPr>
+                              </m:sSubPr>
+                              <m:e>
+                                <m:r>
+                                  <m:rPr>
+                                    <m:sty m:val="p"/>
+                                  </m:rPr>
+                                  <a:rPr lang="en-US" b="0" i="0" smtClean="0">
+                                    <a:latin typeface="Cambria Math" panose="02040503050406030204" pitchFamily="18" charset="0"/>
+                                  </a:rPr>
+                                  <m:t>R</m:t>
+                                </m:r>
+                              </m:e>
+                              <m:sub>
+                                <m:r>
+                                  <m:rPr>
+                                    <m:sty m:val="p"/>
+                                  </m:rPr>
+                                  <a:rPr lang="en-US" b="0" i="0" smtClean="0">
+                                    <a:latin typeface="Cambria Math" panose="02040503050406030204" pitchFamily="18" charset="0"/>
+                                  </a:rPr>
+                                  <m:t>i</m:t>
+                                </m:r>
+                              </m:sub>
+                            </m:sSub>
+                          </m:den>
+                        </m:f>
+                        <m:r>
+                          <a:rPr lang="en-US" b="0" i="0" smtClean="0">
+                            <a:latin typeface="Cambria Math" panose="02040503050406030204" pitchFamily="18" charset="0"/>
+                          </a:rPr>
+                          <m:t>=−60</m:t>
+                        </m:r>
+                      </m:oMath>
+                    </m:oMathPara>
+                  </a14:m>
+                  <a:endParaRPr lang="en-US" dirty="0"/>
+                </a:p>
+              </p:txBody>
+            </p:sp>
+          </mc:Choice>
+          <mc:Fallback>
+            <p:sp>
+              <p:nvSpPr>
+                <p:cNvPr id="39" name="TextBox 38">
+                  <a:extLst>
+                    <a:ext uri="{FF2B5EF4-FFF2-40B4-BE49-F238E27FC236}">
+                      <a16:creationId xmlns:a16="http://schemas.microsoft.com/office/drawing/2014/main" id="{CC4A5107-A755-5EAA-BC0B-2EA5E360161B}"/>
+                    </a:ext>
+                  </a:extLst>
+                </p:cNvPr>
+                <p:cNvSpPr txBox="1">
+                  <a:spLocks noRot="1" noChangeAspect="1" noMove="1" noResize="1" noEditPoints="1" noAdjustHandles="1" noChangeArrowheads="1" noChangeShapeType="1" noTextEdit="1"/>
+                </p:cNvSpPr>
+                <p:nvPr/>
+              </p:nvSpPr>
+              <p:spPr>
+                <a:xfrm>
+                  <a:off x="4226130" y="5757853"/>
+                  <a:ext cx="4417299" cy="598497"/>
+                </a:xfrm>
+                <a:prstGeom prst="rect">
+                  <a:avLst/>
+                </a:prstGeom>
+                <a:blipFill>
+                  <a:blip r:embed="rId22"/>
+                  <a:stretch>
+                    <a:fillRect/>
+                  </a:stretch>
+                </a:blipFill>
+              </p:spPr>
+              <p:txBody>
+                <a:bodyPr/>
+                <a:lstStyle/>
+                <a:p>
+                  <a:r>
+                    <a:rPr lang="en-US">
+                      <a:noFill/>
+                    </a:rPr>
+                    <a:t> </a:t>
+                  </a:r>
+                </a:p>
+              </p:txBody>
+            </p:sp>
+          </mc:Fallback>
+        </mc:AlternateContent>
+        <mc:AlternateContent xmlns:mc="http://schemas.openxmlformats.org/markup-compatibility/2006">
+          <mc:Choice xmlns:a14="http://schemas.microsoft.com/office/drawing/2010/main" Requires="a14">
+            <p:sp>
+              <p:nvSpPr>
+                <p:cNvPr id="40" name="TextBox 39">
+                  <a:extLst>
+                    <a:ext uri="{FF2B5EF4-FFF2-40B4-BE49-F238E27FC236}">
+                      <a16:creationId xmlns:a16="http://schemas.microsoft.com/office/drawing/2014/main" id="{88BCFA28-5612-3619-648E-C49565FDB5CB}"/>
+                    </a:ext>
+                  </a:extLst>
+                </p:cNvPr>
+                <p:cNvSpPr txBox="1"/>
+                <p:nvPr/>
+              </p:nvSpPr>
+              <p:spPr>
+                <a:xfrm>
+                  <a:off x="6727185" y="4570139"/>
+                  <a:ext cx="2427909" cy="428835"/>
+                </a:xfrm>
+                <a:prstGeom prst="rect">
+                  <a:avLst/>
+                </a:prstGeom>
+                <a:noFill/>
+              </p:spPr>
+              <p:txBody>
+                <a:bodyPr wrap="none" lIns="0" tIns="0" rIns="0" bIns="0" rtlCol="0">
+                  <a:spAutoFit/>
+                </a:bodyPr>
+                <a:lstStyle/>
+                <a:p>
+                  <a14:m>
+                    <m:oMath xmlns:m="http://schemas.openxmlformats.org/officeDocument/2006/math">
+                      <m:sSub>
+                        <m:sSubPr>
+                          <m:ctrlPr>
+                            <a:rPr lang="en-US" b="0" i="1" smtClean="0">
+                              <a:solidFill>
+                                <a:schemeClr val="accent6">
+                                  <a:lumMod val="50000"/>
+                                </a:schemeClr>
+                              </a:solidFill>
+                              <a:latin typeface="Cambria Math" panose="02040503050406030204" pitchFamily="18" charset="0"/>
+                            </a:rPr>
+                          </m:ctrlPr>
+                        </m:sSubPr>
+                        <m:e>
+                          <m:r>
+                            <a:rPr lang="en-US" b="0" i="1" smtClean="0">
+                              <a:solidFill>
+                                <a:schemeClr val="accent6">
+                                  <a:lumMod val="50000"/>
+                                </a:schemeClr>
+                              </a:solidFill>
+                              <a:latin typeface="Cambria Math" panose="02040503050406030204" pitchFamily="18" charset="0"/>
+                            </a:rPr>
+                            <m:t>𝑓</m:t>
+                          </m:r>
+                        </m:e>
+                        <m:sub>
+                          <m:r>
+                            <a:rPr lang="en-US" b="0" i="1" smtClean="0">
+                              <a:solidFill>
+                                <a:schemeClr val="accent6">
+                                  <a:lumMod val="50000"/>
+                                </a:schemeClr>
+                              </a:solidFill>
+                              <a:latin typeface="Cambria Math" panose="02040503050406030204" pitchFamily="18" charset="0"/>
+                            </a:rPr>
+                            <m:t>𝑧𝑒𝑟𝑜</m:t>
+                          </m:r>
+                        </m:sub>
+                      </m:sSub>
+                      <m:r>
+                        <a:rPr lang="en-US" b="0" i="1" smtClean="0">
+                          <a:latin typeface="Cambria Math" panose="02040503050406030204" pitchFamily="18" charset="0"/>
+                        </a:rPr>
+                        <m:t>=</m:t>
+                      </m:r>
+                      <m:f>
+                        <m:fPr>
+                          <m:ctrlPr>
+                            <a:rPr lang="en-US" b="0" i="1" smtClean="0">
+                              <a:latin typeface="Cambria Math" panose="02040503050406030204" pitchFamily="18" charset="0"/>
+                            </a:rPr>
+                          </m:ctrlPr>
+                        </m:fPr>
+                        <m:num>
+                          <m:r>
+                            <a:rPr lang="en-US" b="0" i="1" smtClean="0">
+                              <a:latin typeface="Cambria Math" panose="02040503050406030204" pitchFamily="18" charset="0"/>
+                            </a:rPr>
+                            <m:t>1</m:t>
+                          </m:r>
+                        </m:num>
+                        <m:den>
+                          <m:r>
+                            <a:rPr lang="en-US" b="0" i="1" smtClean="0">
+                              <a:latin typeface="Cambria Math" panose="02040503050406030204" pitchFamily="18" charset="0"/>
+                            </a:rPr>
+                            <m:t>2</m:t>
+                          </m:r>
+                          <m:r>
+                            <a:rPr lang="en-US" b="0" i="1" smtClean="0">
+                              <a:latin typeface="Cambria Math" panose="02040503050406030204" pitchFamily="18" charset="0"/>
+                            </a:rPr>
+                            <m:t>𝜋</m:t>
+                          </m:r>
+                          <m:sSub>
+                            <m:sSubPr>
+                              <m:ctrlPr>
+                                <a:rPr lang="en-US" b="0" i="1" smtClean="0">
+                                  <a:latin typeface="Cambria Math" panose="02040503050406030204" pitchFamily="18" charset="0"/>
+                                </a:rPr>
+                              </m:ctrlPr>
+                            </m:sSubPr>
+                            <m:e>
+                              <m:r>
+                                <a:rPr lang="en-US" b="0" i="1" smtClean="0">
+                                  <a:latin typeface="Cambria Math" panose="02040503050406030204" pitchFamily="18" charset="0"/>
+                                </a:rPr>
+                                <m:t>𝑅</m:t>
+                              </m:r>
+                            </m:e>
+                            <m:sub>
+                              <m:r>
+                                <a:rPr lang="en-US" b="0" i="1" smtClean="0">
+                                  <a:latin typeface="Cambria Math" panose="02040503050406030204" pitchFamily="18" charset="0"/>
+                                </a:rPr>
+                                <m:t>𝑖</m:t>
+                              </m:r>
+                            </m:sub>
+                          </m:sSub>
+                          <m:sSub>
+                            <m:sSubPr>
+                              <m:ctrlPr>
+                                <a:rPr lang="en-US" b="0" i="1" smtClean="0">
+                                  <a:latin typeface="Cambria Math" panose="02040503050406030204" pitchFamily="18" charset="0"/>
+                                </a:rPr>
+                              </m:ctrlPr>
+                            </m:sSubPr>
+                            <m:e>
+                              <m:r>
+                                <a:rPr lang="en-US" b="0" i="1" smtClean="0">
+                                  <a:latin typeface="Cambria Math" panose="02040503050406030204" pitchFamily="18" charset="0"/>
+                                </a:rPr>
+                                <m:t>𝐶</m:t>
+                              </m:r>
+                            </m:e>
+                            <m:sub>
+                              <m:r>
+                                <a:rPr lang="en-US" b="0" i="1" smtClean="0">
+                                  <a:latin typeface="Cambria Math" panose="02040503050406030204" pitchFamily="18" charset="0"/>
+                                </a:rPr>
+                                <m:t>𝑖</m:t>
+                              </m:r>
+                            </m:sub>
+                          </m:sSub>
+                        </m:den>
+                      </m:f>
+                      <m:r>
+                        <a:rPr lang="en-US" b="0" i="1" smtClean="0">
+                          <a:latin typeface="Cambria Math" panose="02040503050406030204" pitchFamily="18" charset="0"/>
+                        </a:rPr>
+                        <m:t>≈</m:t>
+                      </m:r>
+                      <m:r>
+                        <a:rPr lang="en-US" b="0" i="1" smtClean="0">
+                          <a:solidFill>
+                            <a:schemeClr val="accent6">
+                              <a:lumMod val="50000"/>
+                            </a:schemeClr>
+                          </a:solidFill>
+                          <a:latin typeface="Cambria Math" panose="02040503050406030204" pitchFamily="18" charset="0"/>
+                        </a:rPr>
+                        <m:t>6.66 </m:t>
+                      </m:r>
+                      <m:r>
+                        <a:rPr lang="en-US" b="0" i="1" smtClean="0">
+                          <a:solidFill>
+                            <a:schemeClr val="accent6">
+                              <a:lumMod val="50000"/>
+                            </a:schemeClr>
+                          </a:solidFill>
+                          <a:latin typeface="Cambria Math" panose="02040503050406030204" pitchFamily="18" charset="0"/>
+                        </a:rPr>
+                        <m:t>𝐻𝑧</m:t>
+                      </m:r>
+                    </m:oMath>
+                  </a14:m>
+                  <a:r>
+                    <a:rPr lang="en-US" dirty="0">
+                      <a:solidFill>
+                        <a:schemeClr val="accent6">
+                          <a:lumMod val="50000"/>
+                        </a:schemeClr>
+                      </a:solidFill>
+                    </a:rPr>
+                    <a:t> </a:t>
+                  </a:r>
+                  <a:endParaRPr lang="en-US" dirty="0"/>
+                </a:p>
+              </p:txBody>
+            </p:sp>
+          </mc:Choice>
+          <mc:Fallback>
+            <p:sp>
+              <p:nvSpPr>
+                <p:cNvPr id="40" name="TextBox 39">
+                  <a:extLst>
+                    <a:ext uri="{FF2B5EF4-FFF2-40B4-BE49-F238E27FC236}">
+                      <a16:creationId xmlns:a16="http://schemas.microsoft.com/office/drawing/2014/main" id="{88BCFA28-5612-3619-648E-C49565FDB5CB}"/>
+                    </a:ext>
+                  </a:extLst>
+                </p:cNvPr>
+                <p:cNvSpPr txBox="1">
+                  <a:spLocks noRot="1" noChangeAspect="1" noMove="1" noResize="1" noEditPoints="1" noAdjustHandles="1" noChangeArrowheads="1" noChangeShapeType="1" noTextEdit="1"/>
+                </p:cNvSpPr>
+                <p:nvPr/>
+              </p:nvSpPr>
+              <p:spPr>
+                <a:xfrm>
+                  <a:off x="6727185" y="4570139"/>
+                  <a:ext cx="2427909" cy="428835"/>
+                </a:xfrm>
+                <a:prstGeom prst="rect">
+                  <a:avLst/>
+                </a:prstGeom>
+                <a:blipFill>
+                  <a:blip r:embed="rId23"/>
+                  <a:stretch>
+                    <a:fillRect l="-4523" r="-503" b="-12857"/>
+                  </a:stretch>
+                </a:blipFill>
+              </p:spPr>
+              <p:txBody>
+                <a:bodyPr/>
+                <a:lstStyle/>
+                <a:p>
+                  <a:r>
+                    <a:rPr lang="en-US">
+                      <a:noFill/>
+                    </a:rPr>
+                    <a:t> </a:t>
+                  </a:r>
+                </a:p>
+              </p:txBody>
+            </p:sp>
+          </mc:Fallback>
+        </mc:AlternateContent>
+        <mc:AlternateContent xmlns:mc="http://schemas.openxmlformats.org/markup-compatibility/2006">
+          <mc:Choice xmlns:a14="http://schemas.microsoft.com/office/drawing/2010/main" Requires="a14">
+            <p:sp>
+              <p:nvSpPr>
+                <p:cNvPr id="43" name="TextBox 42">
+                  <a:extLst>
+                    <a:ext uri="{FF2B5EF4-FFF2-40B4-BE49-F238E27FC236}">
+                      <a16:creationId xmlns:a16="http://schemas.microsoft.com/office/drawing/2014/main" id="{CE180B7B-FD65-07D2-6832-30137ADA1155}"/>
+                    </a:ext>
+                  </a:extLst>
+                </p:cNvPr>
+                <p:cNvSpPr txBox="1"/>
+                <p:nvPr/>
+              </p:nvSpPr>
+              <p:spPr>
+                <a:xfrm>
+                  <a:off x="6727185" y="5143372"/>
+                  <a:ext cx="2624245" cy="456472"/>
+                </a:xfrm>
+                <a:prstGeom prst="rect">
+                  <a:avLst/>
+                </a:prstGeom>
+                <a:noFill/>
+              </p:spPr>
+              <p:txBody>
+                <a:bodyPr wrap="none" lIns="0" tIns="0" rIns="0" bIns="0" rtlCol="0">
+                  <a:spAutoFit/>
+                </a:bodyPr>
+                <a:lstStyle/>
+                <a:p>
+                  <a14:m>
+                    <m:oMath xmlns:m="http://schemas.openxmlformats.org/officeDocument/2006/math">
+                      <m:sSub>
+                        <m:sSubPr>
+                          <m:ctrlPr>
+                            <a:rPr lang="en-US" b="0" i="1" smtClean="0">
+                              <a:solidFill>
+                                <a:schemeClr val="accent6">
+                                  <a:lumMod val="50000"/>
+                                </a:schemeClr>
+                              </a:solidFill>
+                              <a:latin typeface="Cambria Math" panose="02040503050406030204" pitchFamily="18" charset="0"/>
+                            </a:rPr>
+                          </m:ctrlPr>
+                        </m:sSubPr>
+                        <m:e>
+                          <m:r>
+                            <a:rPr lang="en-US" b="0" i="1" smtClean="0">
+                              <a:solidFill>
+                                <a:schemeClr val="accent6">
+                                  <a:lumMod val="50000"/>
+                                </a:schemeClr>
+                              </a:solidFill>
+                              <a:latin typeface="Cambria Math" panose="02040503050406030204" pitchFamily="18" charset="0"/>
+                            </a:rPr>
+                            <m:t>𝑓</m:t>
+                          </m:r>
+                        </m:e>
+                        <m:sub>
+                          <m:r>
+                            <a:rPr lang="en-US" b="0" i="1" smtClean="0">
+                              <a:solidFill>
+                                <a:schemeClr val="accent6">
+                                  <a:lumMod val="50000"/>
+                                </a:schemeClr>
+                              </a:solidFill>
+                              <a:latin typeface="Cambria Math" panose="02040503050406030204" pitchFamily="18" charset="0"/>
+                            </a:rPr>
+                            <m:t>𝑝𝑜𝑙𝑒</m:t>
+                          </m:r>
+                        </m:sub>
+                      </m:sSub>
+                      <m:r>
+                        <a:rPr lang="en-US" b="0" i="1" smtClean="0">
+                          <a:latin typeface="Cambria Math" panose="02040503050406030204" pitchFamily="18" charset="0"/>
+                        </a:rPr>
+                        <m:t>=</m:t>
+                      </m:r>
+                      <m:f>
+                        <m:fPr>
+                          <m:ctrlPr>
+                            <a:rPr lang="en-US" b="0" i="1" smtClean="0">
+                              <a:latin typeface="Cambria Math" panose="02040503050406030204" pitchFamily="18" charset="0"/>
+                            </a:rPr>
+                          </m:ctrlPr>
+                        </m:fPr>
+                        <m:num>
+                          <m:r>
+                            <a:rPr lang="en-US" b="0" i="1" smtClean="0">
+                              <a:latin typeface="Cambria Math" panose="02040503050406030204" pitchFamily="18" charset="0"/>
+                            </a:rPr>
+                            <m:t>1</m:t>
+                          </m:r>
+                        </m:num>
+                        <m:den>
+                          <m:r>
+                            <a:rPr lang="en-US" b="0" i="1" smtClean="0">
+                              <a:latin typeface="Cambria Math" panose="02040503050406030204" pitchFamily="18" charset="0"/>
+                            </a:rPr>
+                            <m:t>2</m:t>
+                          </m:r>
+                          <m:r>
+                            <a:rPr lang="en-US" b="0" i="1" smtClean="0">
+                              <a:latin typeface="Cambria Math" panose="02040503050406030204" pitchFamily="18" charset="0"/>
+                            </a:rPr>
+                            <m:t>𝜋</m:t>
+                          </m:r>
+                          <m:sSub>
+                            <m:sSubPr>
+                              <m:ctrlPr>
+                                <a:rPr lang="en-US" b="0" i="1" smtClean="0">
+                                  <a:latin typeface="Cambria Math" panose="02040503050406030204" pitchFamily="18" charset="0"/>
+                                </a:rPr>
+                              </m:ctrlPr>
+                            </m:sSubPr>
+                            <m:e>
+                              <m:r>
+                                <a:rPr lang="en-US" b="0" i="1" smtClean="0">
+                                  <a:latin typeface="Cambria Math" panose="02040503050406030204" pitchFamily="18" charset="0"/>
+                                </a:rPr>
+                                <m:t>𝑅</m:t>
+                              </m:r>
+                            </m:e>
+                            <m:sub>
+                              <m:r>
+                                <a:rPr lang="en-US" b="0" i="1" smtClean="0">
+                                  <a:latin typeface="Cambria Math" panose="02040503050406030204" pitchFamily="18" charset="0"/>
+                                </a:rPr>
+                                <m:t>𝑓</m:t>
+                              </m:r>
+                            </m:sub>
+                          </m:sSub>
+                          <m:sSub>
+                            <m:sSubPr>
+                              <m:ctrlPr>
+                                <a:rPr lang="en-US" b="0" i="1" smtClean="0">
+                                  <a:latin typeface="Cambria Math" panose="02040503050406030204" pitchFamily="18" charset="0"/>
+                                </a:rPr>
+                              </m:ctrlPr>
+                            </m:sSubPr>
+                            <m:e>
+                              <m:r>
+                                <a:rPr lang="en-US" b="0" i="1" smtClean="0">
+                                  <a:latin typeface="Cambria Math" panose="02040503050406030204" pitchFamily="18" charset="0"/>
+                                </a:rPr>
+                                <m:t>𝐶</m:t>
+                              </m:r>
+                            </m:e>
+                            <m:sub>
+                              <m:r>
+                                <a:rPr lang="en-US" b="0" i="1" smtClean="0">
+                                  <a:latin typeface="Cambria Math" panose="02040503050406030204" pitchFamily="18" charset="0"/>
+                                </a:rPr>
+                                <m:t>𝑓</m:t>
+                              </m:r>
+                            </m:sub>
+                          </m:sSub>
+                        </m:den>
+                      </m:f>
+                      <m:r>
+                        <a:rPr lang="en-US" b="0" i="1" smtClean="0">
+                          <a:latin typeface="Cambria Math" panose="02040503050406030204" pitchFamily="18" charset="0"/>
+                        </a:rPr>
+                        <m:t>≈</m:t>
+                      </m:r>
+                      <m:r>
+                        <a:rPr lang="en-US" b="0" i="1" smtClean="0">
+                          <a:solidFill>
+                            <a:schemeClr val="accent6">
+                              <a:lumMod val="50000"/>
+                            </a:schemeClr>
+                          </a:solidFill>
+                          <a:latin typeface="Cambria Math" panose="02040503050406030204" pitchFamily="18" charset="0"/>
+                        </a:rPr>
+                        <m:t>19.6 </m:t>
+                      </m:r>
+                      <m:r>
+                        <a:rPr lang="en-US" b="0" i="1" smtClean="0">
+                          <a:solidFill>
+                            <a:schemeClr val="accent6">
+                              <a:lumMod val="50000"/>
+                            </a:schemeClr>
+                          </a:solidFill>
+                          <a:latin typeface="Cambria Math" panose="02040503050406030204" pitchFamily="18" charset="0"/>
+                        </a:rPr>
+                        <m:t>𝑘𝐻𝑧</m:t>
+                      </m:r>
+                    </m:oMath>
+                  </a14:m>
+                  <a:r>
+                    <a:rPr lang="en-US" dirty="0">
+                      <a:solidFill>
+                        <a:schemeClr val="accent6">
+                          <a:lumMod val="50000"/>
+                        </a:schemeClr>
+                      </a:solidFill>
+                    </a:rPr>
+                    <a:t> </a:t>
+                  </a:r>
+                  <a:endParaRPr lang="en-US" dirty="0"/>
+                </a:p>
+              </p:txBody>
+            </p:sp>
+          </mc:Choice>
+          <mc:Fallback>
+            <p:sp>
+              <p:nvSpPr>
+                <p:cNvPr id="43" name="TextBox 42">
+                  <a:extLst>
+                    <a:ext uri="{FF2B5EF4-FFF2-40B4-BE49-F238E27FC236}">
+                      <a16:creationId xmlns:a16="http://schemas.microsoft.com/office/drawing/2014/main" id="{CE180B7B-FD65-07D2-6832-30137ADA1155}"/>
+                    </a:ext>
+                  </a:extLst>
+                </p:cNvPr>
+                <p:cNvSpPr txBox="1">
+                  <a:spLocks noRot="1" noChangeAspect="1" noMove="1" noResize="1" noEditPoints="1" noAdjustHandles="1" noChangeArrowheads="1" noChangeShapeType="1" noTextEdit="1"/>
+                </p:cNvSpPr>
+                <p:nvPr/>
+              </p:nvSpPr>
+              <p:spPr>
+                <a:xfrm>
+                  <a:off x="6727185" y="5143372"/>
+                  <a:ext cx="2624245" cy="456472"/>
+                </a:xfrm>
+                <a:prstGeom prst="rect">
+                  <a:avLst/>
+                </a:prstGeom>
+                <a:blipFill>
+                  <a:blip r:embed="rId24"/>
+                  <a:stretch>
+                    <a:fillRect l="-4176" r="-232" b="-14667"/>
+                  </a:stretch>
+                </a:blipFill>
+              </p:spPr>
+              <p:txBody>
+                <a:bodyPr/>
+                <a:lstStyle/>
+                <a:p>
+                  <a:r>
+                    <a:rPr lang="en-US">
+                      <a:noFill/>
+                    </a:rPr>
+                    <a:t> </a:t>
+                  </a:r>
+                </a:p>
+              </p:txBody>
+            </p:sp>
+          </mc:Fallback>
+        </mc:AlternateContent>
+      </p:grpSp>
+    </p:spTree>
+    <p:extLst>
+      <p:ext uri="{BB962C8B-B14F-4D97-AF65-F5344CB8AC3E}">
+        <p14:creationId xmlns:p14="http://schemas.microsoft.com/office/powerpoint/2010/main" val="2456504336"/>
       </p:ext>
     </p:extLst>
   </p:cSld>

--- a/content/figures/2025-0602-SlidesDrawings.pptx
+++ b/content/figures/2025-0602-SlidesDrawings.pptx
@@ -5,10 +5,10 @@
     <p:sldMasterId id="2147483672" r:id="rId1"/>
   </p:sldMasterIdLst>
   <p:notesMasterIdLst>
-    <p:notesMasterId r:id="rId8"/>
+    <p:notesMasterId r:id="rId9"/>
   </p:notesMasterIdLst>
   <p:handoutMasterIdLst>
-    <p:handoutMasterId r:id="rId9"/>
+    <p:handoutMasterId r:id="rId10"/>
   </p:handoutMasterIdLst>
   <p:sldIdLst>
     <p:sldId id="280" r:id="rId2"/>
@@ -17,6 +17,7 @@
     <p:sldId id="392" r:id="rId5"/>
     <p:sldId id="393" r:id="rId6"/>
     <p:sldId id="394" r:id="rId7"/>
+    <p:sldId id="395" r:id="rId8"/>
   </p:sldIdLst>
   <p:sldSz cx="12192000" cy="6858000"/>
   <p:notesSz cx="6858000" cy="9144000"/>
@@ -10158,10 +10159,10 @@
       </p:sp>
       <p:grpSp>
         <p:nvGrpSpPr>
-          <p:cNvPr id="42" name="Group 41">
+          <p:cNvPr id="5" name="Group 4">
             <a:extLst>
               <a:ext uri="{FF2B5EF4-FFF2-40B4-BE49-F238E27FC236}">
-                <a16:creationId xmlns:a16="http://schemas.microsoft.com/office/drawing/2014/main" id="{0A88AC33-0485-48A1-0BD5-76179BFF2D43}"/>
+                <a16:creationId xmlns:a16="http://schemas.microsoft.com/office/drawing/2014/main" id="{90F2535A-C5A7-0A3F-7DAB-6D97ED081FEE}"/>
               </a:ext>
             </a:extLst>
           </p:cNvPr>
@@ -10258,8 +10259,8 @@
             </a:prstGeom>
           </p:spPr>
         </p:pic>
-        <mc:AlternateContent xmlns:mc="http://schemas.openxmlformats.org/markup-compatibility/2006" xmlns:a14="http://schemas.microsoft.com/office/drawing/2010/main">
-          <mc:Choice Requires="a14">
+        <mc:AlternateContent xmlns:mc="http://schemas.openxmlformats.org/markup-compatibility/2006">
+          <mc:Choice xmlns:a14="http://schemas.microsoft.com/office/drawing/2010/main" Requires="a14">
             <p:sp>
               <p:nvSpPr>
                 <p:cNvPr id="7" name="TextBox 6">
@@ -10341,7 +10342,7 @@
               </p:txBody>
             </p:sp>
           </mc:Choice>
-          <mc:Fallback xmlns="">
+          <mc:Fallback>
             <p:sp>
               <p:nvSpPr>
                 <p:cNvPr id="7" name="TextBox 6">
@@ -10386,8 +10387,8 @@
             </p:sp>
           </mc:Fallback>
         </mc:AlternateContent>
-        <mc:AlternateContent xmlns:mc="http://schemas.openxmlformats.org/markup-compatibility/2006" xmlns:a14="http://schemas.microsoft.com/office/drawing/2010/main">
-          <mc:Choice Requires="a14">
+        <mc:AlternateContent xmlns:mc="http://schemas.openxmlformats.org/markup-compatibility/2006">
+          <mc:Choice xmlns:a14="http://schemas.microsoft.com/office/drawing/2010/main" Requires="a14">
             <p:sp>
               <p:nvSpPr>
                 <p:cNvPr id="8" name="TextBox 7">
@@ -10469,7 +10470,7 @@
               </p:txBody>
             </p:sp>
           </mc:Choice>
-          <mc:Fallback xmlns="">
+          <mc:Fallback>
             <p:sp>
               <p:nvSpPr>
                 <p:cNvPr id="8" name="TextBox 7">
@@ -10514,8 +10515,8 @@
             </p:sp>
           </mc:Fallback>
         </mc:AlternateContent>
-        <mc:AlternateContent xmlns:mc="http://schemas.openxmlformats.org/markup-compatibility/2006" xmlns:a14="http://schemas.microsoft.com/office/drawing/2010/main">
-          <mc:Choice Requires="a14">
+        <mc:AlternateContent xmlns:mc="http://schemas.openxmlformats.org/markup-compatibility/2006">
+          <mc:Choice xmlns:a14="http://schemas.microsoft.com/office/drawing/2010/main" Requires="a14">
             <p:sp>
               <p:nvSpPr>
                 <p:cNvPr id="14" name="TextBox 13">
@@ -10597,7 +10598,7 @@
               </p:txBody>
             </p:sp>
           </mc:Choice>
-          <mc:Fallback xmlns="">
+          <mc:Fallback>
             <p:sp>
               <p:nvSpPr>
                 <p:cNvPr id="14" name="TextBox 13">
@@ -10642,8 +10643,8 @@
             </p:sp>
           </mc:Fallback>
         </mc:AlternateContent>
-        <mc:AlternateContent xmlns:mc="http://schemas.openxmlformats.org/markup-compatibility/2006" xmlns:a14="http://schemas.microsoft.com/office/drawing/2010/main">
-          <mc:Choice Requires="a14">
+        <mc:AlternateContent xmlns:mc="http://schemas.openxmlformats.org/markup-compatibility/2006">
+          <mc:Choice xmlns:a14="http://schemas.microsoft.com/office/drawing/2010/main" Requires="a14">
             <p:sp>
               <p:nvSpPr>
                 <p:cNvPr id="15" name="TextBox 14">
@@ -10725,7 +10726,7 @@
               </p:txBody>
             </p:sp>
           </mc:Choice>
-          <mc:Fallback xmlns="">
+          <mc:Fallback>
             <p:sp>
               <p:nvSpPr>
                 <p:cNvPr id="15" name="TextBox 14">
@@ -10770,8 +10771,8 @@
             </p:sp>
           </mc:Fallback>
         </mc:AlternateContent>
-        <mc:AlternateContent xmlns:mc="http://schemas.openxmlformats.org/markup-compatibility/2006" xmlns:a14="http://schemas.microsoft.com/office/drawing/2010/main">
-          <mc:Choice Requires="a14">
+        <mc:AlternateContent xmlns:mc="http://schemas.openxmlformats.org/markup-compatibility/2006">
+          <mc:Choice xmlns:a14="http://schemas.microsoft.com/office/drawing/2010/main" Requires="a14">
             <p:sp>
               <p:nvSpPr>
                 <p:cNvPr id="16" name="TextBox 15">
@@ -10853,7 +10854,7 @@
               </p:txBody>
             </p:sp>
           </mc:Choice>
-          <mc:Fallback xmlns="">
+          <mc:Fallback>
             <p:sp>
               <p:nvSpPr>
                 <p:cNvPr id="16" name="TextBox 15">
@@ -10898,8 +10899,8 @@
             </p:sp>
           </mc:Fallback>
         </mc:AlternateContent>
-        <mc:AlternateContent xmlns:mc="http://schemas.openxmlformats.org/markup-compatibility/2006" xmlns:a14="http://schemas.microsoft.com/office/drawing/2010/main">
-          <mc:Choice Requires="a14">
+        <mc:AlternateContent xmlns:mc="http://schemas.openxmlformats.org/markup-compatibility/2006">
+          <mc:Choice xmlns:a14="http://schemas.microsoft.com/office/drawing/2010/main" Requires="a14">
             <p:sp>
               <p:nvSpPr>
                 <p:cNvPr id="17" name="TextBox 16">
@@ -10981,7 +10982,7 @@
               </p:txBody>
             </p:sp>
           </mc:Choice>
-          <mc:Fallback xmlns="">
+          <mc:Fallback>
             <p:sp>
               <p:nvSpPr>
                 <p:cNvPr id="17" name="TextBox 16">
@@ -11026,8 +11027,8 @@
             </p:sp>
           </mc:Fallback>
         </mc:AlternateContent>
-        <mc:AlternateContent xmlns:mc="http://schemas.openxmlformats.org/markup-compatibility/2006" xmlns:a14="http://schemas.microsoft.com/office/drawing/2010/main">
-          <mc:Choice Requires="a14">
+        <mc:AlternateContent xmlns:mc="http://schemas.openxmlformats.org/markup-compatibility/2006">
+          <mc:Choice xmlns:a14="http://schemas.microsoft.com/office/drawing/2010/main" Requires="a14">
             <p:sp>
               <p:nvSpPr>
                 <p:cNvPr id="18" name="TextBox 17">
@@ -11109,7 +11110,7 @@
               </p:txBody>
             </p:sp>
           </mc:Choice>
-          <mc:Fallback xmlns="">
+          <mc:Fallback>
             <p:sp>
               <p:nvSpPr>
                 <p:cNvPr id="18" name="TextBox 17">
@@ -11154,8 +11155,8 @@
             </p:sp>
           </mc:Fallback>
         </mc:AlternateContent>
-        <mc:AlternateContent xmlns:mc="http://schemas.openxmlformats.org/markup-compatibility/2006" xmlns:a14="http://schemas.microsoft.com/office/drawing/2010/main">
-          <mc:Choice Requires="a14">
+        <mc:AlternateContent xmlns:mc="http://schemas.openxmlformats.org/markup-compatibility/2006">
+          <mc:Choice xmlns:a14="http://schemas.microsoft.com/office/drawing/2010/main" Requires="a14">
             <p:sp>
               <p:nvSpPr>
                 <p:cNvPr id="19" name="TextBox 18">
@@ -11230,7 +11231,7 @@
               </p:txBody>
             </p:sp>
           </mc:Choice>
-          <mc:Fallback xmlns="">
+          <mc:Fallback>
             <p:sp>
               <p:nvSpPr>
                 <p:cNvPr id="19" name="TextBox 18">
@@ -11275,8 +11276,8 @@
             </p:sp>
           </mc:Fallback>
         </mc:AlternateContent>
-        <mc:AlternateContent xmlns:mc="http://schemas.openxmlformats.org/markup-compatibility/2006" xmlns:a14="http://schemas.microsoft.com/office/drawing/2010/main">
-          <mc:Choice Requires="a14">
+        <mc:AlternateContent xmlns:mc="http://schemas.openxmlformats.org/markup-compatibility/2006">
+          <mc:Choice xmlns:a14="http://schemas.microsoft.com/office/drawing/2010/main" Requires="a14">
             <p:sp>
               <p:nvSpPr>
                 <p:cNvPr id="20" name="TextBox 19">
@@ -11359,7 +11360,7 @@
               </p:txBody>
             </p:sp>
           </mc:Choice>
-          <mc:Fallback xmlns="">
+          <mc:Fallback>
             <p:sp>
               <p:nvSpPr>
                 <p:cNvPr id="20" name="TextBox 19">
@@ -11404,8 +11405,8 @@
             </p:sp>
           </mc:Fallback>
         </mc:AlternateContent>
-        <mc:AlternateContent xmlns:mc="http://schemas.openxmlformats.org/markup-compatibility/2006" xmlns:a14="http://schemas.microsoft.com/office/drawing/2010/main">
-          <mc:Choice Requires="a14">
+        <mc:AlternateContent xmlns:mc="http://schemas.openxmlformats.org/markup-compatibility/2006">
+          <mc:Choice xmlns:a14="http://schemas.microsoft.com/office/drawing/2010/main" Requires="a14">
             <p:sp>
               <p:nvSpPr>
                 <p:cNvPr id="21" name="TextBox 20">
@@ -11491,7 +11492,7 @@
               </p:txBody>
             </p:sp>
           </mc:Choice>
-          <mc:Fallback xmlns="">
+          <mc:Fallback>
             <p:sp>
               <p:nvSpPr>
                 <p:cNvPr id="21" name="TextBox 20">
@@ -11536,8 +11537,8 @@
             </p:sp>
           </mc:Fallback>
         </mc:AlternateContent>
-        <mc:AlternateContent xmlns:mc="http://schemas.openxmlformats.org/markup-compatibility/2006" xmlns:a14="http://schemas.microsoft.com/office/drawing/2010/main">
-          <mc:Choice Requires="a14">
+        <mc:AlternateContent xmlns:mc="http://schemas.openxmlformats.org/markup-compatibility/2006">
+          <mc:Choice xmlns:a14="http://schemas.microsoft.com/office/drawing/2010/main" Requires="a14">
             <p:sp>
               <p:nvSpPr>
                 <p:cNvPr id="22" name="TextBox 21">
@@ -11620,7 +11621,7 @@
               </p:txBody>
             </p:sp>
           </mc:Choice>
-          <mc:Fallback xmlns="">
+          <mc:Fallback>
             <p:sp>
               <p:nvSpPr>
                 <p:cNvPr id="22" name="TextBox 21">
@@ -11665,8 +11666,8 @@
             </p:sp>
           </mc:Fallback>
         </mc:AlternateContent>
-        <mc:AlternateContent xmlns:mc="http://schemas.openxmlformats.org/markup-compatibility/2006" xmlns:a14="http://schemas.microsoft.com/office/drawing/2010/main">
-          <mc:Choice Requires="a14">
+        <mc:AlternateContent xmlns:mc="http://schemas.openxmlformats.org/markup-compatibility/2006">
+          <mc:Choice xmlns:a14="http://schemas.microsoft.com/office/drawing/2010/main" Requires="a14">
             <p:sp>
               <p:nvSpPr>
                 <p:cNvPr id="23" name="TextBox 22">
@@ -11763,7 +11764,7 @@
               </p:txBody>
             </p:sp>
           </mc:Choice>
-          <mc:Fallback xmlns="">
+          <mc:Fallback>
             <p:sp>
               <p:nvSpPr>
                 <p:cNvPr id="23" name="TextBox 22">
@@ -11808,8 +11809,8 @@
             </p:sp>
           </mc:Fallback>
         </mc:AlternateContent>
-        <mc:AlternateContent xmlns:mc="http://schemas.openxmlformats.org/markup-compatibility/2006" xmlns:a14="http://schemas.microsoft.com/office/drawing/2010/main">
-          <mc:Choice Requires="a14">
+        <mc:AlternateContent xmlns:mc="http://schemas.openxmlformats.org/markup-compatibility/2006">
+          <mc:Choice xmlns:a14="http://schemas.microsoft.com/office/drawing/2010/main" Requires="a14">
             <p:sp>
               <p:nvSpPr>
                 <p:cNvPr id="24" name="TextBox 23">
@@ -11891,7 +11892,7 @@
               </p:txBody>
             </p:sp>
           </mc:Choice>
-          <mc:Fallback xmlns="">
+          <mc:Fallback>
             <p:sp>
               <p:nvSpPr>
                 <p:cNvPr id="24" name="TextBox 23">
@@ -12010,8 +12011,8 @@
             </a:fontRef>
           </p:style>
         </p:cxnSp>
-        <mc:AlternateContent xmlns:mc="http://schemas.openxmlformats.org/markup-compatibility/2006" xmlns:a14="http://schemas.microsoft.com/office/drawing/2010/main">
-          <mc:Choice Requires="a14">
+        <mc:AlternateContent xmlns:mc="http://schemas.openxmlformats.org/markup-compatibility/2006">
+          <mc:Choice xmlns:a14="http://schemas.microsoft.com/office/drawing/2010/main" Requires="a14">
             <p:sp>
               <p:nvSpPr>
                 <p:cNvPr id="30" name="TextBox 29">
@@ -12179,7 +12180,7 @@
               </p:txBody>
             </p:sp>
           </mc:Choice>
-          <mc:Fallback xmlns="">
+          <mc:Fallback>
             <p:sp>
               <p:nvSpPr>
                 <p:cNvPr id="30" name="TextBox 29">
@@ -12224,8 +12225,8 @@
             </p:sp>
           </mc:Fallback>
         </mc:AlternateContent>
-        <mc:AlternateContent xmlns:mc="http://schemas.openxmlformats.org/markup-compatibility/2006" xmlns:a14="http://schemas.microsoft.com/office/drawing/2010/main">
-          <mc:Choice Requires="a14">
+        <mc:AlternateContent xmlns:mc="http://schemas.openxmlformats.org/markup-compatibility/2006">
+          <mc:Choice xmlns:a14="http://schemas.microsoft.com/office/drawing/2010/main" Requires="a14">
             <p:sp>
               <p:nvSpPr>
                 <p:cNvPr id="10" name="TextBox 9">
@@ -12307,7 +12308,7 @@
               </p:txBody>
             </p:sp>
           </mc:Choice>
-          <mc:Fallback xmlns="">
+          <mc:Fallback>
             <p:sp>
               <p:nvSpPr>
                 <p:cNvPr id="10" name="TextBox 9">
@@ -12352,8 +12353,8 @@
             </p:sp>
           </mc:Fallback>
         </mc:AlternateContent>
-        <mc:AlternateContent xmlns:mc="http://schemas.openxmlformats.org/markup-compatibility/2006" xmlns:a14="http://schemas.microsoft.com/office/drawing/2010/main">
-          <mc:Choice Requires="a14">
+        <mc:AlternateContent xmlns:mc="http://schemas.openxmlformats.org/markup-compatibility/2006">
+          <mc:Choice xmlns:a14="http://schemas.microsoft.com/office/drawing/2010/main" Requires="a14">
             <p:sp>
               <p:nvSpPr>
                 <p:cNvPr id="11" name="TextBox 10">
@@ -12444,7 +12445,7 @@
               </p:txBody>
             </p:sp>
           </mc:Choice>
-          <mc:Fallback xmlns="">
+          <mc:Fallback>
             <p:sp>
               <p:nvSpPr>
                 <p:cNvPr id="11" name="TextBox 10">
@@ -12489,8 +12490,8 @@
             </p:sp>
           </mc:Fallback>
         </mc:AlternateContent>
-        <mc:AlternateContent xmlns:mc="http://schemas.openxmlformats.org/markup-compatibility/2006" xmlns:a14="http://schemas.microsoft.com/office/drawing/2010/main">
-          <mc:Choice Requires="a14">
+        <mc:AlternateContent xmlns:mc="http://schemas.openxmlformats.org/markup-compatibility/2006">
+          <mc:Choice xmlns:a14="http://schemas.microsoft.com/office/drawing/2010/main" Requires="a14">
             <p:sp>
               <p:nvSpPr>
                 <p:cNvPr id="12" name="TextBox 11">
@@ -12581,7 +12582,7 @@
               </p:txBody>
             </p:sp>
           </mc:Choice>
-          <mc:Fallback xmlns="">
+          <mc:Fallback>
             <p:sp>
               <p:nvSpPr>
                 <p:cNvPr id="12" name="TextBox 11">
@@ -12626,8 +12627,8 @@
             </p:sp>
           </mc:Fallback>
         </mc:AlternateContent>
-        <mc:AlternateContent xmlns:mc="http://schemas.openxmlformats.org/markup-compatibility/2006" xmlns:a14="http://schemas.microsoft.com/office/drawing/2010/main">
-          <mc:Choice Requires="a14">
+        <mc:AlternateContent xmlns:mc="http://schemas.openxmlformats.org/markup-compatibility/2006">
+          <mc:Choice xmlns:a14="http://schemas.microsoft.com/office/drawing/2010/main" Requires="a14">
             <p:sp>
               <p:nvSpPr>
                 <p:cNvPr id="13" name="TextBox 12">
@@ -12713,7 +12714,7 @@
               </p:txBody>
             </p:sp>
           </mc:Choice>
-          <mc:Fallback xmlns="">
+          <mc:Fallback>
             <p:sp>
               <p:nvSpPr>
                 <p:cNvPr id="13" name="TextBox 12">
@@ -12758,8 +12759,8 @@
             </p:sp>
           </mc:Fallback>
         </mc:AlternateContent>
-        <mc:AlternateContent xmlns:mc="http://schemas.openxmlformats.org/markup-compatibility/2006" xmlns:a14="http://schemas.microsoft.com/office/drawing/2010/main">
-          <mc:Choice Requires="a14">
+        <mc:AlternateContent xmlns:mc="http://schemas.openxmlformats.org/markup-compatibility/2006">
+          <mc:Choice xmlns:a14="http://schemas.microsoft.com/office/drawing/2010/main" Requires="a14">
             <p:sp>
               <p:nvSpPr>
                 <p:cNvPr id="25" name="TextBox 24">
@@ -12845,7 +12846,7 @@
               </p:txBody>
             </p:sp>
           </mc:Choice>
-          <mc:Fallback xmlns="">
+          <mc:Fallback>
             <p:sp>
               <p:nvSpPr>
                 <p:cNvPr id="25" name="TextBox 24">
@@ -12890,8 +12891,8 @@
             </p:sp>
           </mc:Fallback>
         </mc:AlternateContent>
-        <mc:AlternateContent xmlns:mc="http://schemas.openxmlformats.org/markup-compatibility/2006" xmlns:a14="http://schemas.microsoft.com/office/drawing/2010/main">
-          <mc:Choice Requires="a14">
+        <mc:AlternateContent xmlns:mc="http://schemas.openxmlformats.org/markup-compatibility/2006">
+          <mc:Choice xmlns:a14="http://schemas.microsoft.com/office/drawing/2010/main" Requires="a14">
             <p:sp>
               <p:nvSpPr>
                 <p:cNvPr id="26" name="TextBox 25">
@@ -12973,7 +12974,7 @@
               </p:txBody>
             </p:sp>
           </mc:Choice>
-          <mc:Fallback xmlns="">
+          <mc:Fallback>
             <p:sp>
               <p:nvSpPr>
                 <p:cNvPr id="26" name="TextBox 25">
@@ -13018,8 +13019,8 @@
             </p:sp>
           </mc:Fallback>
         </mc:AlternateContent>
-        <mc:AlternateContent xmlns:mc="http://schemas.openxmlformats.org/markup-compatibility/2006" xmlns:a14="http://schemas.microsoft.com/office/drawing/2010/main">
-          <mc:Choice Requires="a14">
+        <mc:AlternateContent xmlns:mc="http://schemas.openxmlformats.org/markup-compatibility/2006">
+          <mc:Choice xmlns:a14="http://schemas.microsoft.com/office/drawing/2010/main" Requires="a14">
             <p:sp>
               <p:nvSpPr>
                 <p:cNvPr id="28" name="TextBox 27">
@@ -13113,7 +13114,7 @@
               </p:txBody>
             </p:sp>
           </mc:Choice>
-          <mc:Fallback xmlns="">
+          <mc:Fallback>
             <p:sp>
               <p:nvSpPr>
                 <p:cNvPr id="28" name="TextBox 27">
@@ -13276,1095 +13277,3628 @@
           </a:p>
         </p:txBody>
       </p:sp>
-      <p:pic>
-        <p:nvPicPr>
-          <p:cNvPr id="6" name="Picture 5">
+      <p:grpSp>
+        <p:nvGrpSpPr>
+          <p:cNvPr id="16" name="Group 15">
             <a:extLst>
               <a:ext uri="{FF2B5EF4-FFF2-40B4-BE49-F238E27FC236}">
-                <a16:creationId xmlns:a16="http://schemas.microsoft.com/office/drawing/2014/main" id="{5392807A-0AF1-D422-543F-BA6DEFE9ED2F}"/>
+                <a16:creationId xmlns:a16="http://schemas.microsoft.com/office/drawing/2014/main" id="{80918994-5FD0-32C8-CA82-0CAAF97CB5E8}"/>
               </a:ext>
             </a:extLst>
           </p:cNvPr>
-          <p:cNvPicPr>
-            <a:picLocks noChangeAspect="1"/>
-          </p:cNvPicPr>
+          <p:cNvGrpSpPr/>
           <p:nvPr/>
-        </p:nvPicPr>
-        <p:blipFill>
-          <a:blip r:embed="rId2"/>
-          <a:stretch>
-            <a:fillRect/>
-          </a:stretch>
-        </p:blipFill>
-        <p:spPr>
+        </p:nvGrpSpPr>
+        <p:grpSpPr>
           <a:xfrm>
-            <a:off x="2927969" y="1639263"/>
-            <a:ext cx="5225431" cy="2771622"/>
+            <a:off x="2780145" y="1336548"/>
+            <a:ext cx="5458691" cy="3189270"/>
+            <a:chOff x="2780145" y="1336548"/>
+            <a:chExt cx="5458691" cy="3189270"/>
           </a:xfrm>
-          <a:prstGeom prst="rect">
-            <a:avLst/>
-          </a:prstGeom>
-        </p:spPr>
-      </p:pic>
-      <mc:AlternateContent xmlns:mc="http://schemas.openxmlformats.org/markup-compatibility/2006">
-        <mc:Choice xmlns:a14="http://schemas.microsoft.com/office/drawing/2010/main" Requires="a14">
-          <p:sp>
-            <p:nvSpPr>
-              <p:cNvPr id="7" name="TextBox 6">
-                <a:extLst>
-                  <a:ext uri="{FF2B5EF4-FFF2-40B4-BE49-F238E27FC236}">
-                    <a16:creationId xmlns:a16="http://schemas.microsoft.com/office/drawing/2014/main" id="{B4951CC0-FE19-8FBB-7F14-7C092624A502}"/>
-                  </a:ext>
-                </a:extLst>
-              </p:cNvPr>
-              <p:cNvSpPr txBox="1"/>
-              <p:nvPr/>
-            </p:nvSpPr>
-            <p:spPr>
-              <a:xfrm>
-                <a:off x="3292764" y="3574641"/>
-                <a:ext cx="356444" cy="276999"/>
-              </a:xfrm>
-              <a:prstGeom prst="rect">
-                <a:avLst/>
-              </a:prstGeom>
+        </p:grpSpPr>
+        <p:sp>
+          <p:nvSpPr>
+            <p:cNvPr id="15" name="Rectangle 14">
+              <a:extLst>
+                <a:ext uri="{FF2B5EF4-FFF2-40B4-BE49-F238E27FC236}">
+                  <a16:creationId xmlns:a16="http://schemas.microsoft.com/office/drawing/2014/main" id="{B159A39E-57E3-AF2F-DCB0-3F95639C9AB9}"/>
+                </a:ext>
+              </a:extLst>
+            </p:cNvPr>
+            <p:cNvSpPr/>
+            <p:nvPr/>
+          </p:nvSpPr>
+          <p:spPr>
+            <a:xfrm>
+              <a:off x="2780145" y="1336548"/>
+              <a:ext cx="5458691" cy="3189270"/>
+            </a:xfrm>
+            <a:prstGeom prst="rect">
+              <a:avLst/>
+            </a:prstGeom>
+            <a:solidFill>
+              <a:schemeClr val="bg1"/>
+            </a:solidFill>
+            <a:ln>
               <a:noFill/>
-            </p:spPr>
-            <p:txBody>
-              <a:bodyPr wrap="none" lIns="0" tIns="0" rIns="0" bIns="0" rtlCol="0">
-                <a:spAutoFit/>
-              </a:bodyPr>
-              <a:lstStyle/>
-              <a:p>
-                <a:pPr/>
-                <a14:m>
-                  <m:oMathPara xmlns:m="http://schemas.openxmlformats.org/officeDocument/2006/math">
-                    <m:oMathParaPr>
-                      <m:jc m:val="centerGroup"/>
-                    </m:oMathParaPr>
-                    <m:oMath xmlns:m="http://schemas.openxmlformats.org/officeDocument/2006/math">
-                      <m:sSub>
-                        <m:sSubPr>
-                          <m:ctrlPr>
-                            <a:rPr lang="en-US" b="0" i="1" smtClean="0">
-                              <a:solidFill>
-                                <a:srgbClr val="0070C0"/>
-                              </a:solidFill>
-                              <a:latin typeface="Cambria Math" panose="02040503050406030204" pitchFamily="18" charset="0"/>
-                            </a:rPr>
-                          </m:ctrlPr>
-                        </m:sSubPr>
-                        <m:e>
-                          <m:r>
-                            <a:rPr lang="en-US" b="0" i="1" smtClean="0">
-                              <a:solidFill>
-                                <a:srgbClr val="0070C0"/>
-                              </a:solidFill>
-                              <a:latin typeface="Cambria Math" panose="02040503050406030204" pitchFamily="18" charset="0"/>
-                            </a:rPr>
-                            <m:t>𝑣</m:t>
-                          </m:r>
-                        </m:e>
-                        <m:sub>
-                          <m:r>
-                            <a:rPr lang="en-US" b="0" i="1" smtClean="0">
-                              <a:solidFill>
-                                <a:srgbClr val="0070C0"/>
-                              </a:solidFill>
-                              <a:latin typeface="Cambria Math" panose="02040503050406030204" pitchFamily="18" charset="0"/>
-                            </a:rPr>
-                            <m:t>𝑖𝑛</m:t>
-                          </m:r>
-                        </m:sub>
-                      </m:sSub>
-                    </m:oMath>
-                  </m:oMathPara>
-                </a14:m>
-                <a:endParaRPr lang="en-US" dirty="0">
-                  <a:solidFill>
-                    <a:srgbClr val="0070C0"/>
-                  </a:solidFill>
-                </a:endParaRPr>
-              </a:p>
-            </p:txBody>
-          </p:sp>
-        </mc:Choice>
-        <mc:Fallback>
-          <p:sp>
-            <p:nvSpPr>
-              <p:cNvPr id="7" name="TextBox 6">
-                <a:extLst>
-                  <a:ext uri="{FF2B5EF4-FFF2-40B4-BE49-F238E27FC236}">
-                    <a16:creationId xmlns:a16="http://schemas.microsoft.com/office/drawing/2014/main" id="{B4951CC0-FE19-8FBB-7F14-7C092624A502}"/>
-                  </a:ext>
-                </a:extLst>
-              </p:cNvPr>
-              <p:cNvSpPr txBox="1">
-                <a:spLocks noRot="1" noChangeAspect="1" noMove="1" noResize="1" noEditPoints="1" noAdjustHandles="1" noChangeArrowheads="1" noChangeShapeType="1" noTextEdit="1"/>
-              </p:cNvSpPr>
-              <p:nvPr/>
-            </p:nvSpPr>
-            <p:spPr>
-              <a:xfrm>
-                <a:off x="3292764" y="3574641"/>
-                <a:ext cx="356444" cy="276999"/>
-              </a:xfrm>
-              <a:prstGeom prst="rect">
-                <a:avLst/>
-              </a:prstGeom>
-              <a:blipFill>
-                <a:blip r:embed="rId3"/>
-                <a:stretch>
-                  <a:fillRect l="-8475" r="-8475" b="-17391"/>
-                </a:stretch>
-              </a:blipFill>
-            </p:spPr>
-            <p:txBody>
-              <a:bodyPr/>
-              <a:lstStyle/>
-              <a:p>
-                <a:r>
-                  <a:rPr lang="en-US">
-                    <a:noFill/>
-                  </a:rPr>
-                  <a:t> </a:t>
-                </a:r>
-              </a:p>
-            </p:txBody>
-          </p:sp>
-        </mc:Fallback>
-      </mc:AlternateContent>
-      <mc:AlternateContent xmlns:mc="http://schemas.openxmlformats.org/markup-compatibility/2006">
-        <mc:Choice xmlns:a14="http://schemas.microsoft.com/office/drawing/2010/main" Requires="a14">
-          <p:sp>
-            <p:nvSpPr>
-              <p:cNvPr id="8" name="TextBox 7">
-                <a:extLst>
-                  <a:ext uri="{FF2B5EF4-FFF2-40B4-BE49-F238E27FC236}">
-                    <a16:creationId xmlns:a16="http://schemas.microsoft.com/office/drawing/2014/main" id="{EFCD5A19-1CD1-9F14-303B-D0F97514ADCD}"/>
-                  </a:ext>
-                </a:extLst>
-              </p:cNvPr>
-              <p:cNvSpPr txBox="1"/>
-              <p:nvPr/>
-            </p:nvSpPr>
-            <p:spPr>
-              <a:xfrm>
-                <a:off x="4631552" y="2309045"/>
-                <a:ext cx="512641" cy="276999"/>
-              </a:xfrm>
-              <a:prstGeom prst="rect">
-                <a:avLst/>
-              </a:prstGeom>
-              <a:noFill/>
-            </p:spPr>
-            <p:txBody>
-              <a:bodyPr wrap="square" lIns="0" tIns="0" rIns="0" bIns="0" rtlCol="0">
-                <a:spAutoFit/>
-              </a:bodyPr>
-              <a:lstStyle/>
-              <a:p>
-                <a:pPr/>
-                <a14:m>
-                  <m:oMathPara xmlns:m="http://schemas.openxmlformats.org/officeDocument/2006/math">
-                    <m:oMathParaPr>
-                      <m:jc m:val="centerGroup"/>
-                    </m:oMathParaPr>
-                    <m:oMath xmlns:m="http://schemas.openxmlformats.org/officeDocument/2006/math">
-                      <m:sSub>
-                        <m:sSubPr>
-                          <m:ctrlPr>
-                            <a:rPr lang="en-US" b="0" i="1" smtClean="0">
-                              <a:solidFill>
-                                <a:srgbClr val="0070C0"/>
-                              </a:solidFill>
-                              <a:latin typeface="Cambria Math" panose="02040503050406030204" pitchFamily="18" charset="0"/>
-                            </a:rPr>
-                          </m:ctrlPr>
-                        </m:sSubPr>
-                        <m:e>
-                          <m:r>
-                            <a:rPr lang="en-US" b="0" i="1" smtClean="0">
-                              <a:solidFill>
-                                <a:srgbClr val="0070C0"/>
-                              </a:solidFill>
-                              <a:latin typeface="Cambria Math" panose="02040503050406030204" pitchFamily="18" charset="0"/>
-                            </a:rPr>
-                            <m:t>𝑅</m:t>
-                          </m:r>
-                        </m:e>
-                        <m:sub>
-                          <m:r>
-                            <a:rPr lang="en-US" b="0" i="1" smtClean="0">
-                              <a:solidFill>
-                                <a:srgbClr val="0070C0"/>
-                              </a:solidFill>
-                              <a:latin typeface="Cambria Math" panose="02040503050406030204" pitchFamily="18" charset="0"/>
-                            </a:rPr>
-                            <m:t>𝑖</m:t>
-                          </m:r>
-                        </m:sub>
-                      </m:sSub>
-                    </m:oMath>
-                  </m:oMathPara>
-                </a14:m>
-                <a:endParaRPr lang="en-US" dirty="0">
-                  <a:solidFill>
-                    <a:srgbClr val="0070C0"/>
-                  </a:solidFill>
-                </a:endParaRPr>
-              </a:p>
-            </p:txBody>
-          </p:sp>
-        </mc:Choice>
-        <mc:Fallback>
-          <p:sp>
-            <p:nvSpPr>
-              <p:cNvPr id="8" name="TextBox 7">
-                <a:extLst>
-                  <a:ext uri="{FF2B5EF4-FFF2-40B4-BE49-F238E27FC236}">
-                    <a16:creationId xmlns:a16="http://schemas.microsoft.com/office/drawing/2014/main" id="{EFCD5A19-1CD1-9F14-303B-D0F97514ADCD}"/>
-                  </a:ext>
-                </a:extLst>
-              </p:cNvPr>
-              <p:cNvSpPr txBox="1">
-                <a:spLocks noRot="1" noChangeAspect="1" noMove="1" noResize="1" noEditPoints="1" noAdjustHandles="1" noChangeArrowheads="1" noChangeShapeType="1" noTextEdit="1"/>
-              </p:cNvSpPr>
-              <p:nvPr/>
-            </p:nvSpPr>
-            <p:spPr>
-              <a:xfrm>
-                <a:off x="4631552" y="2309045"/>
-                <a:ext cx="512641" cy="276999"/>
-              </a:xfrm>
-              <a:prstGeom prst="rect">
-                <a:avLst/>
-              </a:prstGeom>
-              <a:blipFill>
-                <a:blip r:embed="rId4"/>
-                <a:stretch>
-                  <a:fillRect b="-17778"/>
-                </a:stretch>
-              </a:blipFill>
-            </p:spPr>
-            <p:txBody>
-              <a:bodyPr/>
-              <a:lstStyle/>
-              <a:p>
-                <a:r>
-                  <a:rPr lang="en-US">
-                    <a:noFill/>
-                  </a:rPr>
-                  <a:t> </a:t>
-                </a:r>
-              </a:p>
-            </p:txBody>
-          </p:sp>
-        </mc:Fallback>
-      </mc:AlternateContent>
-      <mc:AlternateContent xmlns:mc="http://schemas.openxmlformats.org/markup-compatibility/2006">
-        <mc:Choice xmlns:a14="http://schemas.microsoft.com/office/drawing/2010/main" Requires="a14">
-          <p:sp>
-            <p:nvSpPr>
-              <p:cNvPr id="9" name="TextBox 8">
-                <a:extLst>
-                  <a:ext uri="{FF2B5EF4-FFF2-40B4-BE49-F238E27FC236}">
-                    <a16:creationId xmlns:a16="http://schemas.microsoft.com/office/drawing/2014/main" id="{CBDA3597-82FE-28FF-7C8D-1419C5C8B794}"/>
-                  </a:ext>
-                </a:extLst>
-              </p:cNvPr>
-              <p:cNvSpPr txBox="1"/>
-              <p:nvPr/>
-            </p:nvSpPr>
-            <p:spPr>
-              <a:xfrm>
-                <a:off x="3421945" y="2352415"/>
-                <a:ext cx="538447" cy="276999"/>
-              </a:xfrm>
-              <a:prstGeom prst="rect">
-                <a:avLst/>
-              </a:prstGeom>
-              <a:noFill/>
-            </p:spPr>
-            <p:txBody>
-              <a:bodyPr wrap="square" lIns="0" tIns="0" rIns="0" bIns="0" rtlCol="0">
-                <a:spAutoFit/>
-              </a:bodyPr>
-              <a:lstStyle/>
-              <a:p>
-                <a:pPr/>
-                <a14:m>
-                  <m:oMathPara xmlns:m="http://schemas.openxmlformats.org/officeDocument/2006/math">
-                    <m:oMathParaPr>
-                      <m:jc m:val="centerGroup"/>
-                    </m:oMathParaPr>
-                    <m:oMath xmlns:m="http://schemas.openxmlformats.org/officeDocument/2006/math">
-                      <m:sSub>
-                        <m:sSubPr>
-                          <m:ctrlPr>
-                            <a:rPr lang="en-US" b="0" i="1" smtClean="0">
-                              <a:solidFill>
-                                <a:srgbClr val="0070C0"/>
-                              </a:solidFill>
-                              <a:latin typeface="Cambria Math" panose="02040503050406030204" pitchFamily="18" charset="0"/>
-                            </a:rPr>
-                          </m:ctrlPr>
-                        </m:sSubPr>
-                        <m:e>
-                          <m:r>
-                            <a:rPr lang="en-US" b="0" i="1" smtClean="0">
-                              <a:solidFill>
-                                <a:srgbClr val="0070C0"/>
-                              </a:solidFill>
-                              <a:latin typeface="Cambria Math" panose="02040503050406030204" pitchFamily="18" charset="0"/>
-                            </a:rPr>
-                            <m:t>𝐶</m:t>
-                          </m:r>
-                        </m:e>
-                        <m:sub>
-                          <m:r>
-                            <a:rPr lang="en-US" b="0" i="1" smtClean="0">
-                              <a:solidFill>
-                                <a:srgbClr val="0070C0"/>
-                              </a:solidFill>
-                              <a:latin typeface="Cambria Math" panose="02040503050406030204" pitchFamily="18" charset="0"/>
-                            </a:rPr>
-                            <m:t>𝑖</m:t>
-                          </m:r>
-                        </m:sub>
-                      </m:sSub>
-                    </m:oMath>
-                  </m:oMathPara>
-                </a14:m>
-                <a:endParaRPr lang="en-US" dirty="0">
-                  <a:solidFill>
-                    <a:srgbClr val="0070C0"/>
-                  </a:solidFill>
-                </a:endParaRPr>
-              </a:p>
-            </p:txBody>
-          </p:sp>
-        </mc:Choice>
-        <mc:Fallback>
-          <p:sp>
-            <p:nvSpPr>
-              <p:cNvPr id="9" name="TextBox 8">
-                <a:extLst>
-                  <a:ext uri="{FF2B5EF4-FFF2-40B4-BE49-F238E27FC236}">
-                    <a16:creationId xmlns:a16="http://schemas.microsoft.com/office/drawing/2014/main" id="{CBDA3597-82FE-28FF-7C8D-1419C5C8B794}"/>
-                  </a:ext>
-                </a:extLst>
-              </p:cNvPr>
-              <p:cNvSpPr txBox="1">
-                <a:spLocks noRot="1" noChangeAspect="1" noMove="1" noResize="1" noEditPoints="1" noAdjustHandles="1" noChangeArrowheads="1" noChangeShapeType="1" noTextEdit="1"/>
-              </p:cNvSpPr>
-              <p:nvPr/>
-            </p:nvSpPr>
-            <p:spPr>
-              <a:xfrm>
-                <a:off x="3421945" y="2352415"/>
-                <a:ext cx="538447" cy="276999"/>
-              </a:xfrm>
-              <a:prstGeom prst="rect">
-                <a:avLst/>
-              </a:prstGeom>
-              <a:blipFill>
-                <a:blip r:embed="rId5"/>
-                <a:stretch>
-                  <a:fillRect b="-17778"/>
-                </a:stretch>
-              </a:blipFill>
-            </p:spPr>
-            <p:txBody>
-              <a:bodyPr/>
-              <a:lstStyle/>
-              <a:p>
-                <a:r>
-                  <a:rPr lang="en-US">
-                    <a:noFill/>
-                  </a:rPr>
-                  <a:t> </a:t>
-                </a:r>
-              </a:p>
-            </p:txBody>
-          </p:sp>
-        </mc:Fallback>
-      </mc:AlternateContent>
-      <mc:AlternateContent xmlns:mc="http://schemas.openxmlformats.org/markup-compatibility/2006">
-        <mc:Choice xmlns:a14="http://schemas.microsoft.com/office/drawing/2010/main" Requires="a14">
-          <p:sp>
-            <p:nvSpPr>
-              <p:cNvPr id="10" name="TextBox 9">
-                <a:extLst>
-                  <a:ext uri="{FF2B5EF4-FFF2-40B4-BE49-F238E27FC236}">
-                    <a16:creationId xmlns:a16="http://schemas.microsoft.com/office/drawing/2014/main" id="{ECDC325E-16AE-7624-4AE4-43EC2C6DEB53}"/>
-                  </a:ext>
-                </a:extLst>
-              </p:cNvPr>
-              <p:cNvSpPr txBox="1"/>
-              <p:nvPr/>
-            </p:nvSpPr>
-            <p:spPr>
-              <a:xfrm>
-                <a:off x="3338072" y="2778854"/>
-                <a:ext cx="605935" cy="246221"/>
-              </a:xfrm>
-              <a:prstGeom prst="rect">
-                <a:avLst/>
-              </a:prstGeom>
-              <a:noFill/>
-            </p:spPr>
-            <p:txBody>
-              <a:bodyPr wrap="none" lIns="0" tIns="0" rIns="0" bIns="0" rtlCol="0">
-                <a:spAutoFit/>
-              </a:bodyPr>
-              <a:lstStyle/>
-              <a:p>
-                <a:pPr/>
-                <a14:m>
-                  <m:oMathPara xmlns:m="http://schemas.openxmlformats.org/officeDocument/2006/math">
-                    <m:oMathParaPr>
-                      <m:jc m:val="centerGroup"/>
-                    </m:oMathParaPr>
-                    <m:oMath xmlns:m="http://schemas.openxmlformats.org/officeDocument/2006/math">
-                      <m:r>
-                        <a:rPr lang="en-US" sz="1600" b="0" i="1" smtClean="0">
-                          <a:solidFill>
-                            <a:schemeClr val="accent6">
-                              <a:lumMod val="75000"/>
-                            </a:schemeClr>
-                          </a:solidFill>
-                          <a:latin typeface="Cambria Math" panose="02040503050406030204" pitchFamily="18" charset="0"/>
-                        </a:rPr>
-                        <m:t>4.7 </m:t>
-                      </m:r>
-                      <m:r>
-                        <a:rPr lang="en-US" sz="1600" b="0" i="1" smtClean="0">
-                          <a:solidFill>
-                            <a:schemeClr val="accent6">
-                              <a:lumMod val="75000"/>
-                            </a:schemeClr>
-                          </a:solidFill>
-                          <a:latin typeface="Cambria Math" panose="02040503050406030204" pitchFamily="18" charset="0"/>
-                        </a:rPr>
-                        <m:t>𝜇</m:t>
-                      </m:r>
-                      <m:r>
-                        <a:rPr lang="en-US" sz="1600" b="0" i="1" smtClean="0">
-                          <a:solidFill>
-                            <a:schemeClr val="accent6">
-                              <a:lumMod val="75000"/>
-                            </a:schemeClr>
-                          </a:solidFill>
-                          <a:latin typeface="Cambria Math" panose="02040503050406030204" pitchFamily="18" charset="0"/>
-                        </a:rPr>
-                        <m:t>𝐹</m:t>
-                      </m:r>
-                    </m:oMath>
-                  </m:oMathPara>
-                </a14:m>
-                <a:endParaRPr lang="en-US" sz="1600" dirty="0">
-                  <a:solidFill>
-                    <a:schemeClr val="accent6">
-                      <a:lumMod val="75000"/>
-                    </a:schemeClr>
-                  </a:solidFill>
-                </a:endParaRPr>
-              </a:p>
-            </p:txBody>
-          </p:sp>
-        </mc:Choice>
-        <mc:Fallback>
-          <p:sp>
-            <p:nvSpPr>
-              <p:cNvPr id="10" name="TextBox 9">
-                <a:extLst>
-                  <a:ext uri="{FF2B5EF4-FFF2-40B4-BE49-F238E27FC236}">
-                    <a16:creationId xmlns:a16="http://schemas.microsoft.com/office/drawing/2014/main" id="{ECDC325E-16AE-7624-4AE4-43EC2C6DEB53}"/>
-                  </a:ext>
-                </a:extLst>
-              </p:cNvPr>
-              <p:cNvSpPr txBox="1">
-                <a:spLocks noRot="1" noChangeAspect="1" noMove="1" noResize="1" noEditPoints="1" noAdjustHandles="1" noChangeArrowheads="1" noChangeShapeType="1" noTextEdit="1"/>
-              </p:cNvSpPr>
-              <p:nvPr/>
-            </p:nvSpPr>
-            <p:spPr>
-              <a:xfrm>
-                <a:off x="3338072" y="2778854"/>
-                <a:ext cx="605935" cy="246221"/>
-              </a:xfrm>
-              <a:prstGeom prst="rect">
-                <a:avLst/>
-              </a:prstGeom>
-              <a:blipFill>
-                <a:blip r:embed="rId6"/>
-                <a:stretch>
-                  <a:fillRect l="-8081" r="-8081" b="-27500"/>
-                </a:stretch>
-              </a:blipFill>
-            </p:spPr>
-            <p:txBody>
-              <a:bodyPr/>
-              <a:lstStyle/>
-              <a:p>
-                <a:r>
-                  <a:rPr lang="en-US">
-                    <a:noFill/>
-                  </a:rPr>
-                  <a:t> </a:t>
-                </a:r>
-              </a:p>
-            </p:txBody>
-          </p:sp>
-        </mc:Fallback>
-      </mc:AlternateContent>
-      <mc:AlternateContent xmlns:mc="http://schemas.openxmlformats.org/markup-compatibility/2006">
-        <mc:Choice xmlns:a14="http://schemas.microsoft.com/office/drawing/2010/main" Requires="a14">
-          <p:sp>
-            <p:nvSpPr>
-              <p:cNvPr id="11" name="TextBox 10">
-                <a:extLst>
-                  <a:ext uri="{FF2B5EF4-FFF2-40B4-BE49-F238E27FC236}">
-                    <a16:creationId xmlns:a16="http://schemas.microsoft.com/office/drawing/2014/main" id="{71CB910A-3E1A-ECF7-462D-E025ACCB617F}"/>
-                  </a:ext>
-                </a:extLst>
-              </p:cNvPr>
-              <p:cNvSpPr txBox="1"/>
-              <p:nvPr/>
-            </p:nvSpPr>
-            <p:spPr>
-              <a:xfrm>
-                <a:off x="4603340" y="2901964"/>
-                <a:ext cx="458459" cy="246221"/>
-              </a:xfrm>
-              <a:prstGeom prst="rect">
-                <a:avLst/>
-              </a:prstGeom>
-              <a:noFill/>
-            </p:spPr>
-            <p:txBody>
-              <a:bodyPr wrap="none" lIns="0" tIns="0" rIns="0" bIns="0" rtlCol="0">
-                <a:spAutoFit/>
-              </a:bodyPr>
-              <a:lstStyle/>
-              <a:p>
-                <a:pPr/>
-                <a14:m>
-                  <m:oMathPara xmlns:m="http://schemas.openxmlformats.org/officeDocument/2006/math">
-                    <m:oMathParaPr>
-                      <m:jc m:val="centerGroup"/>
-                    </m:oMathParaPr>
-                    <m:oMath xmlns:m="http://schemas.openxmlformats.org/officeDocument/2006/math">
-                      <m:r>
-                        <a:rPr lang="en-US" sz="1600" i="1" smtClean="0">
-                          <a:solidFill>
-                            <a:schemeClr val="accent6">
-                              <a:lumMod val="75000"/>
-                            </a:schemeClr>
-                          </a:solidFill>
-                          <a:latin typeface="Cambria Math" panose="02040503050406030204" pitchFamily="18" charset="0"/>
-                        </a:rPr>
-                        <m:t>5</m:t>
-                      </m:r>
-                      <m:r>
-                        <a:rPr lang="en-US" sz="1600" b="0" i="1" smtClean="0">
-                          <a:solidFill>
-                            <a:schemeClr val="accent6">
-                              <a:lumMod val="75000"/>
-                            </a:schemeClr>
-                          </a:solidFill>
-                          <a:latin typeface="Cambria Math" panose="02040503050406030204" pitchFamily="18" charset="0"/>
-                        </a:rPr>
-                        <m:t> </m:t>
-                      </m:r>
-                      <m:r>
-                        <a:rPr lang="en-US" sz="1600" b="0" i="1" smtClean="0">
-                          <a:solidFill>
-                            <a:schemeClr val="accent6">
-                              <a:lumMod val="75000"/>
-                            </a:schemeClr>
-                          </a:solidFill>
-                          <a:latin typeface="Cambria Math" panose="02040503050406030204" pitchFamily="18" charset="0"/>
-                        </a:rPr>
-                        <m:t>𝑘</m:t>
-                      </m:r>
-                      <m:r>
-                        <m:rPr>
-                          <m:sty m:val="p"/>
-                        </m:rPr>
-                        <a:rPr lang="en-US" sz="1600" b="0" i="0" smtClean="0">
-                          <a:solidFill>
-                            <a:schemeClr val="accent6">
-                              <a:lumMod val="75000"/>
-                            </a:schemeClr>
-                          </a:solidFill>
-                          <a:latin typeface="Cambria Math" panose="02040503050406030204" pitchFamily="18" charset="0"/>
-                        </a:rPr>
-                        <m:t>Ω</m:t>
-                      </m:r>
-                    </m:oMath>
-                  </m:oMathPara>
-                </a14:m>
-                <a:endParaRPr lang="en-US" sz="1600" dirty="0">
-                  <a:solidFill>
-                    <a:schemeClr val="accent6">
-                      <a:lumMod val="75000"/>
-                    </a:schemeClr>
-                  </a:solidFill>
-                </a:endParaRPr>
-              </a:p>
-            </p:txBody>
-          </p:sp>
-        </mc:Choice>
-        <mc:Fallback>
-          <p:sp>
-            <p:nvSpPr>
-              <p:cNvPr id="11" name="TextBox 10">
-                <a:extLst>
-                  <a:ext uri="{FF2B5EF4-FFF2-40B4-BE49-F238E27FC236}">
-                    <a16:creationId xmlns:a16="http://schemas.microsoft.com/office/drawing/2014/main" id="{71CB910A-3E1A-ECF7-462D-E025ACCB617F}"/>
-                  </a:ext>
-                </a:extLst>
-              </p:cNvPr>
-              <p:cNvSpPr txBox="1">
-                <a:spLocks noRot="1" noChangeAspect="1" noMove="1" noResize="1" noEditPoints="1" noAdjustHandles="1" noChangeArrowheads="1" noChangeShapeType="1" noTextEdit="1"/>
-              </p:cNvSpPr>
-              <p:nvPr/>
-            </p:nvSpPr>
-            <p:spPr>
-              <a:xfrm>
-                <a:off x="4603340" y="2901964"/>
-                <a:ext cx="458459" cy="246221"/>
-              </a:xfrm>
-              <a:prstGeom prst="rect">
-                <a:avLst/>
-              </a:prstGeom>
-              <a:blipFill>
-                <a:blip r:embed="rId7"/>
-                <a:stretch>
-                  <a:fillRect l="-10667" r="-9333" b="-7500"/>
-                </a:stretch>
-              </a:blipFill>
-            </p:spPr>
-            <p:txBody>
-              <a:bodyPr/>
-              <a:lstStyle/>
-              <a:p>
-                <a:r>
-                  <a:rPr lang="en-US">
-                    <a:noFill/>
-                  </a:rPr>
-                  <a:t> </a:t>
-                </a:r>
-              </a:p>
-            </p:txBody>
-          </p:sp>
-        </mc:Fallback>
-      </mc:AlternateContent>
-      <mc:AlternateContent xmlns:mc="http://schemas.openxmlformats.org/markup-compatibility/2006">
-        <mc:Choice xmlns:a14="http://schemas.microsoft.com/office/drawing/2010/main" Requires="a14">
-          <p:sp>
-            <p:nvSpPr>
-              <p:cNvPr id="12" name="TextBox 11">
-                <a:extLst>
-                  <a:ext uri="{FF2B5EF4-FFF2-40B4-BE49-F238E27FC236}">
-                    <a16:creationId xmlns:a16="http://schemas.microsoft.com/office/drawing/2014/main" id="{776ECC5D-22EF-6781-C05C-7D6066F0C5F8}"/>
-                  </a:ext>
-                </a:extLst>
-              </p:cNvPr>
-              <p:cNvSpPr txBox="1"/>
-              <p:nvPr/>
-            </p:nvSpPr>
-            <p:spPr>
-              <a:xfrm>
-                <a:off x="5958785" y="1967694"/>
-                <a:ext cx="458459" cy="246221"/>
-              </a:xfrm>
-              <a:prstGeom prst="rect">
-                <a:avLst/>
-              </a:prstGeom>
-              <a:noFill/>
-            </p:spPr>
-            <p:txBody>
-              <a:bodyPr wrap="none" lIns="0" tIns="0" rIns="0" bIns="0" rtlCol="0">
-                <a:spAutoFit/>
-              </a:bodyPr>
-              <a:lstStyle/>
-              <a:p>
-                <a:pPr/>
-                <a14:m>
-                  <m:oMathPara xmlns:m="http://schemas.openxmlformats.org/officeDocument/2006/math">
-                    <m:oMathParaPr>
-                      <m:jc m:val="centerGroup"/>
-                    </m:oMathParaPr>
-                    <m:oMath xmlns:m="http://schemas.openxmlformats.org/officeDocument/2006/math">
-                      <m:r>
-                        <a:rPr lang="en-US" sz="1600" b="0" i="1" smtClean="0">
-                          <a:solidFill>
-                            <a:schemeClr val="accent6">
-                              <a:lumMod val="75000"/>
-                            </a:schemeClr>
-                          </a:solidFill>
-                          <a:latin typeface="Cambria Math" panose="02040503050406030204" pitchFamily="18" charset="0"/>
-                        </a:rPr>
-                        <m:t>5</m:t>
-                      </m:r>
-                      <m:r>
-                        <a:rPr lang="en-US" sz="1600" b="0" i="1" smtClean="0">
-                          <a:solidFill>
-                            <a:schemeClr val="accent6">
-                              <a:lumMod val="75000"/>
-                            </a:schemeClr>
-                          </a:solidFill>
-                          <a:latin typeface="Cambria Math" panose="02040503050406030204" pitchFamily="18" charset="0"/>
-                        </a:rPr>
-                        <m:t> </m:t>
-                      </m:r>
-                      <m:r>
-                        <a:rPr lang="en-US" sz="1600" b="0" i="1" smtClean="0">
-                          <a:solidFill>
-                            <a:schemeClr val="accent6">
-                              <a:lumMod val="75000"/>
-                            </a:schemeClr>
-                          </a:solidFill>
-                          <a:latin typeface="Cambria Math" panose="02040503050406030204" pitchFamily="18" charset="0"/>
-                        </a:rPr>
-                        <m:t>𝑘</m:t>
-                      </m:r>
-                      <m:r>
-                        <m:rPr>
-                          <m:sty m:val="p"/>
-                        </m:rPr>
-                        <a:rPr lang="en-US" sz="1600" b="0" i="0" smtClean="0">
-                          <a:solidFill>
-                            <a:schemeClr val="accent6">
-                              <a:lumMod val="75000"/>
-                            </a:schemeClr>
-                          </a:solidFill>
-                          <a:latin typeface="Cambria Math" panose="02040503050406030204" pitchFamily="18" charset="0"/>
-                        </a:rPr>
-                        <m:t>Ω</m:t>
-                      </m:r>
-                    </m:oMath>
-                  </m:oMathPara>
-                </a14:m>
-                <a:endParaRPr lang="en-US" sz="1600" dirty="0">
-                  <a:solidFill>
-                    <a:schemeClr val="accent6">
-                      <a:lumMod val="75000"/>
-                    </a:schemeClr>
-                  </a:solidFill>
-                </a:endParaRPr>
-              </a:p>
-            </p:txBody>
-          </p:sp>
-        </mc:Choice>
-        <mc:Fallback>
-          <p:sp>
-            <p:nvSpPr>
-              <p:cNvPr id="12" name="TextBox 11">
-                <a:extLst>
-                  <a:ext uri="{FF2B5EF4-FFF2-40B4-BE49-F238E27FC236}">
-                    <a16:creationId xmlns:a16="http://schemas.microsoft.com/office/drawing/2014/main" id="{776ECC5D-22EF-6781-C05C-7D6066F0C5F8}"/>
-                  </a:ext>
-                </a:extLst>
-              </p:cNvPr>
-              <p:cNvSpPr txBox="1">
-                <a:spLocks noRot="1" noChangeAspect="1" noMove="1" noResize="1" noEditPoints="1" noAdjustHandles="1" noChangeArrowheads="1" noChangeShapeType="1" noTextEdit="1"/>
-              </p:cNvSpPr>
-              <p:nvPr/>
-            </p:nvSpPr>
-            <p:spPr>
-              <a:xfrm>
-                <a:off x="5958785" y="1967694"/>
-                <a:ext cx="458459" cy="246221"/>
-              </a:xfrm>
-              <a:prstGeom prst="rect">
-                <a:avLst/>
-              </a:prstGeom>
-              <a:blipFill>
-                <a:blip r:embed="rId8"/>
-                <a:stretch>
-                  <a:fillRect l="-10526" r="-7895" b="-7500"/>
-                </a:stretch>
-              </a:blipFill>
-            </p:spPr>
-            <p:txBody>
-              <a:bodyPr/>
-              <a:lstStyle/>
-              <a:p>
-                <a:r>
-                  <a:rPr lang="en-US">
-                    <a:noFill/>
-                  </a:rPr>
-                  <a:t> </a:t>
-                </a:r>
-              </a:p>
-            </p:txBody>
-          </p:sp>
-        </mc:Fallback>
-      </mc:AlternateContent>
-      <mc:AlternateContent xmlns:mc="http://schemas.openxmlformats.org/markup-compatibility/2006">
-        <mc:Choice xmlns:a14="http://schemas.microsoft.com/office/drawing/2010/main" Requires="a14">
-          <p:sp>
-            <p:nvSpPr>
-              <p:cNvPr id="13" name="TextBox 12">
-                <a:extLst>
-                  <a:ext uri="{FF2B5EF4-FFF2-40B4-BE49-F238E27FC236}">
-                    <a16:creationId xmlns:a16="http://schemas.microsoft.com/office/drawing/2014/main" id="{7715A496-08E4-5177-6176-599D84CBB5E9}"/>
-                  </a:ext>
-                </a:extLst>
-              </p:cNvPr>
-              <p:cNvSpPr txBox="1"/>
-              <p:nvPr/>
-            </p:nvSpPr>
-            <p:spPr>
-              <a:xfrm>
-                <a:off x="7681540" y="2586044"/>
-                <a:ext cx="471860" cy="276999"/>
-              </a:xfrm>
-              <a:prstGeom prst="rect">
-                <a:avLst/>
-              </a:prstGeom>
-              <a:noFill/>
-            </p:spPr>
-            <p:txBody>
-              <a:bodyPr wrap="none" lIns="0" tIns="0" rIns="0" bIns="0" rtlCol="0">
-                <a:spAutoFit/>
-              </a:bodyPr>
-              <a:lstStyle/>
-              <a:p>
-                <a:pPr/>
-                <a14:m>
-                  <m:oMathPara xmlns:m="http://schemas.openxmlformats.org/officeDocument/2006/math">
-                    <m:oMathParaPr>
-                      <m:jc m:val="centerGroup"/>
-                    </m:oMathParaPr>
-                    <m:oMath xmlns:m="http://schemas.openxmlformats.org/officeDocument/2006/math">
-                      <m:sSub>
-                        <m:sSubPr>
-                          <m:ctrlPr>
-                            <a:rPr lang="en-US" b="0" i="1" smtClean="0">
-                              <a:solidFill>
-                                <a:srgbClr val="0070C0"/>
-                              </a:solidFill>
-                              <a:latin typeface="Cambria Math" panose="02040503050406030204" pitchFamily="18" charset="0"/>
-                            </a:rPr>
-                          </m:ctrlPr>
-                        </m:sSubPr>
-                        <m:e>
-                          <m:r>
-                            <a:rPr lang="en-US" b="0" i="1" smtClean="0">
-                              <a:solidFill>
-                                <a:srgbClr val="0070C0"/>
-                              </a:solidFill>
-                              <a:latin typeface="Cambria Math" panose="02040503050406030204" pitchFamily="18" charset="0"/>
-                            </a:rPr>
-                            <m:t>𝑣</m:t>
-                          </m:r>
-                        </m:e>
-                        <m:sub>
-                          <m:r>
-                            <a:rPr lang="en-US" b="0" i="1" smtClean="0">
-                              <a:solidFill>
-                                <a:srgbClr val="0070C0"/>
-                              </a:solidFill>
-                              <a:latin typeface="Cambria Math" panose="02040503050406030204" pitchFamily="18" charset="0"/>
-                            </a:rPr>
-                            <m:t>𝑜𝑢𝑡</m:t>
-                          </m:r>
-                        </m:sub>
-                      </m:sSub>
-                    </m:oMath>
-                  </m:oMathPara>
-                </a14:m>
-                <a:endParaRPr lang="en-US" dirty="0">
-                  <a:solidFill>
-                    <a:srgbClr val="0070C0"/>
-                  </a:solidFill>
-                </a:endParaRPr>
-              </a:p>
-            </p:txBody>
-          </p:sp>
-        </mc:Choice>
-        <mc:Fallback>
-          <p:sp>
-            <p:nvSpPr>
-              <p:cNvPr id="13" name="TextBox 12">
-                <a:extLst>
-                  <a:ext uri="{FF2B5EF4-FFF2-40B4-BE49-F238E27FC236}">
-                    <a16:creationId xmlns:a16="http://schemas.microsoft.com/office/drawing/2014/main" id="{7715A496-08E4-5177-6176-599D84CBB5E9}"/>
-                  </a:ext>
-                </a:extLst>
-              </p:cNvPr>
-              <p:cNvSpPr txBox="1">
-                <a:spLocks noRot="1" noChangeAspect="1" noMove="1" noResize="1" noEditPoints="1" noAdjustHandles="1" noChangeArrowheads="1" noChangeShapeType="1" noTextEdit="1"/>
-              </p:cNvSpPr>
-              <p:nvPr/>
-            </p:nvSpPr>
-            <p:spPr>
-              <a:xfrm>
-                <a:off x="7681540" y="2586044"/>
-                <a:ext cx="471860" cy="276999"/>
-              </a:xfrm>
-              <a:prstGeom prst="rect">
-                <a:avLst/>
-              </a:prstGeom>
-              <a:blipFill>
-                <a:blip r:embed="rId9"/>
-                <a:stretch>
-                  <a:fillRect l="-6410" r="-2564" b="-13043"/>
-                </a:stretch>
-              </a:blipFill>
-            </p:spPr>
-            <p:txBody>
-              <a:bodyPr/>
-              <a:lstStyle/>
-              <a:p>
-                <a:r>
-                  <a:rPr lang="en-US">
-                    <a:noFill/>
-                  </a:rPr>
-                  <a:t> </a:t>
-                </a:r>
-              </a:p>
-            </p:txBody>
-          </p:sp>
-        </mc:Fallback>
-      </mc:AlternateContent>
-      <mc:AlternateContent xmlns:mc="http://schemas.openxmlformats.org/markup-compatibility/2006">
-        <mc:Choice xmlns:a14="http://schemas.microsoft.com/office/drawing/2010/main" Requires="a14">
-          <p:sp>
-            <p:nvSpPr>
-              <p:cNvPr id="14" name="TextBox 13">
-                <a:extLst>
-                  <a:ext uri="{FF2B5EF4-FFF2-40B4-BE49-F238E27FC236}">
-                    <a16:creationId xmlns:a16="http://schemas.microsoft.com/office/drawing/2014/main" id="{98BDD143-2B71-892D-F1B9-1A3123616F84}"/>
-                  </a:ext>
-                </a:extLst>
-              </p:cNvPr>
-              <p:cNvSpPr txBox="1"/>
-              <p:nvPr/>
-            </p:nvSpPr>
-            <p:spPr>
-              <a:xfrm>
-                <a:off x="5958785" y="1336548"/>
-                <a:ext cx="512641" cy="299249"/>
-              </a:xfrm>
-              <a:prstGeom prst="rect">
-                <a:avLst/>
-              </a:prstGeom>
-              <a:noFill/>
-            </p:spPr>
-            <p:txBody>
-              <a:bodyPr wrap="square" lIns="0" tIns="0" rIns="0" bIns="0" rtlCol="0">
-                <a:spAutoFit/>
-              </a:bodyPr>
-              <a:lstStyle/>
-              <a:p>
-                <a:pPr/>
-                <a14:m>
-                  <m:oMathPara xmlns:m="http://schemas.openxmlformats.org/officeDocument/2006/math">
-                    <m:oMathParaPr>
-                      <m:jc m:val="centerGroup"/>
-                    </m:oMathParaPr>
-                    <m:oMath xmlns:m="http://schemas.openxmlformats.org/officeDocument/2006/math">
-                      <m:sSub>
-                        <m:sSubPr>
-                          <m:ctrlPr>
-                            <a:rPr lang="en-US" b="0" i="1" smtClean="0">
-                              <a:solidFill>
-                                <a:srgbClr val="0070C0"/>
-                              </a:solidFill>
-                              <a:latin typeface="Cambria Math" panose="02040503050406030204" pitchFamily="18" charset="0"/>
-                            </a:rPr>
-                          </m:ctrlPr>
-                        </m:sSubPr>
-                        <m:e>
-                          <m:r>
-                            <a:rPr lang="en-US" b="0" i="1" smtClean="0">
-                              <a:solidFill>
-                                <a:srgbClr val="0070C0"/>
-                              </a:solidFill>
-                              <a:latin typeface="Cambria Math" panose="02040503050406030204" pitchFamily="18" charset="0"/>
-                            </a:rPr>
-                            <m:t>𝑅</m:t>
-                          </m:r>
-                        </m:e>
-                        <m:sub>
-                          <m:r>
-                            <a:rPr lang="en-US" b="0" i="1" smtClean="0">
-                              <a:solidFill>
-                                <a:srgbClr val="0070C0"/>
-                              </a:solidFill>
-                              <a:latin typeface="Cambria Math" panose="02040503050406030204" pitchFamily="18" charset="0"/>
-                            </a:rPr>
-                            <m:t>𝑓</m:t>
-                          </m:r>
-                        </m:sub>
-                      </m:sSub>
-                    </m:oMath>
-                  </m:oMathPara>
-                </a14:m>
-                <a:endParaRPr lang="en-US" dirty="0">
-                  <a:solidFill>
-                    <a:srgbClr val="0070C0"/>
-                  </a:solidFill>
-                </a:endParaRPr>
-              </a:p>
-            </p:txBody>
-          </p:sp>
-        </mc:Choice>
-        <mc:Fallback>
-          <p:sp>
-            <p:nvSpPr>
-              <p:cNvPr id="14" name="TextBox 13">
-                <a:extLst>
-                  <a:ext uri="{FF2B5EF4-FFF2-40B4-BE49-F238E27FC236}">
-                    <a16:creationId xmlns:a16="http://schemas.microsoft.com/office/drawing/2014/main" id="{98BDD143-2B71-892D-F1B9-1A3123616F84}"/>
-                  </a:ext>
-                </a:extLst>
-              </p:cNvPr>
-              <p:cNvSpPr txBox="1">
-                <a:spLocks noRot="1" noChangeAspect="1" noMove="1" noResize="1" noEditPoints="1" noAdjustHandles="1" noChangeArrowheads="1" noChangeShapeType="1" noTextEdit="1"/>
-              </p:cNvSpPr>
-              <p:nvPr/>
-            </p:nvSpPr>
-            <p:spPr>
-              <a:xfrm>
-                <a:off x="5958785" y="1336548"/>
-                <a:ext cx="512641" cy="299249"/>
-              </a:xfrm>
-              <a:prstGeom prst="rect">
-                <a:avLst/>
-              </a:prstGeom>
-              <a:blipFill>
-                <a:blip r:embed="rId10"/>
-                <a:stretch>
-                  <a:fillRect b="-28571"/>
-                </a:stretch>
-              </a:blipFill>
-            </p:spPr>
-            <p:txBody>
-              <a:bodyPr/>
-              <a:lstStyle/>
-              <a:p>
-                <a:r>
-                  <a:rPr lang="en-US">
-                    <a:noFill/>
-                  </a:rPr>
-                  <a:t> </a:t>
-                </a:r>
-              </a:p>
-            </p:txBody>
-          </p:sp>
-        </mc:Fallback>
-      </mc:AlternateContent>
+            </a:ln>
+          </p:spPr>
+          <p:style>
+            <a:lnRef idx="2">
+              <a:schemeClr val="accent1">
+                <a:shade val="15000"/>
+              </a:schemeClr>
+            </a:lnRef>
+            <a:fillRef idx="1">
+              <a:schemeClr val="accent1"/>
+            </a:fillRef>
+            <a:effectRef idx="0">
+              <a:schemeClr val="accent1"/>
+            </a:effectRef>
+            <a:fontRef idx="minor">
+              <a:schemeClr val="lt1"/>
+            </a:fontRef>
+          </p:style>
+          <p:txBody>
+            <a:bodyPr rtlCol="0" anchor="ctr"/>
+            <a:lstStyle/>
+            <a:p>
+              <a:pPr algn="ctr"/>
+              <a:endParaRPr lang="en-US"/>
+            </a:p>
+          </p:txBody>
+        </p:sp>
+        <p:pic>
+          <p:nvPicPr>
+            <p:cNvPr id="6" name="Picture 5">
+              <a:extLst>
+                <a:ext uri="{FF2B5EF4-FFF2-40B4-BE49-F238E27FC236}">
+                  <a16:creationId xmlns:a16="http://schemas.microsoft.com/office/drawing/2014/main" id="{5392807A-0AF1-D422-543F-BA6DEFE9ED2F}"/>
+                </a:ext>
+              </a:extLst>
+            </p:cNvPr>
+            <p:cNvPicPr>
+              <a:picLocks noChangeAspect="1"/>
+            </p:cNvPicPr>
+            <p:nvPr/>
+          </p:nvPicPr>
+          <p:blipFill>
+            <a:blip r:embed="rId2"/>
+            <a:stretch>
+              <a:fillRect/>
+            </a:stretch>
+          </p:blipFill>
+          <p:spPr>
+            <a:xfrm>
+              <a:off x="2927969" y="1639263"/>
+              <a:ext cx="5225431" cy="2771622"/>
+            </a:xfrm>
+            <a:prstGeom prst="rect">
+              <a:avLst/>
+            </a:prstGeom>
+          </p:spPr>
+        </p:pic>
+        <mc:AlternateContent xmlns:mc="http://schemas.openxmlformats.org/markup-compatibility/2006">
+          <mc:Choice xmlns:a14="http://schemas.microsoft.com/office/drawing/2010/main" Requires="a14">
+            <p:sp>
+              <p:nvSpPr>
+                <p:cNvPr id="7" name="TextBox 6">
+                  <a:extLst>
+                    <a:ext uri="{FF2B5EF4-FFF2-40B4-BE49-F238E27FC236}">
+                      <a16:creationId xmlns:a16="http://schemas.microsoft.com/office/drawing/2014/main" id="{B4951CC0-FE19-8FBB-7F14-7C092624A502}"/>
+                    </a:ext>
+                  </a:extLst>
+                </p:cNvPr>
+                <p:cNvSpPr txBox="1"/>
+                <p:nvPr/>
+              </p:nvSpPr>
+              <p:spPr>
+                <a:xfrm>
+                  <a:off x="3292764" y="3574641"/>
+                  <a:ext cx="356444" cy="276999"/>
+                </a:xfrm>
+                <a:prstGeom prst="rect">
+                  <a:avLst/>
+                </a:prstGeom>
+                <a:noFill/>
+              </p:spPr>
+              <p:txBody>
+                <a:bodyPr wrap="none" lIns="0" tIns="0" rIns="0" bIns="0" rtlCol="0">
+                  <a:spAutoFit/>
+                </a:bodyPr>
+                <a:lstStyle/>
+                <a:p>
+                  <a:pPr/>
+                  <a14:m>
+                    <m:oMathPara xmlns:m="http://schemas.openxmlformats.org/officeDocument/2006/math">
+                      <m:oMathParaPr>
+                        <m:jc m:val="centerGroup"/>
+                      </m:oMathParaPr>
+                      <m:oMath xmlns:m="http://schemas.openxmlformats.org/officeDocument/2006/math">
+                        <m:sSub>
+                          <m:sSubPr>
+                            <m:ctrlPr>
+                              <a:rPr lang="en-US" b="0" i="1" smtClean="0">
+                                <a:solidFill>
+                                  <a:srgbClr val="0070C0"/>
+                                </a:solidFill>
+                                <a:latin typeface="Cambria Math" panose="02040503050406030204" pitchFamily="18" charset="0"/>
+                              </a:rPr>
+                            </m:ctrlPr>
+                          </m:sSubPr>
+                          <m:e>
+                            <m:r>
+                              <a:rPr lang="en-US" b="0" i="1" smtClean="0">
+                                <a:solidFill>
+                                  <a:srgbClr val="0070C0"/>
+                                </a:solidFill>
+                                <a:latin typeface="Cambria Math" panose="02040503050406030204" pitchFamily="18" charset="0"/>
+                              </a:rPr>
+                              <m:t>𝑣</m:t>
+                            </m:r>
+                          </m:e>
+                          <m:sub>
+                            <m:r>
+                              <a:rPr lang="en-US" b="0" i="1" smtClean="0">
+                                <a:solidFill>
+                                  <a:srgbClr val="0070C0"/>
+                                </a:solidFill>
+                                <a:latin typeface="Cambria Math" panose="02040503050406030204" pitchFamily="18" charset="0"/>
+                              </a:rPr>
+                              <m:t>𝑖𝑛</m:t>
+                            </m:r>
+                          </m:sub>
+                        </m:sSub>
+                      </m:oMath>
+                    </m:oMathPara>
+                  </a14:m>
+                  <a:endParaRPr lang="en-US" dirty="0">
+                    <a:solidFill>
+                      <a:srgbClr val="0070C0"/>
+                    </a:solidFill>
+                  </a:endParaRPr>
+                </a:p>
+              </p:txBody>
+            </p:sp>
+          </mc:Choice>
+          <mc:Fallback>
+            <p:sp>
+              <p:nvSpPr>
+                <p:cNvPr id="7" name="TextBox 6">
+                  <a:extLst>
+                    <a:ext uri="{FF2B5EF4-FFF2-40B4-BE49-F238E27FC236}">
+                      <a16:creationId xmlns:a16="http://schemas.microsoft.com/office/drawing/2014/main" id="{B4951CC0-FE19-8FBB-7F14-7C092624A502}"/>
+                    </a:ext>
+                  </a:extLst>
+                </p:cNvPr>
+                <p:cNvSpPr txBox="1">
+                  <a:spLocks noRot="1" noChangeAspect="1" noMove="1" noResize="1" noEditPoints="1" noAdjustHandles="1" noChangeArrowheads="1" noChangeShapeType="1" noTextEdit="1"/>
+                </p:cNvSpPr>
+                <p:nvPr/>
+              </p:nvSpPr>
+              <p:spPr>
+                <a:xfrm>
+                  <a:off x="3292764" y="3574641"/>
+                  <a:ext cx="356444" cy="276999"/>
+                </a:xfrm>
+                <a:prstGeom prst="rect">
+                  <a:avLst/>
+                </a:prstGeom>
+                <a:blipFill>
+                  <a:blip r:embed="rId3"/>
+                  <a:stretch>
+                    <a:fillRect l="-8475" r="-8475" b="-17391"/>
+                  </a:stretch>
+                </a:blipFill>
+              </p:spPr>
+              <p:txBody>
+                <a:bodyPr/>
+                <a:lstStyle/>
+                <a:p>
+                  <a:r>
+                    <a:rPr lang="en-US">
+                      <a:noFill/>
+                    </a:rPr>
+                    <a:t> </a:t>
+                  </a:r>
+                </a:p>
+              </p:txBody>
+            </p:sp>
+          </mc:Fallback>
+        </mc:AlternateContent>
+        <mc:AlternateContent xmlns:mc="http://schemas.openxmlformats.org/markup-compatibility/2006">
+          <mc:Choice xmlns:a14="http://schemas.microsoft.com/office/drawing/2010/main" Requires="a14">
+            <p:sp>
+              <p:nvSpPr>
+                <p:cNvPr id="8" name="TextBox 7">
+                  <a:extLst>
+                    <a:ext uri="{FF2B5EF4-FFF2-40B4-BE49-F238E27FC236}">
+                      <a16:creationId xmlns:a16="http://schemas.microsoft.com/office/drawing/2014/main" id="{EFCD5A19-1CD1-9F14-303B-D0F97514ADCD}"/>
+                    </a:ext>
+                  </a:extLst>
+                </p:cNvPr>
+                <p:cNvSpPr txBox="1"/>
+                <p:nvPr/>
+              </p:nvSpPr>
+              <p:spPr>
+                <a:xfrm>
+                  <a:off x="4631552" y="2309045"/>
+                  <a:ext cx="512641" cy="276999"/>
+                </a:xfrm>
+                <a:prstGeom prst="rect">
+                  <a:avLst/>
+                </a:prstGeom>
+                <a:noFill/>
+              </p:spPr>
+              <p:txBody>
+                <a:bodyPr wrap="square" lIns="0" tIns="0" rIns="0" bIns="0" rtlCol="0">
+                  <a:spAutoFit/>
+                </a:bodyPr>
+                <a:lstStyle/>
+                <a:p>
+                  <a:pPr/>
+                  <a14:m>
+                    <m:oMathPara xmlns:m="http://schemas.openxmlformats.org/officeDocument/2006/math">
+                      <m:oMathParaPr>
+                        <m:jc m:val="centerGroup"/>
+                      </m:oMathParaPr>
+                      <m:oMath xmlns:m="http://schemas.openxmlformats.org/officeDocument/2006/math">
+                        <m:sSub>
+                          <m:sSubPr>
+                            <m:ctrlPr>
+                              <a:rPr lang="en-US" b="0" i="1" smtClean="0">
+                                <a:solidFill>
+                                  <a:srgbClr val="0070C0"/>
+                                </a:solidFill>
+                                <a:latin typeface="Cambria Math" panose="02040503050406030204" pitchFamily="18" charset="0"/>
+                              </a:rPr>
+                            </m:ctrlPr>
+                          </m:sSubPr>
+                          <m:e>
+                            <m:r>
+                              <a:rPr lang="en-US" b="0" i="1" smtClean="0">
+                                <a:solidFill>
+                                  <a:srgbClr val="0070C0"/>
+                                </a:solidFill>
+                                <a:latin typeface="Cambria Math" panose="02040503050406030204" pitchFamily="18" charset="0"/>
+                              </a:rPr>
+                              <m:t>𝑅</m:t>
+                            </m:r>
+                          </m:e>
+                          <m:sub>
+                            <m:r>
+                              <a:rPr lang="en-US" b="0" i="1" smtClean="0">
+                                <a:solidFill>
+                                  <a:srgbClr val="0070C0"/>
+                                </a:solidFill>
+                                <a:latin typeface="Cambria Math" panose="02040503050406030204" pitchFamily="18" charset="0"/>
+                              </a:rPr>
+                              <m:t>𝑖</m:t>
+                            </m:r>
+                          </m:sub>
+                        </m:sSub>
+                      </m:oMath>
+                    </m:oMathPara>
+                  </a14:m>
+                  <a:endParaRPr lang="en-US" dirty="0">
+                    <a:solidFill>
+                      <a:srgbClr val="0070C0"/>
+                    </a:solidFill>
+                  </a:endParaRPr>
+                </a:p>
+              </p:txBody>
+            </p:sp>
+          </mc:Choice>
+          <mc:Fallback>
+            <p:sp>
+              <p:nvSpPr>
+                <p:cNvPr id="8" name="TextBox 7">
+                  <a:extLst>
+                    <a:ext uri="{FF2B5EF4-FFF2-40B4-BE49-F238E27FC236}">
+                      <a16:creationId xmlns:a16="http://schemas.microsoft.com/office/drawing/2014/main" id="{EFCD5A19-1CD1-9F14-303B-D0F97514ADCD}"/>
+                    </a:ext>
+                  </a:extLst>
+                </p:cNvPr>
+                <p:cNvSpPr txBox="1">
+                  <a:spLocks noRot="1" noChangeAspect="1" noMove="1" noResize="1" noEditPoints="1" noAdjustHandles="1" noChangeArrowheads="1" noChangeShapeType="1" noTextEdit="1"/>
+                </p:cNvSpPr>
+                <p:nvPr/>
+              </p:nvSpPr>
+              <p:spPr>
+                <a:xfrm>
+                  <a:off x="4631552" y="2309045"/>
+                  <a:ext cx="512641" cy="276999"/>
+                </a:xfrm>
+                <a:prstGeom prst="rect">
+                  <a:avLst/>
+                </a:prstGeom>
+                <a:blipFill>
+                  <a:blip r:embed="rId4"/>
+                  <a:stretch>
+                    <a:fillRect b="-17778"/>
+                  </a:stretch>
+                </a:blipFill>
+              </p:spPr>
+              <p:txBody>
+                <a:bodyPr/>
+                <a:lstStyle/>
+                <a:p>
+                  <a:r>
+                    <a:rPr lang="en-US">
+                      <a:noFill/>
+                    </a:rPr>
+                    <a:t> </a:t>
+                  </a:r>
+                </a:p>
+              </p:txBody>
+            </p:sp>
+          </mc:Fallback>
+        </mc:AlternateContent>
+        <mc:AlternateContent xmlns:mc="http://schemas.openxmlformats.org/markup-compatibility/2006">
+          <mc:Choice xmlns:a14="http://schemas.microsoft.com/office/drawing/2010/main" Requires="a14">
+            <p:sp>
+              <p:nvSpPr>
+                <p:cNvPr id="9" name="TextBox 8">
+                  <a:extLst>
+                    <a:ext uri="{FF2B5EF4-FFF2-40B4-BE49-F238E27FC236}">
+                      <a16:creationId xmlns:a16="http://schemas.microsoft.com/office/drawing/2014/main" id="{CBDA3597-82FE-28FF-7C8D-1419C5C8B794}"/>
+                    </a:ext>
+                  </a:extLst>
+                </p:cNvPr>
+                <p:cNvSpPr txBox="1"/>
+                <p:nvPr/>
+              </p:nvSpPr>
+              <p:spPr>
+                <a:xfrm>
+                  <a:off x="3421945" y="2352415"/>
+                  <a:ext cx="538447" cy="276999"/>
+                </a:xfrm>
+                <a:prstGeom prst="rect">
+                  <a:avLst/>
+                </a:prstGeom>
+                <a:noFill/>
+              </p:spPr>
+              <p:txBody>
+                <a:bodyPr wrap="square" lIns="0" tIns="0" rIns="0" bIns="0" rtlCol="0">
+                  <a:spAutoFit/>
+                </a:bodyPr>
+                <a:lstStyle/>
+                <a:p>
+                  <a:pPr/>
+                  <a14:m>
+                    <m:oMathPara xmlns:m="http://schemas.openxmlformats.org/officeDocument/2006/math">
+                      <m:oMathParaPr>
+                        <m:jc m:val="centerGroup"/>
+                      </m:oMathParaPr>
+                      <m:oMath xmlns:m="http://schemas.openxmlformats.org/officeDocument/2006/math">
+                        <m:sSub>
+                          <m:sSubPr>
+                            <m:ctrlPr>
+                              <a:rPr lang="en-US" b="0" i="1" smtClean="0">
+                                <a:solidFill>
+                                  <a:srgbClr val="0070C0"/>
+                                </a:solidFill>
+                                <a:latin typeface="Cambria Math" panose="02040503050406030204" pitchFamily="18" charset="0"/>
+                              </a:rPr>
+                            </m:ctrlPr>
+                          </m:sSubPr>
+                          <m:e>
+                            <m:r>
+                              <a:rPr lang="en-US" b="0" i="1" smtClean="0">
+                                <a:solidFill>
+                                  <a:srgbClr val="0070C0"/>
+                                </a:solidFill>
+                                <a:latin typeface="Cambria Math" panose="02040503050406030204" pitchFamily="18" charset="0"/>
+                              </a:rPr>
+                              <m:t>𝐶</m:t>
+                            </m:r>
+                          </m:e>
+                          <m:sub>
+                            <m:r>
+                              <a:rPr lang="en-US" b="0" i="1" smtClean="0">
+                                <a:solidFill>
+                                  <a:srgbClr val="0070C0"/>
+                                </a:solidFill>
+                                <a:latin typeface="Cambria Math" panose="02040503050406030204" pitchFamily="18" charset="0"/>
+                              </a:rPr>
+                              <m:t>𝑖</m:t>
+                            </m:r>
+                          </m:sub>
+                        </m:sSub>
+                      </m:oMath>
+                    </m:oMathPara>
+                  </a14:m>
+                  <a:endParaRPr lang="en-US" dirty="0">
+                    <a:solidFill>
+                      <a:srgbClr val="0070C0"/>
+                    </a:solidFill>
+                  </a:endParaRPr>
+                </a:p>
+              </p:txBody>
+            </p:sp>
+          </mc:Choice>
+          <mc:Fallback>
+            <p:sp>
+              <p:nvSpPr>
+                <p:cNvPr id="9" name="TextBox 8">
+                  <a:extLst>
+                    <a:ext uri="{FF2B5EF4-FFF2-40B4-BE49-F238E27FC236}">
+                      <a16:creationId xmlns:a16="http://schemas.microsoft.com/office/drawing/2014/main" id="{CBDA3597-82FE-28FF-7C8D-1419C5C8B794}"/>
+                    </a:ext>
+                  </a:extLst>
+                </p:cNvPr>
+                <p:cNvSpPr txBox="1">
+                  <a:spLocks noRot="1" noChangeAspect="1" noMove="1" noResize="1" noEditPoints="1" noAdjustHandles="1" noChangeArrowheads="1" noChangeShapeType="1" noTextEdit="1"/>
+                </p:cNvSpPr>
+                <p:nvPr/>
+              </p:nvSpPr>
+              <p:spPr>
+                <a:xfrm>
+                  <a:off x="3421945" y="2352415"/>
+                  <a:ext cx="538447" cy="276999"/>
+                </a:xfrm>
+                <a:prstGeom prst="rect">
+                  <a:avLst/>
+                </a:prstGeom>
+                <a:blipFill>
+                  <a:blip r:embed="rId5"/>
+                  <a:stretch>
+                    <a:fillRect b="-17778"/>
+                  </a:stretch>
+                </a:blipFill>
+              </p:spPr>
+              <p:txBody>
+                <a:bodyPr/>
+                <a:lstStyle/>
+                <a:p>
+                  <a:r>
+                    <a:rPr lang="en-US">
+                      <a:noFill/>
+                    </a:rPr>
+                    <a:t> </a:t>
+                  </a:r>
+                </a:p>
+              </p:txBody>
+            </p:sp>
+          </mc:Fallback>
+        </mc:AlternateContent>
+        <mc:AlternateContent xmlns:mc="http://schemas.openxmlformats.org/markup-compatibility/2006">
+          <mc:Choice xmlns:a14="http://schemas.microsoft.com/office/drawing/2010/main" Requires="a14">
+            <p:sp>
+              <p:nvSpPr>
+                <p:cNvPr id="10" name="TextBox 9">
+                  <a:extLst>
+                    <a:ext uri="{FF2B5EF4-FFF2-40B4-BE49-F238E27FC236}">
+                      <a16:creationId xmlns:a16="http://schemas.microsoft.com/office/drawing/2014/main" id="{ECDC325E-16AE-7624-4AE4-43EC2C6DEB53}"/>
+                    </a:ext>
+                  </a:extLst>
+                </p:cNvPr>
+                <p:cNvSpPr txBox="1"/>
+                <p:nvPr/>
+              </p:nvSpPr>
+              <p:spPr>
+                <a:xfrm>
+                  <a:off x="3338072" y="2778854"/>
+                  <a:ext cx="605935" cy="246221"/>
+                </a:xfrm>
+                <a:prstGeom prst="rect">
+                  <a:avLst/>
+                </a:prstGeom>
+                <a:noFill/>
+              </p:spPr>
+              <p:txBody>
+                <a:bodyPr wrap="none" lIns="0" tIns="0" rIns="0" bIns="0" rtlCol="0">
+                  <a:spAutoFit/>
+                </a:bodyPr>
+                <a:lstStyle/>
+                <a:p>
+                  <a:pPr/>
+                  <a14:m>
+                    <m:oMathPara xmlns:m="http://schemas.openxmlformats.org/officeDocument/2006/math">
+                      <m:oMathParaPr>
+                        <m:jc m:val="centerGroup"/>
+                      </m:oMathParaPr>
+                      <m:oMath xmlns:m="http://schemas.openxmlformats.org/officeDocument/2006/math">
+                        <m:r>
+                          <a:rPr lang="en-US" sz="1600" b="0" i="1" smtClean="0">
+                            <a:solidFill>
+                              <a:schemeClr val="accent6">
+                                <a:lumMod val="75000"/>
+                              </a:schemeClr>
+                            </a:solidFill>
+                            <a:latin typeface="Cambria Math" panose="02040503050406030204" pitchFamily="18" charset="0"/>
+                          </a:rPr>
+                          <m:t>4.7 </m:t>
+                        </m:r>
+                        <m:r>
+                          <a:rPr lang="en-US" sz="1600" b="0" i="1" smtClean="0">
+                            <a:solidFill>
+                              <a:schemeClr val="accent6">
+                                <a:lumMod val="75000"/>
+                              </a:schemeClr>
+                            </a:solidFill>
+                            <a:latin typeface="Cambria Math" panose="02040503050406030204" pitchFamily="18" charset="0"/>
+                          </a:rPr>
+                          <m:t>𝜇</m:t>
+                        </m:r>
+                        <m:r>
+                          <a:rPr lang="en-US" sz="1600" b="0" i="1" smtClean="0">
+                            <a:solidFill>
+                              <a:schemeClr val="accent6">
+                                <a:lumMod val="75000"/>
+                              </a:schemeClr>
+                            </a:solidFill>
+                            <a:latin typeface="Cambria Math" panose="02040503050406030204" pitchFamily="18" charset="0"/>
+                          </a:rPr>
+                          <m:t>𝐹</m:t>
+                        </m:r>
+                      </m:oMath>
+                    </m:oMathPara>
+                  </a14:m>
+                  <a:endParaRPr lang="en-US" sz="1600" dirty="0">
+                    <a:solidFill>
+                      <a:schemeClr val="accent6">
+                        <a:lumMod val="75000"/>
+                      </a:schemeClr>
+                    </a:solidFill>
+                  </a:endParaRPr>
+                </a:p>
+              </p:txBody>
+            </p:sp>
+          </mc:Choice>
+          <mc:Fallback>
+            <p:sp>
+              <p:nvSpPr>
+                <p:cNvPr id="10" name="TextBox 9">
+                  <a:extLst>
+                    <a:ext uri="{FF2B5EF4-FFF2-40B4-BE49-F238E27FC236}">
+                      <a16:creationId xmlns:a16="http://schemas.microsoft.com/office/drawing/2014/main" id="{ECDC325E-16AE-7624-4AE4-43EC2C6DEB53}"/>
+                    </a:ext>
+                  </a:extLst>
+                </p:cNvPr>
+                <p:cNvSpPr txBox="1">
+                  <a:spLocks noRot="1" noChangeAspect="1" noMove="1" noResize="1" noEditPoints="1" noAdjustHandles="1" noChangeArrowheads="1" noChangeShapeType="1" noTextEdit="1"/>
+                </p:cNvSpPr>
+                <p:nvPr/>
+              </p:nvSpPr>
+              <p:spPr>
+                <a:xfrm>
+                  <a:off x="3338072" y="2778854"/>
+                  <a:ext cx="605935" cy="246221"/>
+                </a:xfrm>
+                <a:prstGeom prst="rect">
+                  <a:avLst/>
+                </a:prstGeom>
+                <a:blipFill>
+                  <a:blip r:embed="rId6"/>
+                  <a:stretch>
+                    <a:fillRect l="-8081" r="-8081" b="-27500"/>
+                  </a:stretch>
+                </a:blipFill>
+              </p:spPr>
+              <p:txBody>
+                <a:bodyPr/>
+                <a:lstStyle/>
+                <a:p>
+                  <a:r>
+                    <a:rPr lang="en-US">
+                      <a:noFill/>
+                    </a:rPr>
+                    <a:t> </a:t>
+                  </a:r>
+                </a:p>
+              </p:txBody>
+            </p:sp>
+          </mc:Fallback>
+        </mc:AlternateContent>
+        <mc:AlternateContent xmlns:mc="http://schemas.openxmlformats.org/markup-compatibility/2006">
+          <mc:Choice xmlns:a14="http://schemas.microsoft.com/office/drawing/2010/main" Requires="a14">
+            <p:sp>
+              <p:nvSpPr>
+                <p:cNvPr id="11" name="TextBox 10">
+                  <a:extLst>
+                    <a:ext uri="{FF2B5EF4-FFF2-40B4-BE49-F238E27FC236}">
+                      <a16:creationId xmlns:a16="http://schemas.microsoft.com/office/drawing/2014/main" id="{71CB910A-3E1A-ECF7-462D-E025ACCB617F}"/>
+                    </a:ext>
+                  </a:extLst>
+                </p:cNvPr>
+                <p:cNvSpPr txBox="1"/>
+                <p:nvPr/>
+              </p:nvSpPr>
+              <p:spPr>
+                <a:xfrm>
+                  <a:off x="4603340" y="2901964"/>
+                  <a:ext cx="458459" cy="246221"/>
+                </a:xfrm>
+                <a:prstGeom prst="rect">
+                  <a:avLst/>
+                </a:prstGeom>
+                <a:noFill/>
+              </p:spPr>
+              <p:txBody>
+                <a:bodyPr wrap="none" lIns="0" tIns="0" rIns="0" bIns="0" rtlCol="0">
+                  <a:spAutoFit/>
+                </a:bodyPr>
+                <a:lstStyle/>
+                <a:p>
+                  <a:pPr/>
+                  <a14:m>
+                    <m:oMathPara xmlns:m="http://schemas.openxmlformats.org/officeDocument/2006/math">
+                      <m:oMathParaPr>
+                        <m:jc m:val="centerGroup"/>
+                      </m:oMathParaPr>
+                      <m:oMath xmlns:m="http://schemas.openxmlformats.org/officeDocument/2006/math">
+                        <m:r>
+                          <a:rPr lang="en-US" sz="1600" i="1" smtClean="0">
+                            <a:solidFill>
+                              <a:schemeClr val="accent6">
+                                <a:lumMod val="75000"/>
+                              </a:schemeClr>
+                            </a:solidFill>
+                            <a:latin typeface="Cambria Math" panose="02040503050406030204" pitchFamily="18" charset="0"/>
+                          </a:rPr>
+                          <m:t>5</m:t>
+                        </m:r>
+                        <m:r>
+                          <a:rPr lang="en-US" sz="1600" b="0" i="1" smtClean="0">
+                            <a:solidFill>
+                              <a:schemeClr val="accent6">
+                                <a:lumMod val="75000"/>
+                              </a:schemeClr>
+                            </a:solidFill>
+                            <a:latin typeface="Cambria Math" panose="02040503050406030204" pitchFamily="18" charset="0"/>
+                          </a:rPr>
+                          <m:t> </m:t>
+                        </m:r>
+                        <m:r>
+                          <a:rPr lang="en-US" sz="1600" b="0" i="1" smtClean="0">
+                            <a:solidFill>
+                              <a:schemeClr val="accent6">
+                                <a:lumMod val="75000"/>
+                              </a:schemeClr>
+                            </a:solidFill>
+                            <a:latin typeface="Cambria Math" panose="02040503050406030204" pitchFamily="18" charset="0"/>
+                          </a:rPr>
+                          <m:t>𝑘</m:t>
+                        </m:r>
+                        <m:r>
+                          <m:rPr>
+                            <m:sty m:val="p"/>
+                          </m:rPr>
+                          <a:rPr lang="en-US" sz="1600" b="0" i="0" smtClean="0">
+                            <a:solidFill>
+                              <a:schemeClr val="accent6">
+                                <a:lumMod val="75000"/>
+                              </a:schemeClr>
+                            </a:solidFill>
+                            <a:latin typeface="Cambria Math" panose="02040503050406030204" pitchFamily="18" charset="0"/>
+                          </a:rPr>
+                          <m:t>Ω</m:t>
+                        </m:r>
+                      </m:oMath>
+                    </m:oMathPara>
+                  </a14:m>
+                  <a:endParaRPr lang="en-US" sz="1600" dirty="0">
+                    <a:solidFill>
+                      <a:schemeClr val="accent6">
+                        <a:lumMod val="75000"/>
+                      </a:schemeClr>
+                    </a:solidFill>
+                  </a:endParaRPr>
+                </a:p>
+              </p:txBody>
+            </p:sp>
+          </mc:Choice>
+          <mc:Fallback>
+            <p:sp>
+              <p:nvSpPr>
+                <p:cNvPr id="11" name="TextBox 10">
+                  <a:extLst>
+                    <a:ext uri="{FF2B5EF4-FFF2-40B4-BE49-F238E27FC236}">
+                      <a16:creationId xmlns:a16="http://schemas.microsoft.com/office/drawing/2014/main" id="{71CB910A-3E1A-ECF7-462D-E025ACCB617F}"/>
+                    </a:ext>
+                  </a:extLst>
+                </p:cNvPr>
+                <p:cNvSpPr txBox="1">
+                  <a:spLocks noRot="1" noChangeAspect="1" noMove="1" noResize="1" noEditPoints="1" noAdjustHandles="1" noChangeArrowheads="1" noChangeShapeType="1" noTextEdit="1"/>
+                </p:cNvSpPr>
+                <p:nvPr/>
+              </p:nvSpPr>
+              <p:spPr>
+                <a:xfrm>
+                  <a:off x="4603340" y="2901964"/>
+                  <a:ext cx="458459" cy="246221"/>
+                </a:xfrm>
+                <a:prstGeom prst="rect">
+                  <a:avLst/>
+                </a:prstGeom>
+                <a:blipFill>
+                  <a:blip r:embed="rId7"/>
+                  <a:stretch>
+                    <a:fillRect l="-10667" r="-9333" b="-7500"/>
+                  </a:stretch>
+                </a:blipFill>
+              </p:spPr>
+              <p:txBody>
+                <a:bodyPr/>
+                <a:lstStyle/>
+                <a:p>
+                  <a:r>
+                    <a:rPr lang="en-US">
+                      <a:noFill/>
+                    </a:rPr>
+                    <a:t> </a:t>
+                  </a:r>
+                </a:p>
+              </p:txBody>
+            </p:sp>
+          </mc:Fallback>
+        </mc:AlternateContent>
+        <mc:AlternateContent xmlns:mc="http://schemas.openxmlformats.org/markup-compatibility/2006">
+          <mc:Choice xmlns:a14="http://schemas.microsoft.com/office/drawing/2010/main" Requires="a14">
+            <p:sp>
+              <p:nvSpPr>
+                <p:cNvPr id="12" name="TextBox 11">
+                  <a:extLst>
+                    <a:ext uri="{FF2B5EF4-FFF2-40B4-BE49-F238E27FC236}">
+                      <a16:creationId xmlns:a16="http://schemas.microsoft.com/office/drawing/2014/main" id="{776ECC5D-22EF-6781-C05C-7D6066F0C5F8}"/>
+                    </a:ext>
+                  </a:extLst>
+                </p:cNvPr>
+                <p:cNvSpPr txBox="1"/>
+                <p:nvPr/>
+              </p:nvSpPr>
+              <p:spPr>
+                <a:xfrm>
+                  <a:off x="5958785" y="1967694"/>
+                  <a:ext cx="458459" cy="246221"/>
+                </a:xfrm>
+                <a:prstGeom prst="rect">
+                  <a:avLst/>
+                </a:prstGeom>
+                <a:noFill/>
+              </p:spPr>
+              <p:txBody>
+                <a:bodyPr wrap="none" lIns="0" tIns="0" rIns="0" bIns="0" rtlCol="0">
+                  <a:spAutoFit/>
+                </a:bodyPr>
+                <a:lstStyle/>
+                <a:p>
+                  <a:pPr/>
+                  <a14:m>
+                    <m:oMathPara xmlns:m="http://schemas.openxmlformats.org/officeDocument/2006/math">
+                      <m:oMathParaPr>
+                        <m:jc m:val="centerGroup"/>
+                      </m:oMathParaPr>
+                      <m:oMath xmlns:m="http://schemas.openxmlformats.org/officeDocument/2006/math">
+                        <m:r>
+                          <a:rPr lang="en-US" sz="1600" b="0" i="1" smtClean="0">
+                            <a:solidFill>
+                              <a:schemeClr val="accent6">
+                                <a:lumMod val="75000"/>
+                              </a:schemeClr>
+                            </a:solidFill>
+                            <a:latin typeface="Cambria Math" panose="02040503050406030204" pitchFamily="18" charset="0"/>
+                          </a:rPr>
+                          <m:t>5</m:t>
+                        </m:r>
+                        <m:r>
+                          <a:rPr lang="en-US" sz="1600" b="0" i="1" smtClean="0">
+                            <a:solidFill>
+                              <a:schemeClr val="accent6">
+                                <a:lumMod val="75000"/>
+                              </a:schemeClr>
+                            </a:solidFill>
+                            <a:latin typeface="Cambria Math" panose="02040503050406030204" pitchFamily="18" charset="0"/>
+                          </a:rPr>
+                          <m:t> </m:t>
+                        </m:r>
+                        <m:r>
+                          <a:rPr lang="en-US" sz="1600" b="0" i="1" smtClean="0">
+                            <a:solidFill>
+                              <a:schemeClr val="accent6">
+                                <a:lumMod val="75000"/>
+                              </a:schemeClr>
+                            </a:solidFill>
+                            <a:latin typeface="Cambria Math" panose="02040503050406030204" pitchFamily="18" charset="0"/>
+                          </a:rPr>
+                          <m:t>𝑘</m:t>
+                        </m:r>
+                        <m:r>
+                          <m:rPr>
+                            <m:sty m:val="p"/>
+                          </m:rPr>
+                          <a:rPr lang="en-US" sz="1600" b="0" i="0" smtClean="0">
+                            <a:solidFill>
+                              <a:schemeClr val="accent6">
+                                <a:lumMod val="75000"/>
+                              </a:schemeClr>
+                            </a:solidFill>
+                            <a:latin typeface="Cambria Math" panose="02040503050406030204" pitchFamily="18" charset="0"/>
+                          </a:rPr>
+                          <m:t>Ω</m:t>
+                        </m:r>
+                      </m:oMath>
+                    </m:oMathPara>
+                  </a14:m>
+                  <a:endParaRPr lang="en-US" sz="1600" dirty="0">
+                    <a:solidFill>
+                      <a:schemeClr val="accent6">
+                        <a:lumMod val="75000"/>
+                      </a:schemeClr>
+                    </a:solidFill>
+                  </a:endParaRPr>
+                </a:p>
+              </p:txBody>
+            </p:sp>
+          </mc:Choice>
+          <mc:Fallback>
+            <p:sp>
+              <p:nvSpPr>
+                <p:cNvPr id="12" name="TextBox 11">
+                  <a:extLst>
+                    <a:ext uri="{FF2B5EF4-FFF2-40B4-BE49-F238E27FC236}">
+                      <a16:creationId xmlns:a16="http://schemas.microsoft.com/office/drawing/2014/main" id="{776ECC5D-22EF-6781-C05C-7D6066F0C5F8}"/>
+                    </a:ext>
+                  </a:extLst>
+                </p:cNvPr>
+                <p:cNvSpPr txBox="1">
+                  <a:spLocks noRot="1" noChangeAspect="1" noMove="1" noResize="1" noEditPoints="1" noAdjustHandles="1" noChangeArrowheads="1" noChangeShapeType="1" noTextEdit="1"/>
+                </p:cNvSpPr>
+                <p:nvPr/>
+              </p:nvSpPr>
+              <p:spPr>
+                <a:xfrm>
+                  <a:off x="5958785" y="1967694"/>
+                  <a:ext cx="458459" cy="246221"/>
+                </a:xfrm>
+                <a:prstGeom prst="rect">
+                  <a:avLst/>
+                </a:prstGeom>
+                <a:blipFill>
+                  <a:blip r:embed="rId8"/>
+                  <a:stretch>
+                    <a:fillRect l="-10526" r="-7895" b="-7500"/>
+                  </a:stretch>
+                </a:blipFill>
+              </p:spPr>
+              <p:txBody>
+                <a:bodyPr/>
+                <a:lstStyle/>
+                <a:p>
+                  <a:r>
+                    <a:rPr lang="en-US">
+                      <a:noFill/>
+                    </a:rPr>
+                    <a:t> </a:t>
+                  </a:r>
+                </a:p>
+              </p:txBody>
+            </p:sp>
+          </mc:Fallback>
+        </mc:AlternateContent>
+        <mc:AlternateContent xmlns:mc="http://schemas.openxmlformats.org/markup-compatibility/2006">
+          <mc:Choice xmlns:a14="http://schemas.microsoft.com/office/drawing/2010/main" Requires="a14">
+            <p:sp>
+              <p:nvSpPr>
+                <p:cNvPr id="13" name="TextBox 12">
+                  <a:extLst>
+                    <a:ext uri="{FF2B5EF4-FFF2-40B4-BE49-F238E27FC236}">
+                      <a16:creationId xmlns:a16="http://schemas.microsoft.com/office/drawing/2014/main" id="{7715A496-08E4-5177-6176-599D84CBB5E9}"/>
+                    </a:ext>
+                  </a:extLst>
+                </p:cNvPr>
+                <p:cNvSpPr txBox="1"/>
+                <p:nvPr/>
+              </p:nvSpPr>
+              <p:spPr>
+                <a:xfrm>
+                  <a:off x="7681540" y="2586044"/>
+                  <a:ext cx="471860" cy="276999"/>
+                </a:xfrm>
+                <a:prstGeom prst="rect">
+                  <a:avLst/>
+                </a:prstGeom>
+                <a:noFill/>
+              </p:spPr>
+              <p:txBody>
+                <a:bodyPr wrap="none" lIns="0" tIns="0" rIns="0" bIns="0" rtlCol="0">
+                  <a:spAutoFit/>
+                </a:bodyPr>
+                <a:lstStyle/>
+                <a:p>
+                  <a:pPr/>
+                  <a14:m>
+                    <m:oMathPara xmlns:m="http://schemas.openxmlformats.org/officeDocument/2006/math">
+                      <m:oMathParaPr>
+                        <m:jc m:val="centerGroup"/>
+                      </m:oMathParaPr>
+                      <m:oMath xmlns:m="http://schemas.openxmlformats.org/officeDocument/2006/math">
+                        <m:sSub>
+                          <m:sSubPr>
+                            <m:ctrlPr>
+                              <a:rPr lang="en-US" b="0" i="1" smtClean="0">
+                                <a:solidFill>
+                                  <a:srgbClr val="0070C0"/>
+                                </a:solidFill>
+                                <a:latin typeface="Cambria Math" panose="02040503050406030204" pitchFamily="18" charset="0"/>
+                              </a:rPr>
+                            </m:ctrlPr>
+                          </m:sSubPr>
+                          <m:e>
+                            <m:r>
+                              <a:rPr lang="en-US" b="0" i="1" smtClean="0">
+                                <a:solidFill>
+                                  <a:srgbClr val="0070C0"/>
+                                </a:solidFill>
+                                <a:latin typeface="Cambria Math" panose="02040503050406030204" pitchFamily="18" charset="0"/>
+                              </a:rPr>
+                              <m:t>𝑣</m:t>
+                            </m:r>
+                          </m:e>
+                          <m:sub>
+                            <m:r>
+                              <a:rPr lang="en-US" b="0" i="1" smtClean="0">
+                                <a:solidFill>
+                                  <a:srgbClr val="0070C0"/>
+                                </a:solidFill>
+                                <a:latin typeface="Cambria Math" panose="02040503050406030204" pitchFamily="18" charset="0"/>
+                              </a:rPr>
+                              <m:t>𝑜𝑢𝑡</m:t>
+                            </m:r>
+                          </m:sub>
+                        </m:sSub>
+                      </m:oMath>
+                    </m:oMathPara>
+                  </a14:m>
+                  <a:endParaRPr lang="en-US" dirty="0">
+                    <a:solidFill>
+                      <a:srgbClr val="0070C0"/>
+                    </a:solidFill>
+                  </a:endParaRPr>
+                </a:p>
+              </p:txBody>
+            </p:sp>
+          </mc:Choice>
+          <mc:Fallback>
+            <p:sp>
+              <p:nvSpPr>
+                <p:cNvPr id="13" name="TextBox 12">
+                  <a:extLst>
+                    <a:ext uri="{FF2B5EF4-FFF2-40B4-BE49-F238E27FC236}">
+                      <a16:creationId xmlns:a16="http://schemas.microsoft.com/office/drawing/2014/main" id="{7715A496-08E4-5177-6176-599D84CBB5E9}"/>
+                    </a:ext>
+                  </a:extLst>
+                </p:cNvPr>
+                <p:cNvSpPr txBox="1">
+                  <a:spLocks noRot="1" noChangeAspect="1" noMove="1" noResize="1" noEditPoints="1" noAdjustHandles="1" noChangeArrowheads="1" noChangeShapeType="1" noTextEdit="1"/>
+                </p:cNvSpPr>
+                <p:nvPr/>
+              </p:nvSpPr>
+              <p:spPr>
+                <a:xfrm>
+                  <a:off x="7681540" y="2586044"/>
+                  <a:ext cx="471860" cy="276999"/>
+                </a:xfrm>
+                <a:prstGeom prst="rect">
+                  <a:avLst/>
+                </a:prstGeom>
+                <a:blipFill>
+                  <a:blip r:embed="rId9"/>
+                  <a:stretch>
+                    <a:fillRect l="-6410" r="-2564" b="-13043"/>
+                  </a:stretch>
+                </a:blipFill>
+              </p:spPr>
+              <p:txBody>
+                <a:bodyPr/>
+                <a:lstStyle/>
+                <a:p>
+                  <a:r>
+                    <a:rPr lang="en-US">
+                      <a:noFill/>
+                    </a:rPr>
+                    <a:t> </a:t>
+                  </a:r>
+                </a:p>
+              </p:txBody>
+            </p:sp>
+          </mc:Fallback>
+        </mc:AlternateContent>
+        <mc:AlternateContent xmlns:mc="http://schemas.openxmlformats.org/markup-compatibility/2006">
+          <mc:Choice xmlns:a14="http://schemas.microsoft.com/office/drawing/2010/main" Requires="a14">
+            <p:sp>
+              <p:nvSpPr>
+                <p:cNvPr id="14" name="TextBox 13">
+                  <a:extLst>
+                    <a:ext uri="{FF2B5EF4-FFF2-40B4-BE49-F238E27FC236}">
+                      <a16:creationId xmlns:a16="http://schemas.microsoft.com/office/drawing/2014/main" id="{98BDD143-2B71-892D-F1B9-1A3123616F84}"/>
+                    </a:ext>
+                  </a:extLst>
+                </p:cNvPr>
+                <p:cNvSpPr txBox="1"/>
+                <p:nvPr/>
+              </p:nvSpPr>
+              <p:spPr>
+                <a:xfrm>
+                  <a:off x="5958785" y="1336548"/>
+                  <a:ext cx="512641" cy="299249"/>
+                </a:xfrm>
+                <a:prstGeom prst="rect">
+                  <a:avLst/>
+                </a:prstGeom>
+                <a:noFill/>
+              </p:spPr>
+              <p:txBody>
+                <a:bodyPr wrap="square" lIns="0" tIns="0" rIns="0" bIns="0" rtlCol="0">
+                  <a:spAutoFit/>
+                </a:bodyPr>
+                <a:lstStyle/>
+                <a:p>
+                  <a:pPr/>
+                  <a14:m>
+                    <m:oMathPara xmlns:m="http://schemas.openxmlformats.org/officeDocument/2006/math">
+                      <m:oMathParaPr>
+                        <m:jc m:val="centerGroup"/>
+                      </m:oMathParaPr>
+                      <m:oMath xmlns:m="http://schemas.openxmlformats.org/officeDocument/2006/math">
+                        <m:sSub>
+                          <m:sSubPr>
+                            <m:ctrlPr>
+                              <a:rPr lang="en-US" b="0" i="1" smtClean="0">
+                                <a:solidFill>
+                                  <a:srgbClr val="0070C0"/>
+                                </a:solidFill>
+                                <a:latin typeface="Cambria Math" panose="02040503050406030204" pitchFamily="18" charset="0"/>
+                              </a:rPr>
+                            </m:ctrlPr>
+                          </m:sSubPr>
+                          <m:e>
+                            <m:r>
+                              <a:rPr lang="en-US" b="0" i="1" smtClean="0">
+                                <a:solidFill>
+                                  <a:srgbClr val="0070C0"/>
+                                </a:solidFill>
+                                <a:latin typeface="Cambria Math" panose="02040503050406030204" pitchFamily="18" charset="0"/>
+                              </a:rPr>
+                              <m:t>𝑅</m:t>
+                            </m:r>
+                          </m:e>
+                          <m:sub>
+                            <m:r>
+                              <a:rPr lang="en-US" b="0" i="1" smtClean="0">
+                                <a:solidFill>
+                                  <a:srgbClr val="0070C0"/>
+                                </a:solidFill>
+                                <a:latin typeface="Cambria Math" panose="02040503050406030204" pitchFamily="18" charset="0"/>
+                              </a:rPr>
+                              <m:t>𝑓</m:t>
+                            </m:r>
+                          </m:sub>
+                        </m:sSub>
+                      </m:oMath>
+                    </m:oMathPara>
+                  </a14:m>
+                  <a:endParaRPr lang="en-US" dirty="0">
+                    <a:solidFill>
+                      <a:srgbClr val="0070C0"/>
+                    </a:solidFill>
+                  </a:endParaRPr>
+                </a:p>
+              </p:txBody>
+            </p:sp>
+          </mc:Choice>
+          <mc:Fallback>
+            <p:sp>
+              <p:nvSpPr>
+                <p:cNvPr id="14" name="TextBox 13">
+                  <a:extLst>
+                    <a:ext uri="{FF2B5EF4-FFF2-40B4-BE49-F238E27FC236}">
+                      <a16:creationId xmlns:a16="http://schemas.microsoft.com/office/drawing/2014/main" id="{98BDD143-2B71-892D-F1B9-1A3123616F84}"/>
+                    </a:ext>
+                  </a:extLst>
+                </p:cNvPr>
+                <p:cNvSpPr txBox="1">
+                  <a:spLocks noRot="1" noChangeAspect="1" noMove="1" noResize="1" noEditPoints="1" noAdjustHandles="1" noChangeArrowheads="1" noChangeShapeType="1" noTextEdit="1"/>
+                </p:cNvSpPr>
+                <p:nvPr/>
+              </p:nvSpPr>
+              <p:spPr>
+                <a:xfrm>
+                  <a:off x="5958785" y="1336548"/>
+                  <a:ext cx="512641" cy="299249"/>
+                </a:xfrm>
+                <a:prstGeom prst="rect">
+                  <a:avLst/>
+                </a:prstGeom>
+                <a:blipFill>
+                  <a:blip r:embed="rId10"/>
+                  <a:stretch>
+                    <a:fillRect b="-28571"/>
+                  </a:stretch>
+                </a:blipFill>
+              </p:spPr>
+              <p:txBody>
+                <a:bodyPr/>
+                <a:lstStyle/>
+                <a:p>
+                  <a:r>
+                    <a:rPr lang="en-US">
+                      <a:noFill/>
+                    </a:rPr>
+                    <a:t> </a:t>
+                  </a:r>
+                </a:p>
+              </p:txBody>
+            </p:sp>
+          </mc:Fallback>
+        </mc:AlternateContent>
+      </p:grpSp>
     </p:spTree>
     <p:extLst>
       <p:ext uri="{BB962C8B-B14F-4D97-AF65-F5344CB8AC3E}">
         <p14:creationId xmlns:p14="http://schemas.microsoft.com/office/powerpoint/2010/main" val="568498576"/>
+      </p:ext>
+    </p:extLst>
+  </p:cSld>
+  <p:clrMapOvr>
+    <a:masterClrMapping/>
+  </p:clrMapOvr>
+</p:sld>
+</file>
+
+<file path=ppt/slides/slide7.xml><?xml version="1.0" encoding="utf-8"?>
+<p:sld xmlns:a="http://schemas.openxmlformats.org/drawingml/2006/main" xmlns:r="http://schemas.openxmlformats.org/officeDocument/2006/relationships" xmlns:p="http://schemas.openxmlformats.org/presentationml/2006/main">
+  <p:cSld>
+    <p:spTree>
+      <p:nvGrpSpPr>
+        <p:cNvPr id="1" name=""/>
+        <p:cNvGrpSpPr/>
+        <p:nvPr/>
+      </p:nvGrpSpPr>
+      <p:grpSpPr>
+        <a:xfrm>
+          <a:off x="0" y="0"/>
+          <a:ext cx="0" cy="0"/>
+          <a:chOff x="0" y="0"/>
+          <a:chExt cx="0" cy="0"/>
+        </a:xfrm>
+      </p:grpSpPr>
+      <p:sp>
+        <p:nvSpPr>
+          <p:cNvPr id="2" name="Date Placeholder 1">
+            <a:extLst>
+              <a:ext uri="{FF2B5EF4-FFF2-40B4-BE49-F238E27FC236}">
+                <a16:creationId xmlns:a16="http://schemas.microsoft.com/office/drawing/2014/main" id="{4CBB1CED-E983-576D-6E03-D74071C7F8F5}"/>
+              </a:ext>
+            </a:extLst>
+          </p:cNvPr>
+          <p:cNvSpPr>
+            <a:spLocks noGrp="1"/>
+          </p:cNvSpPr>
+          <p:nvPr>
+            <p:ph type="dt" sz="half" idx="10"/>
+          </p:nvPr>
+        </p:nvSpPr>
+        <p:spPr/>
+        <p:txBody>
+          <a:bodyPr/>
+          <a:lstStyle/>
+          <a:p>
+            <a:fld id="{B436CE5D-5D4E-484A-81E4-B90EF796B9F0}" type="datetime1">
+              <a:rPr lang="en-US" smtClean="0"/>
+              <a:t>6/6/2025</a:t>
+            </a:fld>
+            <a:endParaRPr lang="en-US" dirty="0"/>
+          </a:p>
+        </p:txBody>
+      </p:sp>
+      <p:sp>
+        <p:nvSpPr>
+          <p:cNvPr id="3" name="Footer Placeholder 2">
+            <a:extLst>
+              <a:ext uri="{FF2B5EF4-FFF2-40B4-BE49-F238E27FC236}">
+                <a16:creationId xmlns:a16="http://schemas.microsoft.com/office/drawing/2014/main" id="{913AE5F4-8B01-E22F-2A47-D175B8DF373C}"/>
+              </a:ext>
+            </a:extLst>
+          </p:cNvPr>
+          <p:cNvSpPr>
+            <a:spLocks noGrp="1"/>
+          </p:cNvSpPr>
+          <p:nvPr>
+            <p:ph type="ftr" sz="quarter" idx="11"/>
+          </p:nvPr>
+        </p:nvSpPr>
+        <p:spPr/>
+        <p:txBody>
+          <a:bodyPr/>
+          <a:lstStyle/>
+          <a:p>
+            <a:r>
+              <a:rPr lang="en-US"/>
+              <a:t>© Silicon Institute of Technology</a:t>
+            </a:r>
+            <a:endParaRPr lang="en-US" dirty="0"/>
+          </a:p>
+        </p:txBody>
+      </p:sp>
+      <p:sp>
+        <p:nvSpPr>
+          <p:cNvPr id="4" name="Slide Number Placeholder 3">
+            <a:extLst>
+              <a:ext uri="{FF2B5EF4-FFF2-40B4-BE49-F238E27FC236}">
+                <a16:creationId xmlns:a16="http://schemas.microsoft.com/office/drawing/2014/main" id="{569F352B-82C4-C538-7CD1-7C95346BECA4}"/>
+              </a:ext>
+            </a:extLst>
+          </p:cNvPr>
+          <p:cNvSpPr>
+            <a:spLocks noGrp="1"/>
+          </p:cNvSpPr>
+          <p:nvPr>
+            <p:ph type="sldNum" sz="quarter" idx="12"/>
+          </p:nvPr>
+        </p:nvSpPr>
+        <p:spPr/>
+        <p:txBody>
+          <a:bodyPr/>
+          <a:lstStyle/>
+          <a:p>
+            <a:fld id="{C864B691-33EC-4159-AC63-9E0491782999}" type="slidenum">
+              <a:rPr lang="en-US" smtClean="0"/>
+              <a:t>7</a:t>
+            </a:fld>
+            <a:endParaRPr lang="en-US"/>
+          </a:p>
+        </p:txBody>
+      </p:sp>
+      <p:grpSp>
+        <p:nvGrpSpPr>
+          <p:cNvPr id="42" name="Group 41">
+            <a:extLst>
+              <a:ext uri="{FF2B5EF4-FFF2-40B4-BE49-F238E27FC236}">
+                <a16:creationId xmlns:a16="http://schemas.microsoft.com/office/drawing/2014/main" id="{FCEC0AB4-405A-52C5-0C0A-36C224D7442C}"/>
+              </a:ext>
+            </a:extLst>
+          </p:cNvPr>
+          <p:cNvGrpSpPr/>
+          <p:nvPr/>
+        </p:nvGrpSpPr>
+        <p:grpSpPr>
+          <a:xfrm>
+            <a:off x="390808" y="1919275"/>
+            <a:ext cx="11052614" cy="2616149"/>
+            <a:chOff x="527968" y="1836979"/>
+            <a:chExt cx="11052614" cy="2616149"/>
+          </a:xfrm>
+        </p:grpSpPr>
+        <p:sp>
+          <p:nvSpPr>
+            <p:cNvPr id="17" name="Rectangle 16">
+              <a:extLst>
+                <a:ext uri="{FF2B5EF4-FFF2-40B4-BE49-F238E27FC236}">
+                  <a16:creationId xmlns:a16="http://schemas.microsoft.com/office/drawing/2014/main" id="{F076ADC8-030B-7FA7-7DA7-62FD0F8DC4A8}"/>
+                </a:ext>
+              </a:extLst>
+            </p:cNvPr>
+            <p:cNvSpPr/>
+            <p:nvPr/>
+          </p:nvSpPr>
+          <p:spPr>
+            <a:xfrm>
+              <a:off x="527968" y="1836979"/>
+              <a:ext cx="10984086" cy="2616149"/>
+            </a:xfrm>
+            <a:prstGeom prst="rect">
+              <a:avLst/>
+            </a:prstGeom>
+            <a:solidFill>
+              <a:schemeClr val="bg1"/>
+            </a:solidFill>
+            <a:ln>
+              <a:noFill/>
+            </a:ln>
+          </p:spPr>
+          <p:style>
+            <a:lnRef idx="2">
+              <a:schemeClr val="accent1">
+                <a:shade val="15000"/>
+              </a:schemeClr>
+            </a:lnRef>
+            <a:fillRef idx="1">
+              <a:schemeClr val="accent1"/>
+            </a:fillRef>
+            <a:effectRef idx="0">
+              <a:schemeClr val="accent1"/>
+            </a:effectRef>
+            <a:fontRef idx="minor">
+              <a:schemeClr val="lt1"/>
+            </a:fontRef>
+          </p:style>
+          <p:txBody>
+            <a:bodyPr rtlCol="0" anchor="ctr"/>
+            <a:lstStyle/>
+            <a:p>
+              <a:pPr algn="ctr"/>
+              <a:r>
+                <a:rPr lang="en-US" dirty="0"/>
+                <a:t>(a</a:t>
+              </a:r>
+            </a:p>
+          </p:txBody>
+        </p:sp>
+        <p:pic>
+          <p:nvPicPr>
+            <p:cNvPr id="6" name="Picture 5">
+              <a:extLst>
+                <a:ext uri="{FF2B5EF4-FFF2-40B4-BE49-F238E27FC236}">
+                  <a16:creationId xmlns:a16="http://schemas.microsoft.com/office/drawing/2014/main" id="{2CA1468D-2957-5365-45B3-3CAB3F1AADCB}"/>
+                </a:ext>
+              </a:extLst>
+            </p:cNvPr>
+            <p:cNvPicPr>
+              <a:picLocks noChangeAspect="1"/>
+            </p:cNvPicPr>
+            <p:nvPr/>
+          </p:nvPicPr>
+          <p:blipFill>
+            <a:blip r:embed="rId2"/>
+            <a:stretch>
+              <a:fillRect/>
+            </a:stretch>
+          </p:blipFill>
+          <p:spPr>
+            <a:xfrm>
+              <a:off x="949169" y="2113978"/>
+              <a:ext cx="5695950" cy="1514475"/>
+            </a:xfrm>
+            <a:prstGeom prst="rect">
+              <a:avLst/>
+            </a:prstGeom>
+          </p:spPr>
+        </p:pic>
+        <mc:AlternateContent xmlns:mc="http://schemas.openxmlformats.org/markup-compatibility/2006">
+          <mc:Choice xmlns:a14="http://schemas.microsoft.com/office/drawing/2010/main" Requires="a14">
+            <p:sp>
+              <p:nvSpPr>
+                <p:cNvPr id="7" name="TextBox 6">
+                  <a:extLst>
+                    <a:ext uri="{FF2B5EF4-FFF2-40B4-BE49-F238E27FC236}">
+                      <a16:creationId xmlns:a16="http://schemas.microsoft.com/office/drawing/2014/main" id="{12FA4608-AA99-8C53-7F87-5631D7A28487}"/>
+                    </a:ext>
+                  </a:extLst>
+                </p:cNvPr>
+                <p:cNvSpPr txBox="1"/>
+                <p:nvPr/>
+              </p:nvSpPr>
+              <p:spPr>
+                <a:xfrm>
+                  <a:off x="2164340" y="3172305"/>
+                  <a:ext cx="619272" cy="276999"/>
+                </a:xfrm>
+                <a:prstGeom prst="rect">
+                  <a:avLst/>
+                </a:prstGeom>
+                <a:noFill/>
+              </p:spPr>
+              <p:txBody>
+                <a:bodyPr wrap="none" lIns="0" tIns="0" rIns="0" bIns="0" rtlCol="0">
+                  <a:spAutoFit/>
+                </a:bodyPr>
+                <a:lstStyle/>
+                <a:p>
+                  <a:pPr/>
+                  <a14:m>
+                    <m:oMathPara xmlns:m="http://schemas.openxmlformats.org/officeDocument/2006/math">
+                      <m:oMathParaPr>
+                        <m:jc m:val="centerGroup"/>
+                      </m:oMathParaPr>
+                      <m:oMath xmlns:m="http://schemas.openxmlformats.org/officeDocument/2006/math">
+                        <m:r>
+                          <a:rPr lang="en-US" b="0" i="1" smtClean="0">
+                            <a:solidFill>
+                              <a:srgbClr val="0070C0"/>
+                            </a:solidFill>
+                            <a:latin typeface="Cambria Math" panose="02040503050406030204" pitchFamily="18" charset="0"/>
+                          </a:rPr>
+                          <m:t>𝑣𝑐𝑣</m:t>
+                        </m:r>
+                        <m:sSub>
+                          <m:sSubPr>
+                            <m:ctrlPr>
+                              <a:rPr lang="en-US" b="0" i="1" smtClean="0">
+                                <a:solidFill>
+                                  <a:srgbClr val="0070C0"/>
+                                </a:solidFill>
+                                <a:latin typeface="Cambria Math" panose="02040503050406030204" pitchFamily="18" charset="0"/>
+                              </a:rPr>
+                            </m:ctrlPr>
+                          </m:sSubPr>
+                          <m:e>
+                            <m:r>
+                              <a:rPr lang="en-US" b="0" i="1" smtClean="0">
+                                <a:solidFill>
+                                  <a:srgbClr val="0070C0"/>
+                                </a:solidFill>
+                                <a:latin typeface="Cambria Math" panose="02040503050406030204" pitchFamily="18" charset="0"/>
+                              </a:rPr>
+                              <m:t>𝑠</m:t>
+                            </m:r>
+                          </m:e>
+                          <m:sub>
+                            <m:r>
+                              <a:rPr lang="en-US" b="0" i="1" smtClean="0">
+                                <a:solidFill>
+                                  <a:srgbClr val="0070C0"/>
+                                </a:solidFill>
+                                <a:latin typeface="Cambria Math" panose="02040503050406030204" pitchFamily="18" charset="0"/>
+                              </a:rPr>
+                              <m:t>1</m:t>
+                            </m:r>
+                          </m:sub>
+                        </m:sSub>
+                      </m:oMath>
+                    </m:oMathPara>
+                  </a14:m>
+                  <a:endParaRPr lang="en-US" dirty="0">
+                    <a:solidFill>
+                      <a:srgbClr val="0070C0"/>
+                    </a:solidFill>
+                  </a:endParaRPr>
+                </a:p>
+              </p:txBody>
+            </p:sp>
+          </mc:Choice>
+          <mc:Fallback>
+            <p:sp>
+              <p:nvSpPr>
+                <p:cNvPr id="7" name="TextBox 6">
+                  <a:extLst>
+                    <a:ext uri="{FF2B5EF4-FFF2-40B4-BE49-F238E27FC236}">
+                      <a16:creationId xmlns:a16="http://schemas.microsoft.com/office/drawing/2014/main" id="{12FA4608-AA99-8C53-7F87-5631D7A28487}"/>
+                    </a:ext>
+                  </a:extLst>
+                </p:cNvPr>
+                <p:cNvSpPr txBox="1">
+                  <a:spLocks noRot="1" noChangeAspect="1" noMove="1" noResize="1" noEditPoints="1" noAdjustHandles="1" noChangeArrowheads="1" noChangeShapeType="1" noTextEdit="1"/>
+                </p:cNvSpPr>
+                <p:nvPr/>
+              </p:nvSpPr>
+              <p:spPr>
+                <a:xfrm>
+                  <a:off x="2164340" y="3172305"/>
+                  <a:ext cx="619272" cy="276999"/>
+                </a:xfrm>
+                <a:prstGeom prst="rect">
+                  <a:avLst/>
+                </a:prstGeom>
+                <a:blipFill>
+                  <a:blip r:embed="rId3"/>
+                  <a:stretch>
+                    <a:fillRect l="-4950" r="-3960" b="-15556"/>
+                  </a:stretch>
+                </a:blipFill>
+              </p:spPr>
+              <p:txBody>
+                <a:bodyPr/>
+                <a:lstStyle/>
+                <a:p>
+                  <a:r>
+                    <a:rPr lang="en-US">
+                      <a:noFill/>
+                    </a:rPr>
+                    <a:t> </a:t>
+                  </a:r>
+                </a:p>
+              </p:txBody>
+            </p:sp>
+          </mc:Fallback>
+        </mc:AlternateContent>
+        <mc:AlternateContent xmlns:mc="http://schemas.openxmlformats.org/markup-compatibility/2006">
+          <mc:Choice xmlns:a14="http://schemas.microsoft.com/office/drawing/2010/main" Requires="a14">
+            <p:sp>
+              <p:nvSpPr>
+                <p:cNvPr id="8" name="TextBox 7">
+                  <a:extLst>
+                    <a:ext uri="{FF2B5EF4-FFF2-40B4-BE49-F238E27FC236}">
+                      <a16:creationId xmlns:a16="http://schemas.microsoft.com/office/drawing/2014/main" id="{25542F6F-FD5D-FB8F-D339-0912A9C335F2}"/>
+                    </a:ext>
+                  </a:extLst>
+                </p:cNvPr>
+                <p:cNvSpPr txBox="1"/>
+                <p:nvPr/>
+              </p:nvSpPr>
+              <p:spPr>
+                <a:xfrm>
+                  <a:off x="3284503" y="1836979"/>
+                  <a:ext cx="512641" cy="369332"/>
+                </a:xfrm>
+                <a:prstGeom prst="rect">
+                  <a:avLst/>
+                </a:prstGeom>
+                <a:noFill/>
+              </p:spPr>
+              <p:txBody>
+                <a:bodyPr wrap="square" lIns="0" tIns="0" rIns="0" bIns="0" rtlCol="0">
+                  <a:spAutoFit/>
+                </a:bodyPr>
+                <a:lstStyle/>
+                <a:p>
+                  <a:pPr/>
+                  <a14:m>
+                    <m:oMathPara xmlns:m="http://schemas.openxmlformats.org/officeDocument/2006/math">
+                      <m:oMathParaPr>
+                        <m:jc m:val="centerGroup"/>
+                      </m:oMathParaPr>
+                      <m:oMath xmlns:m="http://schemas.openxmlformats.org/officeDocument/2006/math">
+                        <m:r>
+                          <a:rPr lang="en-US" sz="2400" b="0" i="1" smtClean="0">
+                            <a:solidFill>
+                              <a:srgbClr val="0070C0"/>
+                            </a:solidFill>
+                            <a:latin typeface="Cambria Math" panose="02040503050406030204" pitchFamily="18" charset="0"/>
+                          </a:rPr>
+                          <m:t>𝑅</m:t>
+                        </m:r>
+                      </m:oMath>
+                    </m:oMathPara>
+                  </a14:m>
+                  <a:endParaRPr lang="en-US" dirty="0">
+                    <a:solidFill>
+                      <a:srgbClr val="0070C0"/>
+                    </a:solidFill>
+                  </a:endParaRPr>
+                </a:p>
+              </p:txBody>
+            </p:sp>
+          </mc:Choice>
+          <mc:Fallback>
+            <p:sp>
+              <p:nvSpPr>
+                <p:cNvPr id="8" name="TextBox 7">
+                  <a:extLst>
+                    <a:ext uri="{FF2B5EF4-FFF2-40B4-BE49-F238E27FC236}">
+                      <a16:creationId xmlns:a16="http://schemas.microsoft.com/office/drawing/2014/main" id="{25542F6F-FD5D-FB8F-D339-0912A9C335F2}"/>
+                    </a:ext>
+                  </a:extLst>
+                </p:cNvPr>
+                <p:cNvSpPr txBox="1">
+                  <a:spLocks noRot="1" noChangeAspect="1" noMove="1" noResize="1" noEditPoints="1" noAdjustHandles="1" noChangeArrowheads="1" noChangeShapeType="1" noTextEdit="1"/>
+                </p:cNvSpPr>
+                <p:nvPr/>
+              </p:nvSpPr>
+              <p:spPr>
+                <a:xfrm>
+                  <a:off x="3284503" y="1836979"/>
+                  <a:ext cx="512641" cy="369332"/>
+                </a:xfrm>
+                <a:prstGeom prst="rect">
+                  <a:avLst/>
+                </a:prstGeom>
+                <a:blipFill>
+                  <a:blip r:embed="rId4"/>
+                  <a:stretch>
+                    <a:fillRect b="-6667"/>
+                  </a:stretch>
+                </a:blipFill>
+              </p:spPr>
+              <p:txBody>
+                <a:bodyPr/>
+                <a:lstStyle/>
+                <a:p>
+                  <a:r>
+                    <a:rPr lang="en-US">
+                      <a:noFill/>
+                    </a:rPr>
+                    <a:t> </a:t>
+                  </a:r>
+                </a:p>
+              </p:txBody>
+            </p:sp>
+          </mc:Fallback>
+        </mc:AlternateContent>
+        <mc:AlternateContent xmlns:mc="http://schemas.openxmlformats.org/markup-compatibility/2006">
+          <mc:Choice xmlns:a14="http://schemas.microsoft.com/office/drawing/2010/main" Requires="a14">
+            <p:sp>
+              <p:nvSpPr>
+                <p:cNvPr id="9" name="TextBox 8">
+                  <a:extLst>
+                    <a:ext uri="{FF2B5EF4-FFF2-40B4-BE49-F238E27FC236}">
+                      <a16:creationId xmlns:a16="http://schemas.microsoft.com/office/drawing/2014/main" id="{95D0E6B9-6BA0-5ED6-9DDF-E5E86EE4DA0A}"/>
+                    </a:ext>
+                  </a:extLst>
+                </p:cNvPr>
+                <p:cNvSpPr txBox="1"/>
+                <p:nvPr/>
+              </p:nvSpPr>
+              <p:spPr>
+                <a:xfrm>
+                  <a:off x="527968" y="2113978"/>
+                  <a:ext cx="538447" cy="298415"/>
+                </a:xfrm>
+                <a:prstGeom prst="rect">
+                  <a:avLst/>
+                </a:prstGeom>
+                <a:noFill/>
+              </p:spPr>
+              <p:txBody>
+                <a:bodyPr wrap="square" lIns="0" tIns="0" rIns="0" bIns="0" rtlCol="0">
+                  <a:spAutoFit/>
+                </a:bodyPr>
+                <a:lstStyle/>
+                <a:p>
+                  <a:pPr/>
+                  <a14:m>
+                    <m:oMathPara xmlns:m="http://schemas.openxmlformats.org/officeDocument/2006/math">
+                      <m:oMathParaPr>
+                        <m:jc m:val="centerGroup"/>
+                      </m:oMathParaPr>
+                      <m:oMath xmlns:m="http://schemas.openxmlformats.org/officeDocument/2006/math">
+                        <m:sSub>
+                          <m:sSubPr>
+                            <m:ctrlPr>
+                              <a:rPr lang="en-US" b="0" i="1" smtClean="0">
+                                <a:solidFill>
+                                  <a:srgbClr val="0070C0"/>
+                                </a:solidFill>
+                                <a:latin typeface="Cambria Math" panose="02040503050406030204" pitchFamily="18" charset="0"/>
+                              </a:rPr>
+                            </m:ctrlPr>
+                          </m:sSubPr>
+                          <m:e>
+                            <m:r>
+                              <a:rPr lang="en-US" b="0" i="1" smtClean="0">
+                                <a:solidFill>
+                                  <a:srgbClr val="0070C0"/>
+                                </a:solidFill>
+                                <a:latin typeface="Cambria Math" panose="02040503050406030204" pitchFamily="18" charset="0"/>
+                              </a:rPr>
+                              <m:t>𝑣</m:t>
+                            </m:r>
+                          </m:e>
+                          <m:sub>
+                            <m:r>
+                              <a:rPr lang="en-US" b="0" i="1" smtClean="0">
+                                <a:solidFill>
+                                  <a:srgbClr val="0070C0"/>
+                                </a:solidFill>
+                                <a:latin typeface="Cambria Math" panose="02040503050406030204" pitchFamily="18" charset="0"/>
+                              </a:rPr>
+                              <m:t>𝑖</m:t>
+                            </m:r>
+                            <m:r>
+                              <a:rPr lang="en-US" b="0" i="1" smtClean="0">
+                                <a:solidFill>
+                                  <a:srgbClr val="0070C0"/>
+                                </a:solidFill>
+                                <a:latin typeface="Cambria Math" panose="02040503050406030204" pitchFamily="18" charset="0"/>
+                              </a:rPr>
+                              <m:t>𝑝</m:t>
+                            </m:r>
+                          </m:sub>
+                        </m:sSub>
+                      </m:oMath>
+                    </m:oMathPara>
+                  </a14:m>
+                  <a:endParaRPr lang="en-US" dirty="0">
+                    <a:solidFill>
+                      <a:srgbClr val="0070C0"/>
+                    </a:solidFill>
+                  </a:endParaRPr>
+                </a:p>
+              </p:txBody>
+            </p:sp>
+          </mc:Choice>
+          <mc:Fallback>
+            <p:sp>
+              <p:nvSpPr>
+                <p:cNvPr id="9" name="TextBox 8">
+                  <a:extLst>
+                    <a:ext uri="{FF2B5EF4-FFF2-40B4-BE49-F238E27FC236}">
+                      <a16:creationId xmlns:a16="http://schemas.microsoft.com/office/drawing/2014/main" id="{95D0E6B9-6BA0-5ED6-9DDF-E5E86EE4DA0A}"/>
+                    </a:ext>
+                  </a:extLst>
+                </p:cNvPr>
+                <p:cNvSpPr txBox="1">
+                  <a:spLocks noRot="1" noChangeAspect="1" noMove="1" noResize="1" noEditPoints="1" noAdjustHandles="1" noChangeArrowheads="1" noChangeShapeType="1" noTextEdit="1"/>
+                </p:cNvSpPr>
+                <p:nvPr/>
+              </p:nvSpPr>
+              <p:spPr>
+                <a:xfrm>
+                  <a:off x="527968" y="2113978"/>
+                  <a:ext cx="538447" cy="298415"/>
+                </a:xfrm>
+                <a:prstGeom prst="rect">
+                  <a:avLst/>
+                </a:prstGeom>
+                <a:blipFill>
+                  <a:blip r:embed="rId5"/>
+                  <a:stretch>
+                    <a:fillRect b="-20408"/>
+                  </a:stretch>
+                </a:blipFill>
+              </p:spPr>
+              <p:txBody>
+                <a:bodyPr/>
+                <a:lstStyle/>
+                <a:p>
+                  <a:r>
+                    <a:rPr lang="en-US">
+                      <a:noFill/>
+                    </a:rPr>
+                    <a:t> </a:t>
+                  </a:r>
+                </a:p>
+              </p:txBody>
+            </p:sp>
+          </mc:Fallback>
+        </mc:AlternateContent>
+        <mc:AlternateContent xmlns:mc="http://schemas.openxmlformats.org/markup-compatibility/2006">
+          <mc:Choice xmlns:a14="http://schemas.microsoft.com/office/drawing/2010/main" Requires="a14">
+            <p:sp>
+              <p:nvSpPr>
+                <p:cNvPr id="10" name="TextBox 9">
+                  <a:extLst>
+                    <a:ext uri="{FF2B5EF4-FFF2-40B4-BE49-F238E27FC236}">
+                      <a16:creationId xmlns:a16="http://schemas.microsoft.com/office/drawing/2014/main" id="{45F514ED-C4E2-F3AD-68CC-BDA24F4DBC11}"/>
+                    </a:ext>
+                  </a:extLst>
+                </p:cNvPr>
+                <p:cNvSpPr txBox="1"/>
+                <p:nvPr/>
+              </p:nvSpPr>
+              <p:spPr>
+                <a:xfrm>
+                  <a:off x="2473976" y="2741418"/>
+                  <a:ext cx="501740" cy="246221"/>
+                </a:xfrm>
+                <a:prstGeom prst="rect">
+                  <a:avLst/>
+                </a:prstGeom>
+                <a:noFill/>
+              </p:spPr>
+              <p:txBody>
+                <a:bodyPr wrap="none" lIns="0" tIns="0" rIns="0" bIns="0" rtlCol="0">
+                  <a:spAutoFit/>
+                </a:bodyPr>
+                <a:lstStyle/>
+                <a:p>
+                  <a:pPr/>
+                  <a14:m>
+                    <m:oMathPara xmlns:m="http://schemas.openxmlformats.org/officeDocument/2006/math">
+                      <m:oMathParaPr>
+                        <m:jc m:val="centerGroup"/>
+                      </m:oMathParaPr>
+                      <m:oMath xmlns:m="http://schemas.openxmlformats.org/officeDocument/2006/math">
+                        <m:r>
+                          <a:rPr lang="en-US" sz="1600" b="0" i="1" smtClean="0">
+                            <a:solidFill>
+                              <a:schemeClr val="accent6">
+                                <a:lumMod val="75000"/>
+                              </a:schemeClr>
+                            </a:solidFill>
+                            <a:latin typeface="Cambria Math" panose="02040503050406030204" pitchFamily="18" charset="0"/>
+                          </a:rPr>
+                          <m:t>1000</m:t>
+                        </m:r>
+                      </m:oMath>
+                    </m:oMathPara>
+                  </a14:m>
+                  <a:endParaRPr lang="en-US" sz="1600" dirty="0">
+                    <a:solidFill>
+                      <a:schemeClr val="accent6">
+                        <a:lumMod val="75000"/>
+                      </a:schemeClr>
+                    </a:solidFill>
+                  </a:endParaRPr>
+                </a:p>
+              </p:txBody>
+            </p:sp>
+          </mc:Choice>
+          <mc:Fallback>
+            <p:sp>
+              <p:nvSpPr>
+                <p:cNvPr id="10" name="TextBox 9">
+                  <a:extLst>
+                    <a:ext uri="{FF2B5EF4-FFF2-40B4-BE49-F238E27FC236}">
+                      <a16:creationId xmlns:a16="http://schemas.microsoft.com/office/drawing/2014/main" id="{45F514ED-C4E2-F3AD-68CC-BDA24F4DBC11}"/>
+                    </a:ext>
+                  </a:extLst>
+                </p:cNvPr>
+                <p:cNvSpPr txBox="1">
+                  <a:spLocks noRot="1" noChangeAspect="1" noMove="1" noResize="1" noEditPoints="1" noAdjustHandles="1" noChangeArrowheads="1" noChangeShapeType="1" noTextEdit="1"/>
+                </p:cNvSpPr>
+                <p:nvPr/>
+              </p:nvSpPr>
+              <p:spPr>
+                <a:xfrm>
+                  <a:off x="2473976" y="2741418"/>
+                  <a:ext cx="501740" cy="246221"/>
+                </a:xfrm>
+                <a:prstGeom prst="rect">
+                  <a:avLst/>
+                </a:prstGeom>
+                <a:blipFill>
+                  <a:blip r:embed="rId6"/>
+                  <a:stretch>
+                    <a:fillRect l="-8434" r="-7229" b="-4878"/>
+                  </a:stretch>
+                </a:blipFill>
+              </p:spPr>
+              <p:txBody>
+                <a:bodyPr/>
+                <a:lstStyle/>
+                <a:p>
+                  <a:r>
+                    <a:rPr lang="en-US">
+                      <a:noFill/>
+                    </a:rPr>
+                    <a:t> </a:t>
+                  </a:r>
+                </a:p>
+              </p:txBody>
+            </p:sp>
+          </mc:Fallback>
+        </mc:AlternateContent>
+        <mc:AlternateContent xmlns:mc="http://schemas.openxmlformats.org/markup-compatibility/2006">
+          <mc:Choice xmlns:a14="http://schemas.microsoft.com/office/drawing/2010/main" Requires="a14">
+            <p:sp>
+              <p:nvSpPr>
+                <p:cNvPr id="12" name="TextBox 11">
+                  <a:extLst>
+                    <a:ext uri="{FF2B5EF4-FFF2-40B4-BE49-F238E27FC236}">
+                      <a16:creationId xmlns:a16="http://schemas.microsoft.com/office/drawing/2014/main" id="{4007AAE5-9FFB-27EE-3328-B9E2292A2656}"/>
+                    </a:ext>
+                  </a:extLst>
+                </p:cNvPr>
+                <p:cNvSpPr txBox="1"/>
+                <p:nvPr/>
+              </p:nvSpPr>
+              <p:spPr>
+                <a:xfrm>
+                  <a:off x="3677695" y="2987639"/>
+                  <a:ext cx="512641" cy="369332"/>
+                </a:xfrm>
+                <a:prstGeom prst="rect">
+                  <a:avLst/>
+                </a:prstGeom>
+                <a:noFill/>
+              </p:spPr>
+              <p:txBody>
+                <a:bodyPr wrap="square" lIns="0" tIns="0" rIns="0" bIns="0" rtlCol="0">
+                  <a:spAutoFit/>
+                </a:bodyPr>
+                <a:lstStyle/>
+                <a:p>
+                  <a:pPr/>
+                  <a14:m>
+                    <m:oMathPara xmlns:m="http://schemas.openxmlformats.org/officeDocument/2006/math">
+                      <m:oMathParaPr>
+                        <m:jc m:val="centerGroup"/>
+                      </m:oMathParaPr>
+                      <m:oMath xmlns:m="http://schemas.openxmlformats.org/officeDocument/2006/math">
+                        <m:r>
+                          <a:rPr lang="en-US" sz="2400" b="0" i="1" smtClean="0">
+                            <a:solidFill>
+                              <a:srgbClr val="0070C0"/>
+                            </a:solidFill>
+                            <a:latin typeface="Cambria Math" panose="02040503050406030204" pitchFamily="18" charset="0"/>
+                          </a:rPr>
+                          <m:t>𝐶</m:t>
+                        </m:r>
+                      </m:oMath>
+                    </m:oMathPara>
+                  </a14:m>
+                  <a:endParaRPr lang="en-US" dirty="0">
+                    <a:solidFill>
+                      <a:srgbClr val="0070C0"/>
+                    </a:solidFill>
+                  </a:endParaRPr>
+                </a:p>
+              </p:txBody>
+            </p:sp>
+          </mc:Choice>
+          <mc:Fallback>
+            <p:sp>
+              <p:nvSpPr>
+                <p:cNvPr id="12" name="TextBox 11">
+                  <a:extLst>
+                    <a:ext uri="{FF2B5EF4-FFF2-40B4-BE49-F238E27FC236}">
+                      <a16:creationId xmlns:a16="http://schemas.microsoft.com/office/drawing/2014/main" id="{4007AAE5-9FFB-27EE-3328-B9E2292A2656}"/>
+                    </a:ext>
+                  </a:extLst>
+                </p:cNvPr>
+                <p:cNvSpPr txBox="1">
+                  <a:spLocks noRot="1" noChangeAspect="1" noMove="1" noResize="1" noEditPoints="1" noAdjustHandles="1" noChangeArrowheads="1" noChangeShapeType="1" noTextEdit="1"/>
+                </p:cNvSpPr>
+                <p:nvPr/>
+              </p:nvSpPr>
+              <p:spPr>
+                <a:xfrm>
+                  <a:off x="3677695" y="2987639"/>
+                  <a:ext cx="512641" cy="369332"/>
+                </a:xfrm>
+                <a:prstGeom prst="rect">
+                  <a:avLst/>
+                </a:prstGeom>
+                <a:blipFill>
+                  <a:blip r:embed="rId7"/>
+                  <a:stretch>
+                    <a:fillRect b="-6667"/>
+                  </a:stretch>
+                </a:blipFill>
+              </p:spPr>
+              <p:txBody>
+                <a:bodyPr/>
+                <a:lstStyle/>
+                <a:p>
+                  <a:r>
+                    <a:rPr lang="en-US">
+                      <a:noFill/>
+                    </a:rPr>
+                    <a:t> </a:t>
+                  </a:r>
+                </a:p>
+              </p:txBody>
+            </p:sp>
+          </mc:Fallback>
+        </mc:AlternateContent>
+        <mc:AlternateContent xmlns:mc="http://schemas.openxmlformats.org/markup-compatibility/2006">
+          <mc:Choice xmlns:a14="http://schemas.microsoft.com/office/drawing/2010/main" Requires="a14">
+            <p:sp>
+              <p:nvSpPr>
+                <p:cNvPr id="13" name="TextBox 12">
+                  <a:extLst>
+                    <a:ext uri="{FF2B5EF4-FFF2-40B4-BE49-F238E27FC236}">
+                      <a16:creationId xmlns:a16="http://schemas.microsoft.com/office/drawing/2014/main" id="{90CE3A73-4F05-8AB6-90A3-BFC42FC5D6AE}"/>
+                    </a:ext>
+                  </a:extLst>
+                </p:cNvPr>
+                <p:cNvSpPr txBox="1"/>
+                <p:nvPr/>
+              </p:nvSpPr>
+              <p:spPr>
+                <a:xfrm>
+                  <a:off x="527968" y="3356971"/>
+                  <a:ext cx="538447" cy="276999"/>
+                </a:xfrm>
+                <a:prstGeom prst="rect">
+                  <a:avLst/>
+                </a:prstGeom>
+                <a:noFill/>
+              </p:spPr>
+              <p:txBody>
+                <a:bodyPr wrap="square" lIns="0" tIns="0" rIns="0" bIns="0" rtlCol="0">
+                  <a:spAutoFit/>
+                </a:bodyPr>
+                <a:lstStyle/>
+                <a:p>
+                  <a:pPr/>
+                  <a14:m>
+                    <m:oMathPara xmlns:m="http://schemas.openxmlformats.org/officeDocument/2006/math">
+                      <m:oMathParaPr>
+                        <m:jc m:val="centerGroup"/>
+                      </m:oMathParaPr>
+                      <m:oMath xmlns:m="http://schemas.openxmlformats.org/officeDocument/2006/math">
+                        <m:sSub>
+                          <m:sSubPr>
+                            <m:ctrlPr>
+                              <a:rPr lang="en-US" b="0" i="1" smtClean="0">
+                                <a:solidFill>
+                                  <a:srgbClr val="0070C0"/>
+                                </a:solidFill>
+                                <a:latin typeface="Cambria Math" panose="02040503050406030204" pitchFamily="18" charset="0"/>
+                              </a:rPr>
+                            </m:ctrlPr>
+                          </m:sSubPr>
+                          <m:e>
+                            <m:r>
+                              <a:rPr lang="en-US" b="0" i="1" smtClean="0">
+                                <a:solidFill>
+                                  <a:srgbClr val="0070C0"/>
+                                </a:solidFill>
+                                <a:latin typeface="Cambria Math" panose="02040503050406030204" pitchFamily="18" charset="0"/>
+                              </a:rPr>
+                              <m:t>𝑣</m:t>
+                            </m:r>
+                          </m:e>
+                          <m:sub>
+                            <m:r>
+                              <a:rPr lang="en-US" b="0" i="1" smtClean="0">
+                                <a:solidFill>
+                                  <a:srgbClr val="0070C0"/>
+                                </a:solidFill>
+                                <a:latin typeface="Cambria Math" panose="02040503050406030204" pitchFamily="18" charset="0"/>
+                              </a:rPr>
+                              <m:t>𝑖</m:t>
+                            </m:r>
+                            <m:r>
+                              <a:rPr lang="en-US" b="0" i="1" smtClean="0">
+                                <a:solidFill>
+                                  <a:srgbClr val="0070C0"/>
+                                </a:solidFill>
+                                <a:latin typeface="Cambria Math" panose="02040503050406030204" pitchFamily="18" charset="0"/>
+                              </a:rPr>
+                              <m:t>𝑚</m:t>
+                            </m:r>
+                          </m:sub>
+                        </m:sSub>
+                      </m:oMath>
+                    </m:oMathPara>
+                  </a14:m>
+                  <a:endParaRPr lang="en-US" dirty="0">
+                    <a:solidFill>
+                      <a:srgbClr val="0070C0"/>
+                    </a:solidFill>
+                  </a:endParaRPr>
+                </a:p>
+              </p:txBody>
+            </p:sp>
+          </mc:Choice>
+          <mc:Fallback>
+            <p:sp>
+              <p:nvSpPr>
+                <p:cNvPr id="13" name="TextBox 12">
+                  <a:extLst>
+                    <a:ext uri="{FF2B5EF4-FFF2-40B4-BE49-F238E27FC236}">
+                      <a16:creationId xmlns:a16="http://schemas.microsoft.com/office/drawing/2014/main" id="{90CE3A73-4F05-8AB6-90A3-BFC42FC5D6AE}"/>
+                    </a:ext>
+                  </a:extLst>
+                </p:cNvPr>
+                <p:cNvSpPr txBox="1">
+                  <a:spLocks noRot="1" noChangeAspect="1" noMove="1" noResize="1" noEditPoints="1" noAdjustHandles="1" noChangeArrowheads="1" noChangeShapeType="1" noTextEdit="1"/>
+                </p:cNvSpPr>
+                <p:nvPr/>
+              </p:nvSpPr>
+              <p:spPr>
+                <a:xfrm>
+                  <a:off x="527968" y="3356971"/>
+                  <a:ext cx="538447" cy="276999"/>
+                </a:xfrm>
+                <a:prstGeom prst="rect">
+                  <a:avLst/>
+                </a:prstGeom>
+                <a:blipFill>
+                  <a:blip r:embed="rId8"/>
+                  <a:stretch>
+                    <a:fillRect b="-17391"/>
+                  </a:stretch>
+                </a:blipFill>
+              </p:spPr>
+              <p:txBody>
+                <a:bodyPr/>
+                <a:lstStyle/>
+                <a:p>
+                  <a:r>
+                    <a:rPr lang="en-US">
+                      <a:noFill/>
+                    </a:rPr>
+                    <a:t> </a:t>
+                  </a:r>
+                </a:p>
+              </p:txBody>
+            </p:sp>
+          </mc:Fallback>
+        </mc:AlternateContent>
+        <mc:AlternateContent xmlns:mc="http://schemas.openxmlformats.org/markup-compatibility/2006">
+          <mc:Choice xmlns:a14="http://schemas.microsoft.com/office/drawing/2010/main" Requires="a14">
+            <p:sp>
+              <p:nvSpPr>
+                <p:cNvPr id="14" name="TextBox 13">
+                  <a:extLst>
+                    <a:ext uri="{FF2B5EF4-FFF2-40B4-BE49-F238E27FC236}">
+                      <a16:creationId xmlns:a16="http://schemas.microsoft.com/office/drawing/2014/main" id="{9ABEA964-5C87-1F6E-B9E7-CA7F18CD2F30}"/>
+                    </a:ext>
+                  </a:extLst>
+                </p:cNvPr>
+                <p:cNvSpPr txBox="1"/>
+                <p:nvPr/>
+              </p:nvSpPr>
+              <p:spPr>
+                <a:xfrm>
+                  <a:off x="6143379" y="2741418"/>
+                  <a:ext cx="160300" cy="246221"/>
+                </a:xfrm>
+                <a:prstGeom prst="rect">
+                  <a:avLst/>
+                </a:prstGeom>
+                <a:noFill/>
+              </p:spPr>
+              <p:txBody>
+                <a:bodyPr wrap="none" lIns="0" tIns="0" rIns="0" bIns="0" rtlCol="0">
+                  <a:spAutoFit/>
+                </a:bodyPr>
+                <a:lstStyle/>
+                <a:p>
+                  <a:pPr/>
+                  <a14:m>
+                    <m:oMathPara xmlns:m="http://schemas.openxmlformats.org/officeDocument/2006/math">
+                      <m:oMathParaPr>
+                        <m:jc m:val="centerGroup"/>
+                      </m:oMathParaPr>
+                      <m:oMath xmlns:m="http://schemas.openxmlformats.org/officeDocument/2006/math">
+                        <m:r>
+                          <a:rPr lang="en-US" sz="1600" b="0" i="1" smtClean="0">
+                            <a:solidFill>
+                              <a:schemeClr val="accent6">
+                                <a:lumMod val="75000"/>
+                              </a:schemeClr>
+                            </a:solidFill>
+                            <a:latin typeface="Cambria Math" panose="02040503050406030204" pitchFamily="18" charset="0"/>
+                          </a:rPr>
+                          <m:t>1</m:t>
+                        </m:r>
+                      </m:oMath>
+                    </m:oMathPara>
+                  </a14:m>
+                  <a:endParaRPr lang="en-US" sz="1600" dirty="0">
+                    <a:solidFill>
+                      <a:schemeClr val="accent6">
+                        <a:lumMod val="75000"/>
+                      </a:schemeClr>
+                    </a:solidFill>
+                  </a:endParaRPr>
+                </a:p>
+              </p:txBody>
+            </p:sp>
+          </mc:Choice>
+          <mc:Fallback>
+            <p:sp>
+              <p:nvSpPr>
+                <p:cNvPr id="14" name="TextBox 13">
+                  <a:extLst>
+                    <a:ext uri="{FF2B5EF4-FFF2-40B4-BE49-F238E27FC236}">
+                      <a16:creationId xmlns:a16="http://schemas.microsoft.com/office/drawing/2014/main" id="{9ABEA964-5C87-1F6E-B9E7-CA7F18CD2F30}"/>
+                    </a:ext>
+                  </a:extLst>
+                </p:cNvPr>
+                <p:cNvSpPr txBox="1">
+                  <a:spLocks noRot="1" noChangeAspect="1" noMove="1" noResize="1" noEditPoints="1" noAdjustHandles="1" noChangeArrowheads="1" noChangeShapeType="1" noTextEdit="1"/>
+                </p:cNvSpPr>
+                <p:nvPr/>
+              </p:nvSpPr>
+              <p:spPr>
+                <a:xfrm>
+                  <a:off x="6143379" y="2741418"/>
+                  <a:ext cx="160300" cy="246221"/>
+                </a:xfrm>
+                <a:prstGeom prst="rect">
+                  <a:avLst/>
+                </a:prstGeom>
+                <a:blipFill>
+                  <a:blip r:embed="rId9"/>
+                  <a:stretch>
+                    <a:fillRect l="-25926" r="-25926" b="-4878"/>
+                  </a:stretch>
+                </a:blipFill>
+              </p:spPr>
+              <p:txBody>
+                <a:bodyPr/>
+                <a:lstStyle/>
+                <a:p>
+                  <a:r>
+                    <a:rPr lang="en-US">
+                      <a:noFill/>
+                    </a:rPr>
+                    <a:t> </a:t>
+                  </a:r>
+                </a:p>
+              </p:txBody>
+            </p:sp>
+          </mc:Fallback>
+        </mc:AlternateContent>
+        <mc:AlternateContent xmlns:mc="http://schemas.openxmlformats.org/markup-compatibility/2006">
+          <mc:Choice xmlns:a14="http://schemas.microsoft.com/office/drawing/2010/main" Requires="a14">
+            <p:sp>
+              <p:nvSpPr>
+                <p:cNvPr id="15" name="TextBox 14">
+                  <a:extLst>
+                    <a:ext uri="{FF2B5EF4-FFF2-40B4-BE49-F238E27FC236}">
+                      <a16:creationId xmlns:a16="http://schemas.microsoft.com/office/drawing/2014/main" id="{E4908EF6-E679-9DF9-98AF-9544513DF600}"/>
+                    </a:ext>
+                  </a:extLst>
+                </p:cNvPr>
+                <p:cNvSpPr txBox="1"/>
+                <p:nvPr/>
+              </p:nvSpPr>
+              <p:spPr>
+                <a:xfrm>
+                  <a:off x="6553713" y="2113978"/>
+                  <a:ext cx="538447" cy="298415"/>
+                </a:xfrm>
+                <a:prstGeom prst="rect">
+                  <a:avLst/>
+                </a:prstGeom>
+                <a:noFill/>
+              </p:spPr>
+              <p:txBody>
+                <a:bodyPr wrap="square" lIns="0" tIns="0" rIns="0" bIns="0" rtlCol="0">
+                  <a:spAutoFit/>
+                </a:bodyPr>
+                <a:lstStyle/>
+                <a:p>
+                  <a:pPr/>
+                  <a14:m>
+                    <m:oMathPara xmlns:m="http://schemas.openxmlformats.org/officeDocument/2006/math">
+                      <m:oMathParaPr>
+                        <m:jc m:val="centerGroup"/>
+                      </m:oMathParaPr>
+                      <m:oMath xmlns:m="http://schemas.openxmlformats.org/officeDocument/2006/math">
+                        <m:sSub>
+                          <m:sSubPr>
+                            <m:ctrlPr>
+                              <a:rPr lang="en-US" b="0" i="1" smtClean="0">
+                                <a:solidFill>
+                                  <a:srgbClr val="0070C0"/>
+                                </a:solidFill>
+                                <a:latin typeface="Cambria Math" panose="02040503050406030204" pitchFamily="18" charset="0"/>
+                              </a:rPr>
+                            </m:ctrlPr>
+                          </m:sSubPr>
+                          <m:e>
+                            <m:r>
+                              <a:rPr lang="en-US" b="0" i="1" smtClean="0">
+                                <a:solidFill>
+                                  <a:srgbClr val="0070C0"/>
+                                </a:solidFill>
+                                <a:latin typeface="Cambria Math" panose="02040503050406030204" pitchFamily="18" charset="0"/>
+                              </a:rPr>
+                              <m:t>𝑣</m:t>
+                            </m:r>
+                          </m:e>
+                          <m:sub>
+                            <m:r>
+                              <a:rPr lang="en-US" b="0" i="1" smtClean="0">
+                                <a:solidFill>
+                                  <a:srgbClr val="0070C0"/>
+                                </a:solidFill>
+                                <a:latin typeface="Cambria Math" panose="02040503050406030204" pitchFamily="18" charset="0"/>
+                              </a:rPr>
+                              <m:t>𝑜𝑝</m:t>
+                            </m:r>
+                          </m:sub>
+                        </m:sSub>
+                      </m:oMath>
+                    </m:oMathPara>
+                  </a14:m>
+                  <a:endParaRPr lang="en-US" dirty="0">
+                    <a:solidFill>
+                      <a:srgbClr val="0070C0"/>
+                    </a:solidFill>
+                  </a:endParaRPr>
+                </a:p>
+              </p:txBody>
+            </p:sp>
+          </mc:Choice>
+          <mc:Fallback>
+            <p:sp>
+              <p:nvSpPr>
+                <p:cNvPr id="15" name="TextBox 14">
+                  <a:extLst>
+                    <a:ext uri="{FF2B5EF4-FFF2-40B4-BE49-F238E27FC236}">
+                      <a16:creationId xmlns:a16="http://schemas.microsoft.com/office/drawing/2014/main" id="{E4908EF6-E679-9DF9-98AF-9544513DF600}"/>
+                    </a:ext>
+                  </a:extLst>
+                </p:cNvPr>
+                <p:cNvSpPr txBox="1">
+                  <a:spLocks noRot="1" noChangeAspect="1" noMove="1" noResize="1" noEditPoints="1" noAdjustHandles="1" noChangeArrowheads="1" noChangeShapeType="1" noTextEdit="1"/>
+                </p:cNvSpPr>
+                <p:nvPr/>
+              </p:nvSpPr>
+              <p:spPr>
+                <a:xfrm>
+                  <a:off x="6553713" y="2113978"/>
+                  <a:ext cx="538447" cy="298415"/>
+                </a:xfrm>
+                <a:prstGeom prst="rect">
+                  <a:avLst/>
+                </a:prstGeom>
+                <a:blipFill>
+                  <a:blip r:embed="rId10"/>
+                  <a:stretch>
+                    <a:fillRect b="-20408"/>
+                  </a:stretch>
+                </a:blipFill>
+              </p:spPr>
+              <p:txBody>
+                <a:bodyPr/>
+                <a:lstStyle/>
+                <a:p>
+                  <a:r>
+                    <a:rPr lang="en-US">
+                      <a:noFill/>
+                    </a:rPr>
+                    <a:t> </a:t>
+                  </a:r>
+                </a:p>
+              </p:txBody>
+            </p:sp>
+          </mc:Fallback>
+        </mc:AlternateContent>
+        <mc:AlternateContent xmlns:mc="http://schemas.openxmlformats.org/markup-compatibility/2006">
+          <mc:Choice xmlns:a14="http://schemas.microsoft.com/office/drawing/2010/main" Requires="a14">
+            <p:sp>
+              <p:nvSpPr>
+                <p:cNvPr id="16" name="TextBox 15">
+                  <a:extLst>
+                    <a:ext uri="{FF2B5EF4-FFF2-40B4-BE49-F238E27FC236}">
+                      <a16:creationId xmlns:a16="http://schemas.microsoft.com/office/drawing/2014/main" id="{128FF8AD-A360-90B5-F3EA-4288543ABD80}"/>
+                    </a:ext>
+                  </a:extLst>
+                </p:cNvPr>
+                <p:cNvSpPr txBox="1"/>
+                <p:nvPr/>
+              </p:nvSpPr>
+              <p:spPr>
+                <a:xfrm>
+                  <a:off x="6553713" y="3356971"/>
+                  <a:ext cx="538447" cy="276999"/>
+                </a:xfrm>
+                <a:prstGeom prst="rect">
+                  <a:avLst/>
+                </a:prstGeom>
+                <a:noFill/>
+              </p:spPr>
+              <p:txBody>
+                <a:bodyPr wrap="square" lIns="0" tIns="0" rIns="0" bIns="0" rtlCol="0">
+                  <a:spAutoFit/>
+                </a:bodyPr>
+                <a:lstStyle/>
+                <a:p>
+                  <a:pPr/>
+                  <a14:m>
+                    <m:oMathPara xmlns:m="http://schemas.openxmlformats.org/officeDocument/2006/math">
+                      <m:oMathParaPr>
+                        <m:jc m:val="centerGroup"/>
+                      </m:oMathParaPr>
+                      <m:oMath xmlns:m="http://schemas.openxmlformats.org/officeDocument/2006/math">
+                        <m:sSub>
+                          <m:sSubPr>
+                            <m:ctrlPr>
+                              <a:rPr lang="en-US" b="0" i="1" smtClean="0">
+                                <a:solidFill>
+                                  <a:srgbClr val="0070C0"/>
+                                </a:solidFill>
+                                <a:latin typeface="Cambria Math" panose="02040503050406030204" pitchFamily="18" charset="0"/>
+                              </a:rPr>
+                            </m:ctrlPr>
+                          </m:sSubPr>
+                          <m:e>
+                            <m:r>
+                              <a:rPr lang="en-US" b="0" i="1" smtClean="0">
+                                <a:solidFill>
+                                  <a:srgbClr val="0070C0"/>
+                                </a:solidFill>
+                                <a:latin typeface="Cambria Math" panose="02040503050406030204" pitchFamily="18" charset="0"/>
+                              </a:rPr>
+                              <m:t>𝑣</m:t>
+                            </m:r>
+                          </m:e>
+                          <m:sub>
+                            <m:r>
+                              <a:rPr lang="en-US" b="0" i="1" smtClean="0">
+                                <a:solidFill>
+                                  <a:srgbClr val="0070C0"/>
+                                </a:solidFill>
+                                <a:latin typeface="Cambria Math" panose="02040503050406030204" pitchFamily="18" charset="0"/>
+                              </a:rPr>
+                              <m:t>𝑜𝑚</m:t>
+                            </m:r>
+                          </m:sub>
+                        </m:sSub>
+                      </m:oMath>
+                    </m:oMathPara>
+                  </a14:m>
+                  <a:endParaRPr lang="en-US" dirty="0">
+                    <a:solidFill>
+                      <a:srgbClr val="0070C0"/>
+                    </a:solidFill>
+                  </a:endParaRPr>
+                </a:p>
+              </p:txBody>
+            </p:sp>
+          </mc:Choice>
+          <mc:Fallback>
+            <p:sp>
+              <p:nvSpPr>
+                <p:cNvPr id="16" name="TextBox 15">
+                  <a:extLst>
+                    <a:ext uri="{FF2B5EF4-FFF2-40B4-BE49-F238E27FC236}">
+                      <a16:creationId xmlns:a16="http://schemas.microsoft.com/office/drawing/2014/main" id="{128FF8AD-A360-90B5-F3EA-4288543ABD80}"/>
+                    </a:ext>
+                  </a:extLst>
+                </p:cNvPr>
+                <p:cNvSpPr txBox="1">
+                  <a:spLocks noRot="1" noChangeAspect="1" noMove="1" noResize="1" noEditPoints="1" noAdjustHandles="1" noChangeArrowheads="1" noChangeShapeType="1" noTextEdit="1"/>
+                </p:cNvSpPr>
+                <p:nvPr/>
+              </p:nvSpPr>
+              <p:spPr>
+                <a:xfrm>
+                  <a:off x="6553713" y="3356971"/>
+                  <a:ext cx="538447" cy="276999"/>
+                </a:xfrm>
+                <a:prstGeom prst="rect">
+                  <a:avLst/>
+                </a:prstGeom>
+                <a:blipFill>
+                  <a:blip r:embed="rId11"/>
+                  <a:stretch>
+                    <a:fillRect b="-10870"/>
+                  </a:stretch>
+                </a:blipFill>
+              </p:spPr>
+              <p:txBody>
+                <a:bodyPr/>
+                <a:lstStyle/>
+                <a:p>
+                  <a:r>
+                    <a:rPr lang="en-US">
+                      <a:noFill/>
+                    </a:rPr>
+                    <a:t> </a:t>
+                  </a:r>
+                </a:p>
+              </p:txBody>
+            </p:sp>
+          </mc:Fallback>
+        </mc:AlternateContent>
+        <mc:AlternateContent xmlns:mc="http://schemas.openxmlformats.org/markup-compatibility/2006">
+          <mc:Choice xmlns:a14="http://schemas.microsoft.com/office/drawing/2010/main" Requires="a14">
+            <p:sp>
+              <p:nvSpPr>
+                <p:cNvPr id="19" name="TextBox 18">
+                  <a:extLst>
+                    <a:ext uri="{FF2B5EF4-FFF2-40B4-BE49-F238E27FC236}">
+                      <a16:creationId xmlns:a16="http://schemas.microsoft.com/office/drawing/2014/main" id="{91FC5084-2828-72E8-4AE9-39DCF70AD02C}"/>
+                    </a:ext>
+                  </a:extLst>
+                </p:cNvPr>
+                <p:cNvSpPr txBox="1"/>
+                <p:nvPr/>
+              </p:nvSpPr>
+              <p:spPr>
+                <a:xfrm>
+                  <a:off x="5839084" y="3172305"/>
+                  <a:ext cx="619272" cy="276999"/>
+                </a:xfrm>
+                <a:prstGeom prst="rect">
+                  <a:avLst/>
+                </a:prstGeom>
+                <a:noFill/>
+              </p:spPr>
+              <p:txBody>
+                <a:bodyPr wrap="none" lIns="0" tIns="0" rIns="0" bIns="0" rtlCol="0">
+                  <a:spAutoFit/>
+                </a:bodyPr>
+                <a:lstStyle/>
+                <a:p>
+                  <a:pPr/>
+                  <a14:m>
+                    <m:oMathPara xmlns:m="http://schemas.openxmlformats.org/officeDocument/2006/math">
+                      <m:oMathParaPr>
+                        <m:jc m:val="centerGroup"/>
+                      </m:oMathParaPr>
+                      <m:oMath xmlns:m="http://schemas.openxmlformats.org/officeDocument/2006/math">
+                        <m:r>
+                          <a:rPr lang="en-US" b="0" i="1" smtClean="0">
+                            <a:solidFill>
+                              <a:srgbClr val="0070C0"/>
+                            </a:solidFill>
+                            <a:latin typeface="Cambria Math" panose="02040503050406030204" pitchFamily="18" charset="0"/>
+                          </a:rPr>
+                          <m:t>𝑣𝑐𝑣</m:t>
+                        </m:r>
+                        <m:sSub>
+                          <m:sSubPr>
+                            <m:ctrlPr>
+                              <a:rPr lang="en-US" b="0" i="1" smtClean="0">
+                                <a:solidFill>
+                                  <a:srgbClr val="0070C0"/>
+                                </a:solidFill>
+                                <a:latin typeface="Cambria Math" panose="02040503050406030204" pitchFamily="18" charset="0"/>
+                              </a:rPr>
+                            </m:ctrlPr>
+                          </m:sSubPr>
+                          <m:e>
+                            <m:r>
+                              <a:rPr lang="en-US" b="0" i="1" smtClean="0">
+                                <a:solidFill>
+                                  <a:srgbClr val="0070C0"/>
+                                </a:solidFill>
+                                <a:latin typeface="Cambria Math" panose="02040503050406030204" pitchFamily="18" charset="0"/>
+                              </a:rPr>
+                              <m:t>𝑠</m:t>
+                            </m:r>
+                          </m:e>
+                          <m:sub>
+                            <m:r>
+                              <a:rPr lang="en-US" b="0" i="1" smtClean="0">
+                                <a:solidFill>
+                                  <a:srgbClr val="0070C0"/>
+                                </a:solidFill>
+                                <a:latin typeface="Cambria Math" panose="02040503050406030204" pitchFamily="18" charset="0"/>
+                              </a:rPr>
+                              <m:t>2</m:t>
+                            </m:r>
+                          </m:sub>
+                        </m:sSub>
+                      </m:oMath>
+                    </m:oMathPara>
+                  </a14:m>
+                  <a:endParaRPr lang="en-US" dirty="0">
+                    <a:solidFill>
+                      <a:srgbClr val="0070C0"/>
+                    </a:solidFill>
+                  </a:endParaRPr>
+                </a:p>
+              </p:txBody>
+            </p:sp>
+          </mc:Choice>
+          <mc:Fallback>
+            <p:sp>
+              <p:nvSpPr>
+                <p:cNvPr id="19" name="TextBox 18">
+                  <a:extLst>
+                    <a:ext uri="{FF2B5EF4-FFF2-40B4-BE49-F238E27FC236}">
+                      <a16:creationId xmlns:a16="http://schemas.microsoft.com/office/drawing/2014/main" id="{91FC5084-2828-72E8-4AE9-39DCF70AD02C}"/>
+                    </a:ext>
+                  </a:extLst>
+                </p:cNvPr>
+                <p:cNvSpPr txBox="1">
+                  <a:spLocks noRot="1" noChangeAspect="1" noMove="1" noResize="1" noEditPoints="1" noAdjustHandles="1" noChangeArrowheads="1" noChangeShapeType="1" noTextEdit="1"/>
+                </p:cNvSpPr>
+                <p:nvPr/>
+              </p:nvSpPr>
+              <p:spPr>
+                <a:xfrm>
+                  <a:off x="5839084" y="3172305"/>
+                  <a:ext cx="619272" cy="276999"/>
+                </a:xfrm>
+                <a:prstGeom prst="rect">
+                  <a:avLst/>
+                </a:prstGeom>
+                <a:blipFill>
+                  <a:blip r:embed="rId12"/>
+                  <a:stretch>
+                    <a:fillRect l="-5882" r="-3922" b="-15556"/>
+                  </a:stretch>
+                </a:blipFill>
+              </p:spPr>
+              <p:txBody>
+                <a:bodyPr/>
+                <a:lstStyle/>
+                <a:p>
+                  <a:r>
+                    <a:rPr lang="en-US">
+                      <a:noFill/>
+                    </a:rPr>
+                    <a:t> </a:t>
+                  </a:r>
+                </a:p>
+              </p:txBody>
+            </p:sp>
+          </mc:Fallback>
+        </mc:AlternateContent>
+        <p:sp>
+          <p:nvSpPr>
+            <p:cNvPr id="20" name="Isosceles Triangle 19">
+              <a:extLst>
+                <a:ext uri="{FF2B5EF4-FFF2-40B4-BE49-F238E27FC236}">
+                  <a16:creationId xmlns:a16="http://schemas.microsoft.com/office/drawing/2014/main" id="{0B2934AE-3B26-408C-AF41-528247ADE063}"/>
+                </a:ext>
+              </a:extLst>
+            </p:cNvPr>
+            <p:cNvSpPr/>
+            <p:nvPr/>
+          </p:nvSpPr>
+          <p:spPr>
+            <a:xfrm rot="10800000">
+              <a:off x="3549534" y="3747621"/>
+              <a:ext cx="256321" cy="210312"/>
+            </a:xfrm>
+            <a:prstGeom prst="triangle">
+              <a:avLst/>
+            </a:prstGeom>
+          </p:spPr>
+          <p:style>
+            <a:lnRef idx="2">
+              <a:schemeClr val="accent1">
+                <a:shade val="15000"/>
+              </a:schemeClr>
+            </a:lnRef>
+            <a:fillRef idx="1">
+              <a:schemeClr val="accent1"/>
+            </a:fillRef>
+            <a:effectRef idx="0">
+              <a:schemeClr val="accent1"/>
+            </a:effectRef>
+            <a:fontRef idx="minor">
+              <a:schemeClr val="lt1"/>
+            </a:fontRef>
+          </p:style>
+          <p:txBody>
+            <a:bodyPr rtlCol="0" anchor="ctr"/>
+            <a:lstStyle/>
+            <a:p>
+              <a:pPr algn="ctr"/>
+              <a:endParaRPr lang="en-US"/>
+            </a:p>
+          </p:txBody>
+        </p:sp>
+        <p:cxnSp>
+          <p:nvCxnSpPr>
+            <p:cNvPr id="22" name="Straight Arrow Connector 21">
+              <a:extLst>
+                <a:ext uri="{FF2B5EF4-FFF2-40B4-BE49-F238E27FC236}">
+                  <a16:creationId xmlns:a16="http://schemas.microsoft.com/office/drawing/2014/main" id="{825851AD-B93D-8B39-69EB-3F990A7F99FE}"/>
+                </a:ext>
+              </a:extLst>
+            </p:cNvPr>
+            <p:cNvCxnSpPr>
+              <a:stCxn id="20" idx="3"/>
+            </p:cNvCxnSpPr>
+            <p:nvPr/>
+          </p:nvCxnSpPr>
+          <p:spPr>
+            <a:xfrm flipV="1">
+              <a:off x="3677694" y="3495470"/>
+              <a:ext cx="1" cy="252151"/>
+            </a:xfrm>
+            <a:prstGeom prst="straightConnector1">
+              <a:avLst/>
+            </a:prstGeom>
+            <a:ln w="28575">
+              <a:headEnd type="none" w="med" len="med"/>
+              <a:tailEnd type="none" w="med" len="med"/>
+            </a:ln>
+          </p:spPr>
+          <p:style>
+            <a:lnRef idx="3">
+              <a:schemeClr val="dk1"/>
+            </a:lnRef>
+            <a:fillRef idx="0">
+              <a:schemeClr val="dk1"/>
+            </a:fillRef>
+            <a:effectRef idx="2">
+              <a:schemeClr val="dk1"/>
+            </a:effectRef>
+            <a:fontRef idx="minor">
+              <a:schemeClr val="tx1"/>
+            </a:fontRef>
+          </p:style>
+        </p:cxnSp>
+        <p:sp>
+          <p:nvSpPr>
+            <p:cNvPr id="24" name="Arrow: Right 23">
+              <a:extLst>
+                <a:ext uri="{FF2B5EF4-FFF2-40B4-BE49-F238E27FC236}">
+                  <a16:creationId xmlns:a16="http://schemas.microsoft.com/office/drawing/2014/main" id="{7A34EBDA-F170-A539-2F10-F08298219245}"/>
+                </a:ext>
+              </a:extLst>
+            </p:cNvPr>
+            <p:cNvSpPr/>
+            <p:nvPr/>
+          </p:nvSpPr>
+          <p:spPr>
+            <a:xfrm>
+              <a:off x="7674090" y="2741418"/>
+              <a:ext cx="630936" cy="365125"/>
+            </a:xfrm>
+            <a:prstGeom prst="rightArrow">
+              <a:avLst/>
+            </a:prstGeom>
+          </p:spPr>
+          <p:style>
+            <a:lnRef idx="2">
+              <a:schemeClr val="accent1">
+                <a:shade val="15000"/>
+              </a:schemeClr>
+            </a:lnRef>
+            <a:fillRef idx="1">
+              <a:schemeClr val="accent1"/>
+            </a:fillRef>
+            <a:effectRef idx="0">
+              <a:schemeClr val="accent1"/>
+            </a:effectRef>
+            <a:fontRef idx="minor">
+              <a:schemeClr val="lt1"/>
+            </a:fontRef>
+          </p:style>
+          <p:txBody>
+            <a:bodyPr rtlCol="0" anchor="ctr"/>
+            <a:lstStyle/>
+            <a:p>
+              <a:pPr algn="ctr"/>
+              <a:endParaRPr lang="en-US"/>
+            </a:p>
+          </p:txBody>
+        </p:sp>
+        <p:sp>
+          <p:nvSpPr>
+            <p:cNvPr id="25" name="Isosceles Triangle 24">
+              <a:extLst>
+                <a:ext uri="{FF2B5EF4-FFF2-40B4-BE49-F238E27FC236}">
+                  <a16:creationId xmlns:a16="http://schemas.microsoft.com/office/drawing/2014/main" id="{0F73C51B-1244-59A8-27A6-917B9C98182B}"/>
+                </a:ext>
+              </a:extLst>
+            </p:cNvPr>
+            <p:cNvSpPr/>
+            <p:nvPr/>
+          </p:nvSpPr>
+          <p:spPr>
+            <a:xfrm rot="5400000">
+              <a:off x="9362037" y="2221555"/>
+              <a:ext cx="1434669" cy="1216060"/>
+            </a:xfrm>
+            <a:prstGeom prst="triangle">
+              <a:avLst/>
+            </a:prstGeom>
+            <a:noFill/>
+            <a:ln w="28575">
+              <a:solidFill>
+                <a:schemeClr val="tx1"/>
+              </a:solidFill>
+            </a:ln>
+          </p:spPr>
+          <p:style>
+            <a:lnRef idx="2">
+              <a:schemeClr val="accent1">
+                <a:shade val="15000"/>
+              </a:schemeClr>
+            </a:lnRef>
+            <a:fillRef idx="1">
+              <a:schemeClr val="accent1"/>
+            </a:fillRef>
+            <a:effectRef idx="0">
+              <a:schemeClr val="accent1"/>
+            </a:effectRef>
+            <a:fontRef idx="minor">
+              <a:schemeClr val="lt1"/>
+            </a:fontRef>
+          </p:style>
+          <p:txBody>
+            <a:bodyPr rtlCol="0" anchor="ctr"/>
+            <a:lstStyle/>
+            <a:p>
+              <a:pPr algn="ctr"/>
+              <a:endParaRPr lang="en-US"/>
+            </a:p>
+          </p:txBody>
+        </p:sp>
+        <p:sp>
+          <p:nvSpPr>
+            <p:cNvPr id="26" name="TextBox 25">
+              <a:extLst>
+                <a:ext uri="{FF2B5EF4-FFF2-40B4-BE49-F238E27FC236}">
+                  <a16:creationId xmlns:a16="http://schemas.microsoft.com/office/drawing/2014/main" id="{ED27FB78-8DD1-1888-F8B9-0722543DE418}"/>
+                </a:ext>
+              </a:extLst>
+            </p:cNvPr>
+            <p:cNvSpPr txBox="1"/>
+            <p:nvPr/>
+          </p:nvSpPr>
+          <p:spPr>
+            <a:xfrm>
+              <a:off x="9471341" y="2847960"/>
+              <a:ext cx="389850" cy="584775"/>
+            </a:xfrm>
+            <a:prstGeom prst="rect">
+              <a:avLst/>
+            </a:prstGeom>
+            <a:noFill/>
+          </p:spPr>
+          <p:txBody>
+            <a:bodyPr wrap="none" rtlCol="0">
+              <a:spAutoFit/>
+            </a:bodyPr>
+            <a:lstStyle/>
+            <a:p>
+              <a:r>
+                <a:rPr lang="en-US" sz="3200" b="1" dirty="0"/>
+                <a:t>+</a:t>
+              </a:r>
+              <a:endParaRPr lang="en-US" b="1" dirty="0"/>
+            </a:p>
+          </p:txBody>
+        </p:sp>
+        <p:sp>
+          <p:nvSpPr>
+            <p:cNvPr id="27" name="TextBox 26">
+              <a:extLst>
+                <a:ext uri="{FF2B5EF4-FFF2-40B4-BE49-F238E27FC236}">
+                  <a16:creationId xmlns:a16="http://schemas.microsoft.com/office/drawing/2014/main" id="{99DB1379-F2E2-E6DB-9624-A191EDC277FB}"/>
+                </a:ext>
+              </a:extLst>
+            </p:cNvPr>
+            <p:cNvSpPr txBox="1"/>
+            <p:nvPr/>
+          </p:nvSpPr>
+          <p:spPr>
+            <a:xfrm>
+              <a:off x="9493036" y="2263185"/>
+              <a:ext cx="309700" cy="584775"/>
+            </a:xfrm>
+            <a:prstGeom prst="rect">
+              <a:avLst/>
+            </a:prstGeom>
+            <a:noFill/>
+          </p:spPr>
+          <p:txBody>
+            <a:bodyPr wrap="none" rtlCol="0">
+              <a:spAutoFit/>
+            </a:bodyPr>
+            <a:lstStyle/>
+            <a:p>
+              <a:r>
+                <a:rPr lang="en-US" sz="3200" b="1" dirty="0"/>
+                <a:t>-</a:t>
+              </a:r>
+              <a:endParaRPr lang="en-US" b="1" dirty="0"/>
+            </a:p>
+          </p:txBody>
+        </p:sp>
+        <p:cxnSp>
+          <p:nvCxnSpPr>
+            <p:cNvPr id="29" name="Straight Connector 28">
+              <a:extLst>
+                <a:ext uri="{FF2B5EF4-FFF2-40B4-BE49-F238E27FC236}">
+                  <a16:creationId xmlns:a16="http://schemas.microsoft.com/office/drawing/2014/main" id="{038CB36C-CB68-E1CC-3342-4C414C5D1C39}"/>
+                </a:ext>
+              </a:extLst>
+            </p:cNvPr>
+            <p:cNvCxnSpPr>
+              <a:cxnSpLocks/>
+              <a:endCxn id="27" idx="1"/>
+            </p:cNvCxnSpPr>
+            <p:nvPr/>
+          </p:nvCxnSpPr>
+          <p:spPr>
+            <a:xfrm>
+              <a:off x="9116568" y="2555572"/>
+              <a:ext cx="376468" cy="1"/>
+            </a:xfrm>
+            <a:prstGeom prst="line">
+              <a:avLst/>
+            </a:prstGeom>
+            <a:ln w="28575"/>
+          </p:spPr>
+          <p:style>
+            <a:lnRef idx="3">
+              <a:schemeClr val="dk1"/>
+            </a:lnRef>
+            <a:fillRef idx="0">
+              <a:schemeClr val="dk1"/>
+            </a:fillRef>
+            <a:effectRef idx="2">
+              <a:schemeClr val="dk1"/>
+            </a:effectRef>
+            <a:fontRef idx="minor">
+              <a:schemeClr val="tx1"/>
+            </a:fontRef>
+          </p:style>
+        </p:cxnSp>
+        <p:cxnSp>
+          <p:nvCxnSpPr>
+            <p:cNvPr id="30" name="Straight Connector 29">
+              <a:extLst>
+                <a:ext uri="{FF2B5EF4-FFF2-40B4-BE49-F238E27FC236}">
+                  <a16:creationId xmlns:a16="http://schemas.microsoft.com/office/drawing/2014/main" id="{1EAFBFAC-EA78-7626-7FEE-413BAA47BB98}"/>
+                </a:ext>
+              </a:extLst>
+            </p:cNvPr>
+            <p:cNvCxnSpPr/>
+            <p:nvPr/>
+          </p:nvCxnSpPr>
+          <p:spPr>
+            <a:xfrm>
+              <a:off x="9116568" y="3194989"/>
+              <a:ext cx="376468" cy="1"/>
+            </a:xfrm>
+            <a:prstGeom prst="line">
+              <a:avLst/>
+            </a:prstGeom>
+            <a:ln w="28575"/>
+          </p:spPr>
+          <p:style>
+            <a:lnRef idx="3">
+              <a:schemeClr val="dk1"/>
+            </a:lnRef>
+            <a:fillRef idx="0">
+              <a:schemeClr val="dk1"/>
+            </a:fillRef>
+            <a:effectRef idx="2">
+              <a:schemeClr val="dk1"/>
+            </a:effectRef>
+            <a:fontRef idx="minor">
+              <a:schemeClr val="tx1"/>
+            </a:fontRef>
+          </p:style>
+        </p:cxnSp>
+        <p:cxnSp>
+          <p:nvCxnSpPr>
+            <p:cNvPr id="31" name="Straight Connector 30">
+              <a:extLst>
+                <a:ext uri="{FF2B5EF4-FFF2-40B4-BE49-F238E27FC236}">
+                  <a16:creationId xmlns:a16="http://schemas.microsoft.com/office/drawing/2014/main" id="{C6CD6473-40B2-7F85-D0E9-472E9493A4AD}"/>
+                </a:ext>
+              </a:extLst>
+            </p:cNvPr>
+            <p:cNvCxnSpPr>
+              <a:cxnSpLocks/>
+            </p:cNvCxnSpPr>
+            <p:nvPr/>
+          </p:nvCxnSpPr>
+          <p:spPr>
+            <a:xfrm>
+              <a:off x="10709097" y="2829585"/>
+              <a:ext cx="376468" cy="1"/>
+            </a:xfrm>
+            <a:prstGeom prst="line">
+              <a:avLst/>
+            </a:prstGeom>
+            <a:ln w="28575"/>
+          </p:spPr>
+          <p:style>
+            <a:lnRef idx="3">
+              <a:schemeClr val="dk1"/>
+            </a:lnRef>
+            <a:fillRef idx="0">
+              <a:schemeClr val="dk1"/>
+            </a:fillRef>
+            <a:effectRef idx="2">
+              <a:schemeClr val="dk1"/>
+            </a:effectRef>
+            <a:fontRef idx="minor">
+              <a:schemeClr val="tx1"/>
+            </a:fontRef>
+          </p:style>
+        </p:cxnSp>
+        <p:cxnSp>
+          <p:nvCxnSpPr>
+            <p:cNvPr id="32" name="Straight Connector 31">
+              <a:extLst>
+                <a:ext uri="{FF2B5EF4-FFF2-40B4-BE49-F238E27FC236}">
+                  <a16:creationId xmlns:a16="http://schemas.microsoft.com/office/drawing/2014/main" id="{D1FC5212-5A5A-0971-6629-D2E3AB5A12B5}"/>
+                </a:ext>
+              </a:extLst>
+            </p:cNvPr>
+            <p:cNvCxnSpPr>
+              <a:cxnSpLocks/>
+            </p:cNvCxnSpPr>
+            <p:nvPr/>
+          </p:nvCxnSpPr>
+          <p:spPr>
+            <a:xfrm>
+              <a:off x="10195359" y="3140347"/>
+              <a:ext cx="0" cy="355123"/>
+            </a:xfrm>
+            <a:prstGeom prst="line">
+              <a:avLst/>
+            </a:prstGeom>
+            <a:ln w="28575"/>
+          </p:spPr>
+          <p:style>
+            <a:lnRef idx="3">
+              <a:schemeClr val="dk1"/>
+            </a:lnRef>
+            <a:fillRef idx="0">
+              <a:schemeClr val="dk1"/>
+            </a:fillRef>
+            <a:effectRef idx="2">
+              <a:schemeClr val="dk1"/>
+            </a:effectRef>
+            <a:fontRef idx="minor">
+              <a:schemeClr val="tx1"/>
+            </a:fontRef>
+          </p:style>
+        </p:cxnSp>
+        <mc:AlternateContent xmlns:mc="http://schemas.openxmlformats.org/markup-compatibility/2006">
+          <mc:Choice xmlns:a14="http://schemas.microsoft.com/office/drawing/2010/main" Requires="a14">
+            <p:sp>
+              <p:nvSpPr>
+                <p:cNvPr id="36" name="TextBox 35">
+                  <a:extLst>
+                    <a:ext uri="{FF2B5EF4-FFF2-40B4-BE49-F238E27FC236}">
+                      <a16:creationId xmlns:a16="http://schemas.microsoft.com/office/drawing/2014/main" id="{4C1726F2-6CF4-D4D3-1ED2-6E2CF731798A}"/>
+                    </a:ext>
+                  </a:extLst>
+                </p:cNvPr>
+                <p:cNvSpPr txBox="1"/>
+                <p:nvPr/>
+              </p:nvSpPr>
+              <p:spPr>
+                <a:xfrm>
+                  <a:off x="8755507" y="3080933"/>
+                  <a:ext cx="538447" cy="298415"/>
+                </a:xfrm>
+                <a:prstGeom prst="rect">
+                  <a:avLst/>
+                </a:prstGeom>
+                <a:noFill/>
+              </p:spPr>
+              <p:txBody>
+                <a:bodyPr wrap="square" lIns="0" tIns="0" rIns="0" bIns="0" rtlCol="0">
+                  <a:spAutoFit/>
+                </a:bodyPr>
+                <a:lstStyle/>
+                <a:p>
+                  <a:pPr/>
+                  <a14:m>
+                    <m:oMathPara xmlns:m="http://schemas.openxmlformats.org/officeDocument/2006/math">
+                      <m:oMathParaPr>
+                        <m:jc m:val="centerGroup"/>
+                      </m:oMathParaPr>
+                      <m:oMath xmlns:m="http://schemas.openxmlformats.org/officeDocument/2006/math">
+                        <m:sSub>
+                          <m:sSubPr>
+                            <m:ctrlPr>
+                              <a:rPr lang="en-US" b="0" i="1" smtClean="0">
+                                <a:solidFill>
+                                  <a:srgbClr val="0070C0"/>
+                                </a:solidFill>
+                                <a:latin typeface="Cambria Math" panose="02040503050406030204" pitchFamily="18" charset="0"/>
+                              </a:rPr>
+                            </m:ctrlPr>
+                          </m:sSubPr>
+                          <m:e>
+                            <m:r>
+                              <a:rPr lang="en-US" b="0" i="1" smtClean="0">
+                                <a:solidFill>
+                                  <a:srgbClr val="0070C0"/>
+                                </a:solidFill>
+                                <a:latin typeface="Cambria Math" panose="02040503050406030204" pitchFamily="18" charset="0"/>
+                              </a:rPr>
+                              <m:t>𝑣</m:t>
+                            </m:r>
+                          </m:e>
+                          <m:sub>
+                            <m:r>
+                              <a:rPr lang="en-US" b="0" i="1" smtClean="0">
+                                <a:solidFill>
+                                  <a:srgbClr val="0070C0"/>
+                                </a:solidFill>
+                                <a:latin typeface="Cambria Math" panose="02040503050406030204" pitchFamily="18" charset="0"/>
+                              </a:rPr>
+                              <m:t>𝑖</m:t>
+                            </m:r>
+                            <m:r>
+                              <a:rPr lang="en-US" b="0" i="1" smtClean="0">
+                                <a:solidFill>
+                                  <a:srgbClr val="0070C0"/>
+                                </a:solidFill>
+                                <a:latin typeface="Cambria Math" panose="02040503050406030204" pitchFamily="18" charset="0"/>
+                              </a:rPr>
+                              <m:t>𝑝</m:t>
+                            </m:r>
+                          </m:sub>
+                        </m:sSub>
+                      </m:oMath>
+                    </m:oMathPara>
+                  </a14:m>
+                  <a:endParaRPr lang="en-US" dirty="0">
+                    <a:solidFill>
+                      <a:srgbClr val="0070C0"/>
+                    </a:solidFill>
+                  </a:endParaRPr>
+                </a:p>
+              </p:txBody>
+            </p:sp>
+          </mc:Choice>
+          <mc:Fallback>
+            <p:sp>
+              <p:nvSpPr>
+                <p:cNvPr id="36" name="TextBox 35">
+                  <a:extLst>
+                    <a:ext uri="{FF2B5EF4-FFF2-40B4-BE49-F238E27FC236}">
+                      <a16:creationId xmlns:a16="http://schemas.microsoft.com/office/drawing/2014/main" id="{4C1726F2-6CF4-D4D3-1ED2-6E2CF731798A}"/>
+                    </a:ext>
+                  </a:extLst>
+                </p:cNvPr>
+                <p:cNvSpPr txBox="1">
+                  <a:spLocks noRot="1" noChangeAspect="1" noMove="1" noResize="1" noEditPoints="1" noAdjustHandles="1" noChangeArrowheads="1" noChangeShapeType="1" noTextEdit="1"/>
+                </p:cNvSpPr>
+                <p:nvPr/>
+              </p:nvSpPr>
+              <p:spPr>
+                <a:xfrm>
+                  <a:off x="8755507" y="3080933"/>
+                  <a:ext cx="538447" cy="298415"/>
+                </a:xfrm>
+                <a:prstGeom prst="rect">
+                  <a:avLst/>
+                </a:prstGeom>
+                <a:blipFill>
+                  <a:blip r:embed="rId13"/>
+                  <a:stretch>
+                    <a:fillRect b="-20408"/>
+                  </a:stretch>
+                </a:blipFill>
+              </p:spPr>
+              <p:txBody>
+                <a:bodyPr/>
+                <a:lstStyle/>
+                <a:p>
+                  <a:r>
+                    <a:rPr lang="en-US">
+                      <a:noFill/>
+                    </a:rPr>
+                    <a:t> </a:t>
+                  </a:r>
+                </a:p>
+              </p:txBody>
+            </p:sp>
+          </mc:Fallback>
+        </mc:AlternateContent>
+        <mc:AlternateContent xmlns:mc="http://schemas.openxmlformats.org/markup-compatibility/2006">
+          <mc:Choice xmlns:a14="http://schemas.microsoft.com/office/drawing/2010/main" Requires="a14">
+            <p:sp>
+              <p:nvSpPr>
+                <p:cNvPr id="37" name="TextBox 36">
+                  <a:extLst>
+                    <a:ext uri="{FF2B5EF4-FFF2-40B4-BE49-F238E27FC236}">
+                      <a16:creationId xmlns:a16="http://schemas.microsoft.com/office/drawing/2014/main" id="{D434B6B5-743C-5346-16B4-9AFCD372A59A}"/>
+                    </a:ext>
+                  </a:extLst>
+                </p:cNvPr>
+                <p:cNvSpPr txBox="1"/>
+                <p:nvPr/>
+              </p:nvSpPr>
+              <p:spPr>
+                <a:xfrm>
+                  <a:off x="8497131" y="2412393"/>
+                  <a:ext cx="995905" cy="276999"/>
+                </a:xfrm>
+                <a:prstGeom prst="rect">
+                  <a:avLst/>
+                </a:prstGeom>
+                <a:noFill/>
+              </p:spPr>
+              <p:txBody>
+                <a:bodyPr wrap="square" lIns="0" tIns="0" rIns="0" bIns="0" rtlCol="0">
+                  <a:spAutoFit/>
+                </a:bodyPr>
+                <a:lstStyle/>
+                <a:p>
+                  <a:pPr/>
+                  <a14:m>
+                    <m:oMathPara xmlns:m="http://schemas.openxmlformats.org/officeDocument/2006/math">
+                      <m:oMathParaPr>
+                        <m:jc m:val="centerGroup"/>
+                      </m:oMathParaPr>
+                      <m:oMath xmlns:m="http://schemas.openxmlformats.org/officeDocument/2006/math">
+                        <m:sSub>
+                          <m:sSubPr>
+                            <m:ctrlPr>
+                              <a:rPr lang="en-US" b="0" i="1" smtClean="0">
+                                <a:solidFill>
+                                  <a:srgbClr val="0070C0"/>
+                                </a:solidFill>
+                                <a:latin typeface="Cambria Math" panose="02040503050406030204" pitchFamily="18" charset="0"/>
+                              </a:rPr>
+                            </m:ctrlPr>
+                          </m:sSubPr>
+                          <m:e>
+                            <m:r>
+                              <a:rPr lang="en-US" b="0" i="1" smtClean="0">
+                                <a:solidFill>
+                                  <a:srgbClr val="0070C0"/>
+                                </a:solidFill>
+                                <a:latin typeface="Cambria Math" panose="02040503050406030204" pitchFamily="18" charset="0"/>
+                              </a:rPr>
+                              <m:t>𝑣</m:t>
+                            </m:r>
+                          </m:e>
+                          <m:sub>
+                            <m:r>
+                              <a:rPr lang="en-US" b="0" i="1" smtClean="0">
+                                <a:solidFill>
+                                  <a:srgbClr val="0070C0"/>
+                                </a:solidFill>
+                                <a:latin typeface="Cambria Math" panose="02040503050406030204" pitchFamily="18" charset="0"/>
+                              </a:rPr>
+                              <m:t>𝑖</m:t>
+                            </m:r>
+                            <m:r>
+                              <a:rPr lang="en-US" b="0" i="1" smtClean="0">
+                                <a:solidFill>
+                                  <a:srgbClr val="0070C0"/>
+                                </a:solidFill>
+                                <a:latin typeface="Cambria Math" panose="02040503050406030204" pitchFamily="18" charset="0"/>
+                              </a:rPr>
+                              <m:t>𝑚</m:t>
+                            </m:r>
+                          </m:sub>
+                        </m:sSub>
+                      </m:oMath>
+                    </m:oMathPara>
+                  </a14:m>
+                  <a:endParaRPr lang="en-US" dirty="0">
+                    <a:solidFill>
+                      <a:srgbClr val="0070C0"/>
+                    </a:solidFill>
+                  </a:endParaRPr>
+                </a:p>
+              </p:txBody>
+            </p:sp>
+          </mc:Choice>
+          <mc:Fallback>
+            <p:sp>
+              <p:nvSpPr>
+                <p:cNvPr id="37" name="TextBox 36">
+                  <a:extLst>
+                    <a:ext uri="{FF2B5EF4-FFF2-40B4-BE49-F238E27FC236}">
+                      <a16:creationId xmlns:a16="http://schemas.microsoft.com/office/drawing/2014/main" id="{D434B6B5-743C-5346-16B4-9AFCD372A59A}"/>
+                    </a:ext>
+                  </a:extLst>
+                </p:cNvPr>
+                <p:cNvSpPr txBox="1">
+                  <a:spLocks noRot="1" noChangeAspect="1" noMove="1" noResize="1" noEditPoints="1" noAdjustHandles="1" noChangeArrowheads="1" noChangeShapeType="1" noTextEdit="1"/>
+                </p:cNvSpPr>
+                <p:nvPr/>
+              </p:nvSpPr>
+              <p:spPr>
+                <a:xfrm>
+                  <a:off x="8497131" y="2412393"/>
+                  <a:ext cx="995905" cy="276999"/>
+                </a:xfrm>
+                <a:prstGeom prst="rect">
+                  <a:avLst/>
+                </a:prstGeom>
+                <a:blipFill>
+                  <a:blip r:embed="rId14"/>
+                  <a:stretch>
+                    <a:fillRect b="-17391"/>
+                  </a:stretch>
+                </a:blipFill>
+              </p:spPr>
+              <p:txBody>
+                <a:bodyPr/>
+                <a:lstStyle/>
+                <a:p>
+                  <a:r>
+                    <a:rPr lang="en-US">
+                      <a:noFill/>
+                    </a:rPr>
+                    <a:t> </a:t>
+                  </a:r>
+                </a:p>
+              </p:txBody>
+            </p:sp>
+          </mc:Fallback>
+        </mc:AlternateContent>
+        <mc:AlternateContent xmlns:mc="http://schemas.openxmlformats.org/markup-compatibility/2006">
+          <mc:Choice xmlns:a14="http://schemas.microsoft.com/office/drawing/2010/main" Requires="a14">
+            <p:sp>
+              <p:nvSpPr>
+                <p:cNvPr id="38" name="TextBox 37">
+                  <a:extLst>
+                    <a:ext uri="{FF2B5EF4-FFF2-40B4-BE49-F238E27FC236}">
+                      <a16:creationId xmlns:a16="http://schemas.microsoft.com/office/drawing/2014/main" id="{06B54FD5-8CF4-5198-64DB-3126367E0C0B}"/>
+                    </a:ext>
+                  </a:extLst>
+                </p:cNvPr>
+                <p:cNvSpPr txBox="1"/>
+                <p:nvPr/>
+              </p:nvSpPr>
+              <p:spPr>
+                <a:xfrm>
+                  <a:off x="10973607" y="2680377"/>
+                  <a:ext cx="538447" cy="298415"/>
+                </a:xfrm>
+                <a:prstGeom prst="rect">
+                  <a:avLst/>
+                </a:prstGeom>
+                <a:noFill/>
+              </p:spPr>
+              <p:txBody>
+                <a:bodyPr wrap="square" lIns="0" tIns="0" rIns="0" bIns="0" rtlCol="0">
+                  <a:spAutoFit/>
+                </a:bodyPr>
+                <a:lstStyle/>
+                <a:p>
+                  <a:pPr/>
+                  <a14:m>
+                    <m:oMathPara xmlns:m="http://schemas.openxmlformats.org/officeDocument/2006/math">
+                      <m:oMathParaPr>
+                        <m:jc m:val="centerGroup"/>
+                      </m:oMathParaPr>
+                      <m:oMath xmlns:m="http://schemas.openxmlformats.org/officeDocument/2006/math">
+                        <m:sSub>
+                          <m:sSubPr>
+                            <m:ctrlPr>
+                              <a:rPr lang="en-US" b="0" i="1" smtClean="0">
+                                <a:solidFill>
+                                  <a:srgbClr val="0070C0"/>
+                                </a:solidFill>
+                                <a:latin typeface="Cambria Math" panose="02040503050406030204" pitchFamily="18" charset="0"/>
+                              </a:rPr>
+                            </m:ctrlPr>
+                          </m:sSubPr>
+                          <m:e>
+                            <m:r>
+                              <a:rPr lang="en-US" b="0" i="1" smtClean="0">
+                                <a:solidFill>
+                                  <a:srgbClr val="0070C0"/>
+                                </a:solidFill>
+                                <a:latin typeface="Cambria Math" panose="02040503050406030204" pitchFamily="18" charset="0"/>
+                              </a:rPr>
+                              <m:t>𝑣</m:t>
+                            </m:r>
+                          </m:e>
+                          <m:sub>
+                            <m:r>
+                              <a:rPr lang="en-US" b="0" i="1" smtClean="0">
+                                <a:solidFill>
+                                  <a:srgbClr val="0070C0"/>
+                                </a:solidFill>
+                                <a:latin typeface="Cambria Math" panose="02040503050406030204" pitchFamily="18" charset="0"/>
+                              </a:rPr>
+                              <m:t>𝑜𝑝</m:t>
+                            </m:r>
+                          </m:sub>
+                        </m:sSub>
+                      </m:oMath>
+                    </m:oMathPara>
+                  </a14:m>
+                  <a:endParaRPr lang="en-US" dirty="0">
+                    <a:solidFill>
+                      <a:srgbClr val="0070C0"/>
+                    </a:solidFill>
+                  </a:endParaRPr>
+                </a:p>
+              </p:txBody>
+            </p:sp>
+          </mc:Choice>
+          <mc:Fallback>
+            <p:sp>
+              <p:nvSpPr>
+                <p:cNvPr id="38" name="TextBox 37">
+                  <a:extLst>
+                    <a:ext uri="{FF2B5EF4-FFF2-40B4-BE49-F238E27FC236}">
+                      <a16:creationId xmlns:a16="http://schemas.microsoft.com/office/drawing/2014/main" id="{06B54FD5-8CF4-5198-64DB-3126367E0C0B}"/>
+                    </a:ext>
+                  </a:extLst>
+                </p:cNvPr>
+                <p:cNvSpPr txBox="1">
+                  <a:spLocks noRot="1" noChangeAspect="1" noMove="1" noResize="1" noEditPoints="1" noAdjustHandles="1" noChangeArrowheads="1" noChangeShapeType="1" noTextEdit="1"/>
+                </p:cNvSpPr>
+                <p:nvPr/>
+              </p:nvSpPr>
+              <p:spPr>
+                <a:xfrm>
+                  <a:off x="10973607" y="2680377"/>
+                  <a:ext cx="538447" cy="298415"/>
+                </a:xfrm>
+                <a:prstGeom prst="rect">
+                  <a:avLst/>
+                </a:prstGeom>
+                <a:blipFill>
+                  <a:blip r:embed="rId15"/>
+                  <a:stretch>
+                    <a:fillRect b="-20408"/>
+                  </a:stretch>
+                </a:blipFill>
+              </p:spPr>
+              <p:txBody>
+                <a:bodyPr/>
+                <a:lstStyle/>
+                <a:p>
+                  <a:r>
+                    <a:rPr lang="en-US">
+                      <a:noFill/>
+                    </a:rPr>
+                    <a:t> </a:t>
+                  </a:r>
+                </a:p>
+              </p:txBody>
+            </p:sp>
+          </mc:Fallback>
+        </mc:AlternateContent>
+        <mc:AlternateContent xmlns:mc="http://schemas.openxmlformats.org/markup-compatibility/2006">
+          <mc:Choice xmlns:a14="http://schemas.microsoft.com/office/drawing/2010/main" Requires="a14">
+            <p:sp>
+              <p:nvSpPr>
+                <p:cNvPr id="39" name="TextBox 38">
+                  <a:extLst>
+                    <a:ext uri="{FF2B5EF4-FFF2-40B4-BE49-F238E27FC236}">
+                      <a16:creationId xmlns:a16="http://schemas.microsoft.com/office/drawing/2014/main" id="{888B9517-966A-32B5-987D-B22FEB158ED9}"/>
+                    </a:ext>
+                  </a:extLst>
+                </p:cNvPr>
+                <p:cNvSpPr txBox="1"/>
+                <p:nvPr/>
+              </p:nvSpPr>
+              <p:spPr>
+                <a:xfrm>
+                  <a:off x="9861191" y="3379348"/>
+                  <a:ext cx="538447" cy="276999"/>
+                </a:xfrm>
+                <a:prstGeom prst="rect">
+                  <a:avLst/>
+                </a:prstGeom>
+                <a:noFill/>
+              </p:spPr>
+              <p:txBody>
+                <a:bodyPr wrap="square" lIns="0" tIns="0" rIns="0" bIns="0" rtlCol="0">
+                  <a:spAutoFit/>
+                </a:bodyPr>
+                <a:lstStyle/>
+                <a:p>
+                  <a:pPr/>
+                  <a14:m>
+                    <m:oMathPara xmlns:m="http://schemas.openxmlformats.org/officeDocument/2006/math">
+                      <m:oMathParaPr>
+                        <m:jc m:val="centerGroup"/>
+                      </m:oMathParaPr>
+                      <m:oMath xmlns:m="http://schemas.openxmlformats.org/officeDocument/2006/math">
+                        <m:sSub>
+                          <m:sSubPr>
+                            <m:ctrlPr>
+                              <a:rPr lang="en-US" b="0" i="1" smtClean="0">
+                                <a:solidFill>
+                                  <a:srgbClr val="0070C0"/>
+                                </a:solidFill>
+                                <a:latin typeface="Cambria Math" panose="02040503050406030204" pitchFamily="18" charset="0"/>
+                              </a:rPr>
+                            </m:ctrlPr>
+                          </m:sSubPr>
+                          <m:e>
+                            <m:r>
+                              <a:rPr lang="en-US" b="0" i="1" smtClean="0">
+                                <a:solidFill>
+                                  <a:srgbClr val="0070C0"/>
+                                </a:solidFill>
+                                <a:latin typeface="Cambria Math" panose="02040503050406030204" pitchFamily="18" charset="0"/>
+                              </a:rPr>
+                              <m:t>𝑣</m:t>
+                            </m:r>
+                          </m:e>
+                          <m:sub>
+                            <m:r>
+                              <a:rPr lang="en-US" b="0" i="1" smtClean="0">
+                                <a:solidFill>
+                                  <a:srgbClr val="0070C0"/>
+                                </a:solidFill>
+                                <a:latin typeface="Cambria Math" panose="02040503050406030204" pitchFamily="18" charset="0"/>
+                              </a:rPr>
+                              <m:t>𝑜𝑚</m:t>
+                            </m:r>
+                          </m:sub>
+                        </m:sSub>
+                      </m:oMath>
+                    </m:oMathPara>
+                  </a14:m>
+                  <a:endParaRPr lang="en-US" dirty="0">
+                    <a:solidFill>
+                      <a:srgbClr val="0070C0"/>
+                    </a:solidFill>
+                  </a:endParaRPr>
+                </a:p>
+              </p:txBody>
+            </p:sp>
+          </mc:Choice>
+          <mc:Fallback>
+            <p:sp>
+              <p:nvSpPr>
+                <p:cNvPr id="39" name="TextBox 38">
+                  <a:extLst>
+                    <a:ext uri="{FF2B5EF4-FFF2-40B4-BE49-F238E27FC236}">
+                      <a16:creationId xmlns:a16="http://schemas.microsoft.com/office/drawing/2014/main" id="{888B9517-966A-32B5-987D-B22FEB158ED9}"/>
+                    </a:ext>
+                  </a:extLst>
+                </p:cNvPr>
+                <p:cNvSpPr txBox="1">
+                  <a:spLocks noRot="1" noChangeAspect="1" noMove="1" noResize="1" noEditPoints="1" noAdjustHandles="1" noChangeArrowheads="1" noChangeShapeType="1" noTextEdit="1"/>
+                </p:cNvSpPr>
+                <p:nvPr/>
+              </p:nvSpPr>
+              <p:spPr>
+                <a:xfrm>
+                  <a:off x="9861191" y="3379348"/>
+                  <a:ext cx="538447" cy="276999"/>
+                </a:xfrm>
+                <a:prstGeom prst="rect">
+                  <a:avLst/>
+                </a:prstGeom>
+                <a:blipFill>
+                  <a:blip r:embed="rId16"/>
+                  <a:stretch>
+                    <a:fillRect b="-11111"/>
+                  </a:stretch>
+                </a:blipFill>
+              </p:spPr>
+              <p:txBody>
+                <a:bodyPr/>
+                <a:lstStyle/>
+                <a:p>
+                  <a:r>
+                    <a:rPr lang="en-US">
+                      <a:noFill/>
+                    </a:rPr>
+                    <a:t> </a:t>
+                  </a:r>
+                </a:p>
+              </p:txBody>
+            </p:sp>
+          </mc:Fallback>
+        </mc:AlternateContent>
+        <p:sp>
+          <p:nvSpPr>
+            <p:cNvPr id="40" name="TextBox 39">
+              <a:extLst>
+                <a:ext uri="{FF2B5EF4-FFF2-40B4-BE49-F238E27FC236}">
+                  <a16:creationId xmlns:a16="http://schemas.microsoft.com/office/drawing/2014/main" id="{64C301D8-759B-B006-35BB-1B8C208B3390}"/>
+                </a:ext>
+              </a:extLst>
+            </p:cNvPr>
+            <p:cNvSpPr txBox="1"/>
+            <p:nvPr/>
+          </p:nvSpPr>
+          <p:spPr>
+            <a:xfrm>
+              <a:off x="1510074" y="3905452"/>
+              <a:ext cx="3548857" cy="369332"/>
+            </a:xfrm>
+            <a:prstGeom prst="rect">
+              <a:avLst/>
+            </a:prstGeom>
+            <a:noFill/>
+          </p:spPr>
+          <p:txBody>
+            <a:bodyPr wrap="none" rtlCol="0">
+              <a:spAutoFit/>
+            </a:bodyPr>
+            <a:lstStyle/>
+            <a:p>
+              <a:r>
+                <a:rPr lang="en-US" dirty="0"/>
+                <a:t>(a) Schematic of the Op-Amp model</a:t>
+              </a:r>
+            </a:p>
+          </p:txBody>
+        </p:sp>
+        <p:sp>
+          <p:nvSpPr>
+            <p:cNvPr id="41" name="TextBox 40">
+              <a:extLst>
+                <a:ext uri="{FF2B5EF4-FFF2-40B4-BE49-F238E27FC236}">
+                  <a16:creationId xmlns:a16="http://schemas.microsoft.com/office/drawing/2014/main" id="{C1BB12B2-F916-1921-EF3E-99251407D176}"/>
+                </a:ext>
+              </a:extLst>
+            </p:cNvPr>
+            <p:cNvSpPr txBox="1"/>
+            <p:nvPr/>
+          </p:nvSpPr>
+          <p:spPr>
+            <a:xfrm>
+              <a:off x="8304942" y="3905452"/>
+              <a:ext cx="3275640" cy="369332"/>
+            </a:xfrm>
+            <a:prstGeom prst="rect">
+              <a:avLst/>
+            </a:prstGeom>
+            <a:noFill/>
+          </p:spPr>
+          <p:txBody>
+            <a:bodyPr wrap="none" rtlCol="0">
+              <a:spAutoFit/>
+            </a:bodyPr>
+            <a:lstStyle/>
+            <a:p>
+              <a:r>
+                <a:rPr lang="en-US" dirty="0"/>
+                <a:t>(a) Symbol of the Op-Amp model</a:t>
+              </a:r>
+            </a:p>
+          </p:txBody>
+        </p:sp>
+      </p:grpSp>
+    </p:spTree>
+    <p:extLst>
+      <p:ext uri="{BB962C8B-B14F-4D97-AF65-F5344CB8AC3E}">
+        <p14:creationId xmlns:p14="http://schemas.microsoft.com/office/powerpoint/2010/main" val="4213063134"/>
       </p:ext>
     </p:extLst>
   </p:cSld>
